--- a/doc/HW2/Tower Probe Race Condition.pptx
+++ b/doc/HW2/Tower Probe Race Condition.pptx
@@ -5,38 +5,50 @@
     <p:sldMasterId id="2147483679" r:id="rId1"/>
   </p:sldMasterIdLst>
   <p:notesMasterIdLst>
-    <p:notesMasterId r:id="rId16"/>
+    <p:notesMasterId r:id="rId28"/>
   </p:notesMasterIdLst>
   <p:sldIdLst>
     <p:sldId id="256" r:id="rId2"/>
-    <p:sldId id="257" r:id="rId3"/>
-    <p:sldId id="258" r:id="rId4"/>
-    <p:sldId id="259" r:id="rId5"/>
-    <p:sldId id="260" r:id="rId6"/>
-    <p:sldId id="261" r:id="rId7"/>
-    <p:sldId id="262" r:id="rId8"/>
-    <p:sldId id="263" r:id="rId9"/>
-    <p:sldId id="264" r:id="rId10"/>
-    <p:sldId id="265" r:id="rId11"/>
-    <p:sldId id="266" r:id="rId12"/>
-    <p:sldId id="269" r:id="rId13"/>
-    <p:sldId id="271" r:id="rId14"/>
-    <p:sldId id="267" r:id="rId15"/>
+    <p:sldId id="272" r:id="rId3"/>
+    <p:sldId id="257" r:id="rId4"/>
+    <p:sldId id="258" r:id="rId5"/>
+    <p:sldId id="259" r:id="rId6"/>
+    <p:sldId id="260" r:id="rId7"/>
+    <p:sldId id="261" r:id="rId8"/>
+    <p:sldId id="262" r:id="rId9"/>
+    <p:sldId id="263" r:id="rId10"/>
+    <p:sldId id="264" r:id="rId11"/>
+    <p:sldId id="265" r:id="rId12"/>
+    <p:sldId id="266" r:id="rId13"/>
+    <p:sldId id="269" r:id="rId14"/>
+    <p:sldId id="271" r:id="rId15"/>
+    <p:sldId id="273" r:id="rId16"/>
+    <p:sldId id="276" r:id="rId17"/>
+    <p:sldId id="275" r:id="rId18"/>
+    <p:sldId id="279" r:id="rId19"/>
+    <p:sldId id="280" r:id="rId20"/>
+    <p:sldId id="281" r:id="rId21"/>
+    <p:sldId id="274" r:id="rId22"/>
+    <p:sldId id="282" r:id="rId23"/>
+    <p:sldId id="283" r:id="rId24"/>
+    <p:sldId id="277" r:id="rId25"/>
+    <p:sldId id="284" r:id="rId26"/>
+    <p:sldId id="267" r:id="rId27"/>
   </p:sldIdLst>
   <p:sldSz cx="9144000" cy="5143500" type="screen16x9"/>
   <p:notesSz cx="6858000" cy="9144000"/>
   <p:embeddedFontLst>
     <p:embeddedFont>
       <p:font typeface="Calibri" panose="020F0502020204030204" pitchFamily="34" charset="0"/>
-      <p:regular r:id="rId17"/>
-      <p:bold r:id="rId18"/>
-      <p:italic r:id="rId19"/>
-      <p:boldItalic r:id="rId20"/>
+      <p:regular r:id="rId29"/>
+      <p:bold r:id="rId30"/>
+      <p:italic r:id="rId31"/>
+      <p:boldItalic r:id="rId32"/>
     </p:embeddedFont>
     <p:embeddedFont>
       <p:font typeface="Calibri Light" panose="020F0302020204030204" pitchFamily="34" charset="0"/>
-      <p:regular r:id="rId21"/>
-      <p:italic r:id="rId22"/>
+      <p:regular r:id="rId33"/>
+      <p:italic r:id="rId34"/>
     </p:embeddedFont>
   </p:embeddedFontLst>
   <p:defaultTextStyle>
@@ -6327,6 +6339,172 @@
   <p:cSld>
     <p:spTree>
       <p:nvGrpSpPr>
+        <p:cNvPr id="1" name="Shape 110"/>
+        <p:cNvGrpSpPr/>
+        <p:nvPr/>
+      </p:nvGrpSpPr>
+      <p:grpSpPr>
+        <a:xfrm>
+          <a:off x="0" y="0"/>
+          <a:ext cx="0" cy="0"/>
+          <a:chOff x="0" y="0"/>
+          <a:chExt cx="0" cy="0"/>
+        </a:xfrm>
+      </p:grpSpPr>
+      <p:sp>
+        <p:nvSpPr>
+          <p:cNvPr id="111" name="Google Shape;111;p21"/>
+          <p:cNvSpPr txBox="1">
+            <a:spLocks noGrp="1"/>
+          </p:cNvSpPr>
+          <p:nvPr>
+            <p:ph type="title"/>
+          </p:nvPr>
+        </p:nvSpPr>
+        <p:spPr>
+          <a:prstGeom prst="rect">
+            <a:avLst/>
+          </a:prstGeom>
+        </p:spPr>
+        <p:txBody>
+          <a:bodyPr spcFirstLastPara="1" wrap="square" lIns="91425" tIns="91425" rIns="91425" bIns="91425" anchor="t" anchorCtr="0">
+            <a:noAutofit/>
+          </a:bodyPr>
+          <a:lstStyle/>
+          <a:p>
+            <a:pPr marL="0" lvl="0" indent="0" algn="l" rtl="0">
+              <a:spcBef>
+                <a:spcPts val="0"/>
+              </a:spcBef>
+              <a:spcAft>
+                <a:spcPts val="0"/>
+              </a:spcAft>
+              <a:buNone/>
+            </a:pPr>
+            <a:r>
+              <a:rPr lang="en"/>
+              <a:t>Solution</a:t>
+            </a:r>
+            <a:endParaRPr/>
+          </a:p>
+        </p:txBody>
+      </p:sp>
+      <p:sp>
+        <p:nvSpPr>
+          <p:cNvPr id="112" name="Google Shape;112;p21"/>
+          <p:cNvSpPr txBox="1">
+            <a:spLocks noGrp="1"/>
+          </p:cNvSpPr>
+          <p:nvPr>
+            <p:ph type="body" idx="1"/>
+          </p:nvPr>
+        </p:nvSpPr>
+        <p:spPr>
+          <a:xfrm>
+            <a:off x="311700" y="1354181"/>
+            <a:ext cx="8520600" cy="3416400"/>
+          </a:xfrm>
+          <a:prstGeom prst="rect">
+            <a:avLst/>
+          </a:prstGeom>
+        </p:spPr>
+        <p:txBody>
+          <a:bodyPr spcFirstLastPara="1" wrap="square" lIns="91425" tIns="91425" rIns="91425" bIns="91425" anchor="t" anchorCtr="0">
+            <a:noAutofit/>
+          </a:bodyPr>
+          <a:lstStyle/>
+          <a:p>
+            <a:pPr marL="0" lvl="0" indent="0" algn="l" rtl="0">
+              <a:spcBef>
+                <a:spcPts val="0"/>
+              </a:spcBef>
+              <a:spcAft>
+                <a:spcPts val="0"/>
+              </a:spcAft>
+              <a:buNone/>
+            </a:pPr>
+            <a:r>
+              <a:rPr lang="en" dirty="0"/>
+              <a:t>Solution is fairly simple</a:t>
+            </a:r>
+            <a:endParaRPr dirty="0"/>
+          </a:p>
+          <a:p>
+            <a:pPr marL="0" lvl="0" indent="0" algn="l" rtl="0">
+              <a:spcBef>
+                <a:spcPts val="1600"/>
+              </a:spcBef>
+              <a:spcAft>
+                <a:spcPts val="0"/>
+              </a:spcAft>
+              <a:buNone/>
+            </a:pPr>
+            <a:r>
+              <a:rPr lang="en" dirty="0"/>
+              <a:t>It’s only a restructuring of the already existing code in Tower_Probe</a:t>
+            </a:r>
+            <a:endParaRPr dirty="0"/>
+          </a:p>
+          <a:p>
+            <a:pPr marL="0" lvl="0" indent="0" algn="l" rtl="0">
+              <a:spcBef>
+                <a:spcPts val="1600"/>
+              </a:spcBef>
+              <a:spcAft>
+                <a:spcPts val="0"/>
+              </a:spcAft>
+              <a:buNone/>
+            </a:pPr>
+            <a:r>
+              <a:rPr lang="en" dirty="0"/>
+              <a:t>Instead of registering the device before confirming board’s ID we register it after the confirmation</a:t>
+            </a:r>
+            <a:endParaRPr dirty="0"/>
+          </a:p>
+          <a:p>
+            <a:pPr marL="457200" lvl="0" indent="-342900" algn="l" rtl="0">
+              <a:spcBef>
+                <a:spcPts val="1600"/>
+              </a:spcBef>
+              <a:spcAft>
+                <a:spcPts val="0"/>
+              </a:spcAft>
+              <a:buSzPts val="1800"/>
+              <a:buChar char="●"/>
+            </a:pPr>
+            <a:r>
+              <a:rPr lang="en" dirty="0"/>
+              <a:t>Makes stalling meaningless by eliminating the possibility of a read/write operation to happen concurrently with a Tower_Delete</a:t>
+            </a:r>
+            <a:endParaRPr dirty="0"/>
+          </a:p>
+          <a:p>
+            <a:pPr marL="0" lvl="0" indent="0" algn="l" rtl="0">
+              <a:spcBef>
+                <a:spcPts val="1600"/>
+              </a:spcBef>
+              <a:spcAft>
+                <a:spcPts val="1600"/>
+              </a:spcAft>
+              <a:buNone/>
+            </a:pPr>
+            <a:endParaRPr dirty="0"/>
+          </a:p>
+        </p:txBody>
+      </p:sp>
+    </p:spTree>
+  </p:cSld>
+  <p:clrMapOvr>
+    <a:masterClrMapping/>
+  </p:clrMapOvr>
+</p:sld>
+</file>
+
+<file path=ppt/slides/slide11.xml><?xml version="1.0" encoding="utf-8"?>
+<p:sld xmlns:a="http://schemas.openxmlformats.org/drawingml/2006/main" xmlns:r="http://schemas.openxmlformats.org/officeDocument/2006/relationships" xmlns:p="http://schemas.openxmlformats.org/presentationml/2006/main">
+  <p:cSld>
+    <p:spTree>
+      <p:nvGrpSpPr>
         <p:cNvPr id="1" name="Shape 116"/>
         <p:cNvGrpSpPr/>
         <p:nvPr/>
@@ -6413,8 +6591,8 @@
         </p:nvSpPr>
         <p:spPr>
           <a:xfrm>
-            <a:off x="343450" y="1245575"/>
-            <a:ext cx="5127300" cy="4108202"/>
+            <a:off x="518262" y="1462749"/>
+            <a:ext cx="5127300" cy="2746179"/>
           </a:xfrm>
           <a:prstGeom prst="rect">
             <a:avLst/>
@@ -6431,14 +6609,11 @@
           <a:lstStyle/>
           <a:p>
             <a:pPr marL="0" lvl="0" indent="0" algn="l" rtl="0">
-              <a:lnSpc>
-                <a:spcPct val="200000"/>
-              </a:lnSpc>
               <a:spcBef>
                 <a:spcPts val="0"/>
               </a:spcBef>
               <a:spcAft>
-                <a:spcPts val="0"/>
+                <a:spcPts val="600"/>
               </a:spcAft>
               <a:buNone/>
             </a:pPr>
@@ -6458,14 +6633,11 @@
           </a:p>
           <a:p>
             <a:pPr marL="457200" lvl="0" indent="-317500" algn="l" rtl="0">
-              <a:lnSpc>
-                <a:spcPct val="200000"/>
-              </a:lnSpc>
               <a:spcBef>
                 <a:spcPts val="0"/>
               </a:spcBef>
               <a:spcAft>
-                <a:spcPts val="0"/>
+                <a:spcPts val="600"/>
               </a:spcAft>
               <a:buClr>
                 <a:schemeClr val="accent3"/>
@@ -6489,14 +6661,11 @@
           </a:p>
           <a:p>
             <a:pPr marL="457200" lvl="0" indent="-317500" algn="l" rtl="0">
-              <a:lnSpc>
-                <a:spcPct val="200000"/>
-              </a:lnSpc>
               <a:spcBef>
                 <a:spcPts val="0"/>
               </a:spcBef>
               <a:spcAft>
-                <a:spcPts val="0"/>
+                <a:spcPts val="600"/>
               </a:spcAft>
               <a:buClr>
                 <a:schemeClr val="accent3"/>
@@ -6512,24 +6681,19 @@
               </a:rPr>
               <a:t>Positive signs are the lines of code we add</a:t>
             </a:r>
-            <a:endParaRPr dirty="0">
-              <a:solidFill>
-                <a:schemeClr val="accent3"/>
-              </a:solidFill>
-            </a:endParaRPr>
-          </a:p>
-          <a:p>
-            <a:pPr marL="0" lvl="0" indent="0" algn="l" rtl="0">
-              <a:lnSpc>
-                <a:spcPct val="200000"/>
-              </a:lnSpc>
+          </a:p>
+          <a:p>
+            <a:pPr marL="139700" lvl="0" algn="l" rtl="0">
               <a:spcBef>
                 <a:spcPts val="0"/>
               </a:spcBef>
               <a:spcAft>
-                <a:spcPts val="0"/>
+                <a:spcPts val="600"/>
               </a:spcAft>
-              <a:buNone/>
+              <a:buClr>
+                <a:schemeClr val="accent3"/>
+              </a:buClr>
+              <a:buSzPts val="1400"/>
             </a:pPr>
             <a:endParaRPr dirty="0">
               <a:solidFill>
@@ -6539,14 +6703,11 @@
           </a:p>
           <a:p>
             <a:pPr marL="0" lvl="0" indent="0" algn="l" rtl="0">
-              <a:lnSpc>
-                <a:spcPct val="200000"/>
-              </a:lnSpc>
               <a:spcBef>
                 <a:spcPts val="0"/>
               </a:spcBef>
               <a:spcAft>
-                <a:spcPts val="0"/>
+                <a:spcPts val="600"/>
               </a:spcAft>
               <a:buNone/>
             </a:pPr>
@@ -6574,7 +6735,7 @@
 </p:sld>
 </file>
 
-<file path=ppt/slides/slide11.xml><?xml version="1.0" encoding="utf-8"?>
+<file path=ppt/slides/slide12.xml><?xml version="1.0" encoding="utf-8"?>
 <p:sld xmlns:a="http://schemas.openxmlformats.org/drawingml/2006/main" xmlns:r="http://schemas.openxmlformats.org/officeDocument/2006/relationships" xmlns:p="http://schemas.openxmlformats.org/presentationml/2006/main">
   <p:cSld>
     <p:spTree>
@@ -6622,10 +6783,14 @@
               <a:buNone/>
             </a:pPr>
             <a:r>
-              <a:rPr lang="en"/>
-              <a:t>Concurrency and you</a:t>
-            </a:r>
-            <a:endParaRPr/>
+              <a:rPr lang="en" dirty="0"/>
+              <a:t>Concurrency </a:t>
+            </a:r>
+            <a:r>
+              <a:rPr lang="en-US" dirty="0"/>
+              <a:t>and Synchronization</a:t>
+            </a:r>
+            <a:endParaRPr dirty="0"/>
           </a:p>
         </p:txBody>
       </p:sp>
@@ -6671,11 +6836,14 @@
           </a:p>
           <a:p>
             <a:pPr marL="457200" lvl="0" indent="-342900" algn="l" rtl="0">
+              <a:lnSpc>
+                <a:spcPct val="100000"/>
+              </a:lnSpc>
               <a:spcBef>
                 <a:spcPts val="1600"/>
               </a:spcBef>
               <a:spcAft>
-                <a:spcPts val="0"/>
+                <a:spcPts val="600"/>
               </a:spcAft>
               <a:buSzPts val="1800"/>
               <a:buChar char="●"/>
@@ -6688,11 +6856,14 @@
           </a:p>
           <a:p>
             <a:pPr marL="914400" lvl="1" indent="-317500" algn="l" rtl="0">
+              <a:lnSpc>
+                <a:spcPct val="100000"/>
+              </a:lnSpc>
               <a:spcBef>
                 <a:spcPts val="0"/>
               </a:spcBef>
               <a:spcAft>
-                <a:spcPts val="0"/>
+                <a:spcPts val="600"/>
               </a:spcAft>
               <a:buSzPts val="1400"/>
               <a:buChar char="○"/>
@@ -6705,11 +6876,14 @@
           </a:p>
           <a:p>
             <a:pPr marL="1371600" lvl="2" indent="-317500" algn="l" rtl="0">
+              <a:lnSpc>
+                <a:spcPct val="100000"/>
+              </a:lnSpc>
               <a:spcBef>
                 <a:spcPts val="0"/>
               </a:spcBef>
               <a:spcAft>
-                <a:spcPts val="0"/>
+                <a:spcPts val="600"/>
               </a:spcAft>
               <a:buSzPts val="1400"/>
               <a:buChar char="■"/>
@@ -6722,11 +6896,14 @@
           </a:p>
           <a:p>
             <a:pPr marL="457200" lvl="0" indent="-342900" algn="l" rtl="0">
+              <a:lnSpc>
+                <a:spcPct val="100000"/>
+              </a:lnSpc>
               <a:spcBef>
                 <a:spcPts val="0"/>
               </a:spcBef>
               <a:spcAft>
-                <a:spcPts val="0"/>
+                <a:spcPts val="600"/>
               </a:spcAft>
               <a:buSzPts val="1800"/>
               <a:buChar char="●"/>
@@ -6739,11 +6916,14 @@
           </a:p>
           <a:p>
             <a:pPr marL="914400" lvl="1" indent="-317500" algn="l" rtl="0">
+              <a:lnSpc>
+                <a:spcPct val="100000"/>
+              </a:lnSpc>
               <a:spcBef>
                 <a:spcPts val="0"/>
               </a:spcBef>
               <a:spcAft>
-                <a:spcPts val="0"/>
+                <a:spcPts val="600"/>
               </a:spcAft>
               <a:buSzPts val="1400"/>
               <a:buChar char="○"/>
@@ -6756,11 +6936,14 @@
           </a:p>
           <a:p>
             <a:pPr marL="914400" lvl="1" indent="-317500" algn="l" rtl="0">
+              <a:lnSpc>
+                <a:spcPct val="100000"/>
+              </a:lnSpc>
               <a:spcBef>
                 <a:spcPts val="0"/>
               </a:spcBef>
               <a:spcAft>
-                <a:spcPts val="0"/>
+                <a:spcPts val="600"/>
               </a:spcAft>
               <a:buSzPts val="1400"/>
               <a:buChar char="○"/>
@@ -6781,7 +6964,7 @@
 </p:sld>
 </file>
 
-<file path=ppt/slides/slide12.xml><?xml version="1.0" encoding="utf-8"?>
+<file path=ppt/slides/slide13.xml><?xml version="1.0" encoding="utf-8"?>
 <p:sld xmlns:a="http://schemas.openxmlformats.org/drawingml/2006/main" xmlns:r="http://schemas.openxmlformats.org/officeDocument/2006/relationships" xmlns:p="http://schemas.openxmlformats.org/presentationml/2006/main">
   <p:cSld>
     <p:spTree>
@@ -6857,7 +7040,7 @@
 </p:sld>
 </file>
 
-<file path=ppt/slides/slide13.xml><?xml version="1.0" encoding="utf-8"?>
+<file path=ppt/slides/slide14.xml><?xml version="1.0" encoding="utf-8"?>
 <p:sld xmlns:a="http://schemas.openxmlformats.org/drawingml/2006/main" xmlns:r="http://schemas.openxmlformats.org/officeDocument/2006/relationships" xmlns:p="http://schemas.openxmlformats.org/presentationml/2006/main">
   <p:cSld>
     <p:spTree>
@@ -6897,14 +7080,13 @@
           <a:p>
             <a:r>
               <a:rPr lang="en-US" dirty="0"/>
-              <a:t>Problem: </a:t>
-            </a:r>
-            <a:r>
-              <a:rPr lang="en-US" b="1" dirty="0"/>
-              <a:t>CVE-2017-12146</a:t>
+              <a:t>Problem: CVE-2017-12146 Detail</a:t>
             </a:r>
             <a:br>
-              <a:rPr lang="en-US" b="1" dirty="0"/>
+              <a:rPr lang="en-US" dirty="0"/>
+            </a:br>
+            <a:br>
+              <a:rPr lang="en-US" dirty="0"/>
             </a:br>
             <a:r>
               <a:rPr lang="en-US" dirty="0"/>
@@ -6925,6 +7107,10 @@
           </p:nvPr>
         </p:nvSpPr>
         <p:spPr>
+          <a:xfrm>
+            <a:off x="311700" y="1282075"/>
+            <a:ext cx="8520600" cy="3416400"/>
+          </a:xfrm>
           <a:prstGeom prst="rect">
             <a:avLst/>
           </a:prstGeom>
@@ -6935,122 +7121,30 @@
           </a:bodyPr>
           <a:lstStyle/>
           <a:p>
-            <a:pPr marL="0" lvl="0" indent="0" algn="l" rtl="0">
-              <a:spcBef>
-                <a:spcPts val="0"/>
-              </a:spcBef>
-              <a:spcAft>
-                <a:spcPts val="0"/>
-              </a:spcAft>
+            <a:pPr marL="0" lvl="0" indent="0">
               <a:buNone/>
             </a:pPr>
             <a:r>
-              <a:rPr lang="en"/>
-              <a:t>What does this have to do with concurrency? There was no locks or compare-and-swaps shown in the code, so how does it relate to it?</a:t>
-            </a:r>
-            <a:endParaRPr/>
-          </a:p>
-          <a:p>
-            <a:pPr marL="457200" lvl="0" indent="-342900" algn="l" rtl="0">
-              <a:spcBef>
-                <a:spcPts val="1600"/>
-              </a:spcBef>
-              <a:spcAft>
-                <a:spcPts val="0"/>
-              </a:spcAft>
-              <a:buSzPts val="1800"/>
-              <a:buChar char="●"/>
-            </a:pPr>
-            <a:r>
-              <a:rPr lang="en"/>
-              <a:t>This vulnerability is only present with concurrent operations </a:t>
-            </a:r>
-            <a:endParaRPr/>
-          </a:p>
-          <a:p>
-            <a:pPr marL="914400" lvl="1" indent="-317500" algn="l" rtl="0">
-              <a:spcBef>
-                <a:spcPts val="0"/>
-              </a:spcBef>
-              <a:spcAft>
-                <a:spcPts val="0"/>
-              </a:spcAft>
-              <a:buSzPts val="1400"/>
-              <a:buChar char="○"/>
-            </a:pPr>
-            <a:r>
-              <a:rPr lang="en"/>
-              <a:t>A sequential ordering would cause the stalling to be pointless and eliminates race conditions</a:t>
-            </a:r>
-            <a:endParaRPr/>
-          </a:p>
-          <a:p>
-            <a:pPr marL="1371600" lvl="2" indent="-317500" algn="l" rtl="0">
-              <a:spcBef>
-                <a:spcPts val="0"/>
-              </a:spcBef>
-              <a:spcAft>
-                <a:spcPts val="0"/>
-              </a:spcAft>
-              <a:buSzPts val="1400"/>
-              <a:buChar char="■"/>
-            </a:pPr>
-            <a:r>
-              <a:rPr lang="en"/>
-              <a:t>Impossible to do a read/write operation and call Tower_Delete</a:t>
-            </a:r>
-            <a:endParaRPr/>
-          </a:p>
-          <a:p>
-            <a:pPr marL="457200" lvl="0" indent="-342900" algn="l" rtl="0">
-              <a:spcBef>
-                <a:spcPts val="0"/>
-              </a:spcBef>
-              <a:spcAft>
-                <a:spcPts val="0"/>
-              </a:spcAft>
-              <a:buSzPts val="1800"/>
-              <a:buChar char="●"/>
-            </a:pPr>
-            <a:r>
-              <a:rPr lang="en"/>
-              <a:t>Exemplifies how race conditions in concurrent operations can cause security vulnerabilities given the right conditions</a:t>
-            </a:r>
-            <a:endParaRPr/>
-          </a:p>
-          <a:p>
-            <a:pPr marL="914400" lvl="1" indent="-317500" algn="l" rtl="0">
-              <a:spcBef>
-                <a:spcPts val="0"/>
-              </a:spcBef>
-              <a:spcAft>
-                <a:spcPts val="0"/>
-              </a:spcAft>
-              <a:buSzPts val="1400"/>
-              <a:buChar char="○"/>
-            </a:pPr>
-            <a:r>
-              <a:rPr lang="en"/>
-              <a:t>Conditions are very specific, but a vulnerability is still a security risk that has to be addressed</a:t>
-            </a:r>
-            <a:endParaRPr/>
-          </a:p>
-          <a:p>
-            <a:pPr marL="914400" lvl="1" indent="-317500" algn="l" rtl="0">
-              <a:spcBef>
-                <a:spcPts val="0"/>
-              </a:spcBef>
-              <a:spcAft>
-                <a:spcPts val="0"/>
-              </a:spcAft>
-              <a:buSzPts val="1400"/>
-              <a:buChar char="○"/>
-            </a:pPr>
-            <a:r>
-              <a:rPr lang="en"/>
-              <a:t>If it can happen once then it can be exploited repeatedly</a:t>
-            </a:r>
-            <a:endParaRPr/>
+              <a:rPr lang="en-US" sz="2400" dirty="0"/>
+              <a:t>“The </a:t>
+            </a:r>
+            <a:r>
+              <a:rPr lang="en-US" sz="2400" dirty="0" err="1"/>
+              <a:t>driver_override</a:t>
+            </a:r>
+            <a:r>
+              <a:rPr lang="en-US" sz="2400" dirty="0"/>
+              <a:t> implementation in drivers/base/</a:t>
+            </a:r>
+            <a:r>
+              <a:rPr lang="en-US" sz="2400" dirty="0" err="1"/>
+              <a:t>platform.c</a:t>
+            </a:r>
+            <a:r>
+              <a:rPr lang="en-US" sz="2400" dirty="0"/>
+              <a:t> in the Linux kernel before 4.12.1 allows local users to gain privileges by leveraging a race condition between a read operation and a store operation that involve different overrides.”</a:t>
+            </a:r>
+            <a:endParaRPr sz="2400" dirty="0"/>
           </a:p>
         </p:txBody>
       </p:sp>
@@ -7067,7 +7161,6005 @@
 </p:sld>
 </file>
 
-<file path=ppt/slides/slide14.xml><?xml version="1.0" encoding="utf-8"?>
+<file path=ppt/slides/slide15.xml><?xml version="1.0" encoding="utf-8"?>
+<p:sld xmlns:a="http://schemas.openxmlformats.org/drawingml/2006/main" xmlns:r="http://schemas.openxmlformats.org/officeDocument/2006/relationships" xmlns:p="http://schemas.openxmlformats.org/presentationml/2006/main">
+  <p:cSld>
+    <p:spTree>
+      <p:nvGrpSpPr>
+        <p:cNvPr id="1" name=""/>
+        <p:cNvGrpSpPr/>
+        <p:nvPr/>
+      </p:nvGrpSpPr>
+      <p:grpSpPr>
+        <a:xfrm>
+          <a:off x="0" y="0"/>
+          <a:ext cx="0" cy="0"/>
+          <a:chOff x="0" y="0"/>
+          <a:chExt cx="0" cy="0"/>
+        </a:xfrm>
+      </p:grpSpPr>
+      <p:sp>
+        <p:nvSpPr>
+          <p:cNvPr id="2" name="Title 1">
+            <a:extLst>
+              <a:ext uri="{FF2B5EF4-FFF2-40B4-BE49-F238E27FC236}">
+                <a16:creationId xmlns:a16="http://schemas.microsoft.com/office/drawing/2014/main" id="{881FA266-150C-4060-A3B8-F63CA7B14946}"/>
+              </a:ext>
+            </a:extLst>
+          </p:cNvPr>
+          <p:cNvSpPr>
+            <a:spLocks noGrp="1"/>
+          </p:cNvSpPr>
+          <p:nvPr>
+            <p:ph type="title"/>
+          </p:nvPr>
+        </p:nvSpPr>
+        <p:spPr/>
+        <p:txBody>
+          <a:bodyPr>
+            <a:normAutofit fontScale="90000"/>
+          </a:bodyPr>
+          <a:lstStyle/>
+          <a:p>
+            <a:r>
+              <a:rPr lang="en-US" dirty="0" err="1"/>
+              <a:t>Driver_Override</a:t>
+            </a:r>
+            <a:r>
+              <a:rPr lang="en-US" dirty="0"/>
+              <a:t> Overview</a:t>
+            </a:r>
+          </a:p>
+        </p:txBody>
+      </p:sp>
+      <p:sp>
+        <p:nvSpPr>
+          <p:cNvPr id="3" name="Text Placeholder 2">
+            <a:extLst>
+              <a:ext uri="{FF2B5EF4-FFF2-40B4-BE49-F238E27FC236}">
+                <a16:creationId xmlns:a16="http://schemas.microsoft.com/office/drawing/2014/main" id="{0E78C29C-87BE-4127-88D5-80DE0C848F59}"/>
+              </a:ext>
+            </a:extLst>
+          </p:cNvPr>
+          <p:cNvSpPr>
+            <a:spLocks noGrp="1"/>
+          </p:cNvSpPr>
+          <p:nvPr>
+            <p:ph type="body" idx="1"/>
+          </p:nvPr>
+        </p:nvSpPr>
+        <p:spPr>
+          <a:xfrm>
+            <a:off x="311700" y="1381075"/>
+            <a:ext cx="8520600" cy="3416400"/>
+          </a:xfrm>
+        </p:spPr>
+        <p:txBody>
+          <a:bodyPr/>
+          <a:lstStyle/>
+          <a:p>
+            <a:pPr>
+              <a:lnSpc>
+                <a:spcPct val="100000"/>
+              </a:lnSpc>
+              <a:spcAft>
+                <a:spcPts val="600"/>
+              </a:spcAft>
+            </a:pPr>
+            <a:r>
+              <a:rPr lang="en-US" dirty="0"/>
+              <a:t>Devices need drivers to connect to O.S.</a:t>
+            </a:r>
+          </a:p>
+          <a:p>
+            <a:pPr>
+              <a:lnSpc>
+                <a:spcPct val="100000"/>
+              </a:lnSpc>
+              <a:spcAft>
+                <a:spcPts val="600"/>
+              </a:spcAft>
+            </a:pPr>
+            <a:r>
+              <a:rPr lang="en-US" dirty="0"/>
+              <a:t>Drivers for these devices are need</a:t>
+            </a:r>
+          </a:p>
+          <a:p>
+            <a:pPr>
+              <a:lnSpc>
+                <a:spcPct val="100000"/>
+              </a:lnSpc>
+              <a:spcAft>
+                <a:spcPts val="600"/>
+              </a:spcAft>
+            </a:pPr>
+            <a:r>
+              <a:rPr lang="en-US" dirty="0"/>
+              <a:t>The </a:t>
+            </a:r>
+            <a:r>
+              <a:rPr lang="en-US" dirty="0" err="1"/>
+              <a:t>driver_override</a:t>
+            </a:r>
+            <a:r>
+              <a:rPr lang="en-US" dirty="0"/>
+              <a:t> field is implemented in struct </a:t>
+            </a:r>
+            <a:r>
+              <a:rPr lang="en-US" dirty="0" err="1"/>
+              <a:t>platform_device</a:t>
+            </a:r>
+            <a:endParaRPr lang="en-US" dirty="0"/>
+          </a:p>
+          <a:p>
+            <a:pPr lvl="1">
+              <a:lnSpc>
+                <a:spcPct val="100000"/>
+              </a:lnSpc>
+              <a:spcBef>
+                <a:spcPts val="0"/>
+              </a:spcBef>
+              <a:spcAft>
+                <a:spcPts val="600"/>
+              </a:spcAft>
+            </a:pPr>
+            <a:r>
+              <a:rPr lang="en-US" dirty="0"/>
+              <a:t>Allows the driver for a device to be specified to override standard binding protocol</a:t>
+            </a:r>
+          </a:p>
+          <a:p>
+            <a:pPr lvl="1">
+              <a:lnSpc>
+                <a:spcPct val="100000"/>
+              </a:lnSpc>
+              <a:spcBef>
+                <a:spcPts val="0"/>
+              </a:spcBef>
+              <a:spcAft>
+                <a:spcPts val="600"/>
+              </a:spcAft>
+            </a:pPr>
+            <a:r>
+              <a:rPr lang="en-US" dirty="0"/>
+              <a:t>Executed by writing a string to the </a:t>
+            </a:r>
+            <a:r>
+              <a:rPr lang="en-US" dirty="0" err="1"/>
+              <a:t>driver_override</a:t>
+            </a:r>
+            <a:r>
+              <a:rPr lang="en-US" dirty="0"/>
+              <a:t> file</a:t>
+            </a:r>
+          </a:p>
+          <a:p>
+            <a:pPr>
+              <a:lnSpc>
+                <a:spcPct val="100000"/>
+              </a:lnSpc>
+              <a:spcAft>
+                <a:spcPts val="600"/>
+              </a:spcAft>
+            </a:pPr>
+            <a:r>
+              <a:rPr lang="en-US" dirty="0"/>
+              <a:t>Two functions</a:t>
+            </a:r>
+          </a:p>
+          <a:p>
+            <a:pPr lvl="1">
+              <a:lnSpc>
+                <a:spcPct val="100000"/>
+              </a:lnSpc>
+              <a:spcBef>
+                <a:spcPts val="0"/>
+              </a:spcBef>
+              <a:spcAft>
+                <a:spcPts val="600"/>
+              </a:spcAft>
+            </a:pPr>
+            <a:r>
+              <a:rPr lang="en-US" dirty="0" err="1"/>
+              <a:t>Driver_override_store</a:t>
+            </a:r>
+            <a:r>
+              <a:rPr lang="en-US" dirty="0"/>
+              <a:t>():  write </a:t>
+            </a:r>
+            <a:r>
+              <a:rPr lang="en-US" dirty="0" err="1"/>
+              <a:t>driver_override</a:t>
+            </a:r>
+            <a:endParaRPr lang="en-US" dirty="0"/>
+          </a:p>
+          <a:p>
+            <a:pPr lvl="1">
+              <a:lnSpc>
+                <a:spcPct val="100000"/>
+              </a:lnSpc>
+              <a:spcBef>
+                <a:spcPts val="0"/>
+              </a:spcBef>
+              <a:spcAft>
+                <a:spcPts val="600"/>
+              </a:spcAft>
+            </a:pPr>
+            <a:r>
+              <a:rPr lang="en-US" dirty="0" err="1"/>
+              <a:t>Driver_override_show</a:t>
+            </a:r>
+            <a:r>
+              <a:rPr lang="en-US" dirty="0"/>
+              <a:t>(): read </a:t>
+            </a:r>
+            <a:r>
+              <a:rPr lang="en-US" dirty="0" err="1"/>
+              <a:t>driver_override</a:t>
+            </a:r>
+            <a:endParaRPr lang="en-US" dirty="0"/>
+          </a:p>
+        </p:txBody>
+      </p:sp>
+    </p:spTree>
+    <p:extLst>
+      <p:ext uri="{BB962C8B-B14F-4D97-AF65-F5344CB8AC3E}">
+        <p14:creationId xmlns:p14="http://schemas.microsoft.com/office/powerpoint/2010/main" val="2881845675"/>
+      </p:ext>
+    </p:extLst>
+  </p:cSld>
+  <p:clrMapOvr>
+    <a:masterClrMapping/>
+  </p:clrMapOvr>
+</p:sld>
+</file>
+
+<file path=ppt/slides/slide16.xml><?xml version="1.0" encoding="utf-8"?>
+<p:sld xmlns:a="http://schemas.openxmlformats.org/drawingml/2006/main" xmlns:r="http://schemas.openxmlformats.org/officeDocument/2006/relationships" xmlns:p="http://schemas.openxmlformats.org/presentationml/2006/main">
+  <p:cSld>
+    <p:spTree>
+      <p:nvGrpSpPr>
+        <p:cNvPr id="1" name=""/>
+        <p:cNvGrpSpPr/>
+        <p:nvPr/>
+      </p:nvGrpSpPr>
+      <p:grpSpPr>
+        <a:xfrm>
+          <a:off x="0" y="0"/>
+          <a:ext cx="0" cy="0"/>
+          <a:chOff x="0" y="0"/>
+          <a:chExt cx="0" cy="0"/>
+        </a:xfrm>
+      </p:grpSpPr>
+      <p:sp>
+        <p:nvSpPr>
+          <p:cNvPr id="2" name="Title 1">
+            <a:extLst>
+              <a:ext uri="{FF2B5EF4-FFF2-40B4-BE49-F238E27FC236}">
+                <a16:creationId xmlns:a16="http://schemas.microsoft.com/office/drawing/2014/main" id="{881FA266-150C-4060-A3B8-F63CA7B14946}"/>
+              </a:ext>
+            </a:extLst>
+          </p:cNvPr>
+          <p:cNvSpPr>
+            <a:spLocks noGrp="1"/>
+          </p:cNvSpPr>
+          <p:nvPr>
+            <p:ph type="title"/>
+          </p:nvPr>
+        </p:nvSpPr>
+        <p:spPr/>
+        <p:txBody>
+          <a:bodyPr>
+            <a:normAutofit fontScale="90000"/>
+          </a:bodyPr>
+          <a:lstStyle/>
+          <a:p>
+            <a:r>
+              <a:rPr lang="en-US" dirty="0"/>
+              <a:t>Problem</a:t>
+            </a:r>
+          </a:p>
+        </p:txBody>
+      </p:sp>
+      <p:sp>
+        <p:nvSpPr>
+          <p:cNvPr id="3" name="Text Placeholder 2">
+            <a:extLst>
+              <a:ext uri="{FF2B5EF4-FFF2-40B4-BE49-F238E27FC236}">
+                <a16:creationId xmlns:a16="http://schemas.microsoft.com/office/drawing/2014/main" id="{0E78C29C-87BE-4127-88D5-80DE0C848F59}"/>
+              </a:ext>
+            </a:extLst>
+          </p:cNvPr>
+          <p:cNvSpPr>
+            <a:spLocks noGrp="1"/>
+          </p:cNvSpPr>
+          <p:nvPr>
+            <p:ph type="body" idx="1"/>
+          </p:nvPr>
+        </p:nvSpPr>
+        <p:spPr>
+          <a:xfrm>
+            <a:off x="311700" y="1381075"/>
+            <a:ext cx="8520600" cy="3416400"/>
+          </a:xfrm>
+        </p:spPr>
+        <p:txBody>
+          <a:bodyPr/>
+          <a:lstStyle/>
+          <a:p>
+            <a:pPr>
+              <a:lnSpc>
+                <a:spcPct val="100000"/>
+              </a:lnSpc>
+              <a:spcAft>
+                <a:spcPts val="600"/>
+              </a:spcAft>
+            </a:pPr>
+            <a:endParaRPr lang="en-US" dirty="0"/>
+          </a:p>
+        </p:txBody>
+      </p:sp>
+    </p:spTree>
+    <p:extLst>
+      <p:ext uri="{BB962C8B-B14F-4D97-AF65-F5344CB8AC3E}">
+        <p14:creationId xmlns:p14="http://schemas.microsoft.com/office/powerpoint/2010/main" val="3639978027"/>
+      </p:ext>
+    </p:extLst>
+  </p:cSld>
+  <p:clrMapOvr>
+    <a:masterClrMapping/>
+  </p:clrMapOvr>
+</p:sld>
+</file>
+
+<file path=ppt/slides/slide17.xml><?xml version="1.0" encoding="utf-8"?>
+<p:sld xmlns:a="http://schemas.openxmlformats.org/drawingml/2006/main" xmlns:r="http://schemas.openxmlformats.org/officeDocument/2006/relationships" xmlns:p="http://schemas.openxmlformats.org/presentationml/2006/main">
+  <p:cSld>
+    <p:spTree>
+      <p:nvGrpSpPr>
+        <p:cNvPr id="1" name=""/>
+        <p:cNvGrpSpPr/>
+        <p:nvPr/>
+      </p:nvGrpSpPr>
+      <p:grpSpPr>
+        <a:xfrm>
+          <a:off x="0" y="0"/>
+          <a:ext cx="0" cy="0"/>
+          <a:chOff x="0" y="0"/>
+          <a:chExt cx="0" cy="0"/>
+        </a:xfrm>
+      </p:grpSpPr>
+      <p:sp>
+        <p:nvSpPr>
+          <p:cNvPr id="13" name="Rectangle 12">
+            <a:extLst>
+              <a:ext uri="{FF2B5EF4-FFF2-40B4-BE49-F238E27FC236}">
+                <a16:creationId xmlns:a16="http://schemas.microsoft.com/office/drawing/2014/main" id="{719AAC88-7858-4239-874A-057008D89BB4}"/>
+              </a:ext>
+            </a:extLst>
+          </p:cNvPr>
+          <p:cNvSpPr/>
+          <p:nvPr/>
+        </p:nvSpPr>
+        <p:spPr>
+          <a:xfrm>
+            <a:off x="6426200" y="1454150"/>
+            <a:ext cx="628650" cy="572700"/>
+          </a:xfrm>
+          <a:prstGeom prst="rect">
+            <a:avLst/>
+          </a:prstGeom>
+        </p:spPr>
+        <p:style>
+          <a:lnRef idx="2">
+            <a:schemeClr val="accent1">
+              <a:shade val="50000"/>
+            </a:schemeClr>
+          </a:lnRef>
+          <a:fillRef idx="1">
+            <a:schemeClr val="accent1"/>
+          </a:fillRef>
+          <a:effectRef idx="0">
+            <a:schemeClr val="accent1"/>
+          </a:effectRef>
+          <a:fontRef idx="minor">
+            <a:schemeClr val="lt1"/>
+          </a:fontRef>
+        </p:style>
+        <p:txBody>
+          <a:bodyPr rtlCol="0" anchor="ctr"/>
+          <a:lstStyle/>
+          <a:p>
+            <a:pPr algn="ctr"/>
+            <a:endParaRPr lang="en-US"/>
+          </a:p>
+        </p:txBody>
+      </p:sp>
+      <p:sp>
+        <p:nvSpPr>
+          <p:cNvPr id="2" name="Title 1">
+            <a:extLst>
+              <a:ext uri="{FF2B5EF4-FFF2-40B4-BE49-F238E27FC236}">
+                <a16:creationId xmlns:a16="http://schemas.microsoft.com/office/drawing/2014/main" id="{881FA266-150C-4060-A3B8-F63CA7B14946}"/>
+              </a:ext>
+            </a:extLst>
+          </p:cNvPr>
+          <p:cNvSpPr>
+            <a:spLocks noGrp="1"/>
+          </p:cNvSpPr>
+          <p:nvPr>
+            <p:ph type="title"/>
+          </p:nvPr>
+        </p:nvSpPr>
+        <p:spPr/>
+        <p:txBody>
+          <a:bodyPr>
+            <a:normAutofit fontScale="90000"/>
+          </a:bodyPr>
+          <a:lstStyle/>
+          <a:p>
+            <a:r>
+              <a:rPr lang="en-US" dirty="0"/>
+              <a:t>Sequence</a:t>
+            </a:r>
+          </a:p>
+        </p:txBody>
+      </p:sp>
+      <p:pic>
+        <p:nvPicPr>
+          <p:cNvPr id="6" name="Picture 5" descr="A close up of a device&#10;&#10;Description automatically generated">
+            <a:extLst>
+              <a:ext uri="{FF2B5EF4-FFF2-40B4-BE49-F238E27FC236}">
+                <a16:creationId xmlns:a16="http://schemas.microsoft.com/office/drawing/2014/main" id="{6E1806AB-5435-4148-915A-4703F6581F58}"/>
+              </a:ext>
+            </a:extLst>
+          </p:cNvPr>
+          <p:cNvPicPr>
+            <a:picLocks noChangeAspect="1"/>
+          </p:cNvPicPr>
+          <p:nvPr/>
+        </p:nvPicPr>
+        <p:blipFill>
+          <a:blip r:embed="rId2">
+            <a:extLst>
+              <a:ext uri="{BEBA8EAE-BF5A-486C-A8C5-ECC9F3942E4B}">
+                <a14:imgProps xmlns:a14="http://schemas.microsoft.com/office/drawing/2010/main">
+                  <a14:imgLayer r:embed="rId3">
+                    <a14:imgEffect>
+                      <a14:backgroundRemoval t="577" b="95577" l="10000" r="90000">
+                        <a14:foregroundMark x1="48333" y1="37500" x2="48333" y2="37500"/>
+                        <a14:foregroundMark x1="25222" y1="95769" x2="40222" y2="60577"/>
+                        <a14:foregroundMark x1="53333" y1="9808" x2="54000" y2="7115"/>
+                        <a14:foregroundMark x1="65222" y1="8269" x2="62222" y2="5769"/>
+                        <a14:foregroundMark x1="53556" y1="10192" x2="53333" y2="7885"/>
+                        <a14:foregroundMark x1="59333" y1="577" x2="54889" y2="577"/>
+                        <a14:backgroundMark x1="53734" y1="7912" x2="53333" y2="7885"/>
+                        <a14:backgroundMark x1="63014" y1="8535" x2="53830" y2="7918"/>
+                      </a14:backgroundRemoval>
+                    </a14:imgEffect>
+                  </a14:imgLayer>
+                </a14:imgProps>
+              </a:ext>
+            </a:extLst>
+          </a:blip>
+          <a:stretch>
+            <a:fillRect/>
+          </a:stretch>
+        </p:blipFill>
+        <p:spPr>
+          <a:xfrm>
+            <a:off x="457587" y="1688853"/>
+            <a:ext cx="1126305" cy="650754"/>
+          </a:xfrm>
+          <a:prstGeom prst="rect">
+            <a:avLst/>
+          </a:prstGeom>
+        </p:spPr>
+      </p:pic>
+      <p:pic>
+        <p:nvPicPr>
+          <p:cNvPr id="7" name="Picture 6" descr="A close up of a device&#10;&#10;Description automatically generated">
+            <a:extLst>
+              <a:ext uri="{FF2B5EF4-FFF2-40B4-BE49-F238E27FC236}">
+                <a16:creationId xmlns:a16="http://schemas.microsoft.com/office/drawing/2014/main" id="{4BD31377-C3D2-42E6-9ECC-6C9C80ED7494}"/>
+              </a:ext>
+            </a:extLst>
+          </p:cNvPr>
+          <p:cNvPicPr>
+            <a:picLocks noChangeAspect="1"/>
+          </p:cNvPicPr>
+          <p:nvPr/>
+        </p:nvPicPr>
+        <p:blipFill>
+          <a:blip r:embed="rId2">
+            <a:extLst>
+              <a:ext uri="{BEBA8EAE-BF5A-486C-A8C5-ECC9F3942E4B}">
+                <a14:imgProps xmlns:a14="http://schemas.microsoft.com/office/drawing/2010/main">
+                  <a14:imgLayer r:embed="rId3">
+                    <a14:imgEffect>
+                      <a14:backgroundRemoval t="577" b="95577" l="10000" r="90000">
+                        <a14:foregroundMark x1="48333" y1="37500" x2="48333" y2="37500"/>
+                        <a14:foregroundMark x1="25222" y1="95769" x2="40222" y2="60577"/>
+                        <a14:foregroundMark x1="53333" y1="9808" x2="54000" y2="7115"/>
+                        <a14:foregroundMark x1="65222" y1="8269" x2="62222" y2="5769"/>
+                        <a14:foregroundMark x1="53556" y1="10192" x2="53333" y2="7885"/>
+                        <a14:foregroundMark x1="59333" y1="577" x2="54889" y2="577"/>
+                        <a14:backgroundMark x1="53734" y1="7912" x2="53333" y2="7885"/>
+                        <a14:backgroundMark x1="63014" y1="8535" x2="53830" y2="7918"/>
+                      </a14:backgroundRemoval>
+                    </a14:imgEffect>
+                  </a14:imgLayer>
+                </a14:imgProps>
+              </a:ext>
+            </a:extLst>
+          </a:blip>
+          <a:stretch>
+            <a:fillRect/>
+          </a:stretch>
+        </p:blipFill>
+        <p:spPr>
+          <a:xfrm>
+            <a:off x="457587" y="3477810"/>
+            <a:ext cx="1126305" cy="650754"/>
+          </a:xfrm>
+          <a:prstGeom prst="rect">
+            <a:avLst/>
+          </a:prstGeom>
+        </p:spPr>
+      </p:pic>
+      <p:sp>
+        <p:nvSpPr>
+          <p:cNvPr id="8" name="TextBox 7">
+            <a:extLst>
+              <a:ext uri="{FF2B5EF4-FFF2-40B4-BE49-F238E27FC236}">
+                <a16:creationId xmlns:a16="http://schemas.microsoft.com/office/drawing/2014/main" id="{4284649E-EC86-42CF-9065-3A195FB2CDB0}"/>
+              </a:ext>
+            </a:extLst>
+          </p:cNvPr>
+          <p:cNvSpPr txBox="1"/>
+          <p:nvPr/>
+        </p:nvSpPr>
+        <p:spPr>
+          <a:xfrm>
+            <a:off x="762000" y="1385128"/>
+            <a:ext cx="628650" cy="369332"/>
+          </a:xfrm>
+          <a:prstGeom prst="rect">
+            <a:avLst/>
+          </a:prstGeom>
+          <a:noFill/>
+        </p:spPr>
+        <p:txBody>
+          <a:bodyPr wrap="square" rtlCol="0">
+            <a:spAutoFit/>
+          </a:bodyPr>
+          <a:lstStyle/>
+          <a:p>
+            <a:r>
+              <a:rPr lang="en-US" dirty="0"/>
+              <a:t>T1</a:t>
+            </a:r>
+          </a:p>
+        </p:txBody>
+      </p:sp>
+      <p:sp>
+        <p:nvSpPr>
+          <p:cNvPr id="9" name="TextBox 8">
+            <a:extLst>
+              <a:ext uri="{FF2B5EF4-FFF2-40B4-BE49-F238E27FC236}">
+                <a16:creationId xmlns:a16="http://schemas.microsoft.com/office/drawing/2014/main" id="{2372D549-D4A9-4986-BF53-66D4D35F8BB2}"/>
+              </a:ext>
+            </a:extLst>
+          </p:cNvPr>
+          <p:cNvSpPr txBox="1"/>
+          <p:nvPr/>
+        </p:nvSpPr>
+        <p:spPr>
+          <a:xfrm>
+            <a:off x="847727" y="3167735"/>
+            <a:ext cx="628650" cy="369332"/>
+          </a:xfrm>
+          <a:prstGeom prst="rect">
+            <a:avLst/>
+          </a:prstGeom>
+          <a:noFill/>
+        </p:spPr>
+        <p:txBody>
+          <a:bodyPr wrap="square" rtlCol="0">
+            <a:spAutoFit/>
+          </a:bodyPr>
+          <a:lstStyle/>
+          <a:p>
+            <a:r>
+              <a:rPr lang="en-US" dirty="0"/>
+              <a:t>T2</a:t>
+            </a:r>
+          </a:p>
+        </p:txBody>
+      </p:sp>
+      <p:sp>
+        <p:nvSpPr>
+          <p:cNvPr id="11" name="TextBox 10">
+            <a:extLst>
+              <a:ext uri="{FF2B5EF4-FFF2-40B4-BE49-F238E27FC236}">
+                <a16:creationId xmlns:a16="http://schemas.microsoft.com/office/drawing/2014/main" id="{81D7BBBA-DAA7-402B-95B8-C3D284FDCCA5}"/>
+              </a:ext>
+            </a:extLst>
+          </p:cNvPr>
+          <p:cNvSpPr txBox="1"/>
+          <p:nvPr/>
+        </p:nvSpPr>
+        <p:spPr>
+          <a:xfrm>
+            <a:off x="184150" y="2359437"/>
+            <a:ext cx="2921000" cy="369332"/>
+          </a:xfrm>
+          <a:prstGeom prst="rect">
+            <a:avLst/>
+          </a:prstGeom>
+          <a:noFill/>
+        </p:spPr>
+        <p:txBody>
+          <a:bodyPr wrap="square" rtlCol="0">
+            <a:spAutoFit/>
+          </a:bodyPr>
+          <a:lstStyle/>
+          <a:p>
+            <a:r>
+              <a:rPr lang="en-US" dirty="0"/>
+              <a:t>old = </a:t>
+            </a:r>
+            <a:r>
+              <a:rPr lang="en-US" dirty="0" err="1"/>
+              <a:t>pdev</a:t>
+            </a:r>
+            <a:r>
+              <a:rPr lang="en-US" dirty="0"/>
+              <a:t>-&gt;</a:t>
+            </a:r>
+            <a:r>
+              <a:rPr lang="en-US" dirty="0" err="1"/>
+              <a:t>driver_override</a:t>
+            </a:r>
+            <a:endParaRPr lang="en-US" dirty="0"/>
+          </a:p>
+        </p:txBody>
+      </p:sp>
+      <p:sp>
+        <p:nvSpPr>
+          <p:cNvPr id="12" name="TextBox 11">
+            <a:extLst>
+              <a:ext uri="{FF2B5EF4-FFF2-40B4-BE49-F238E27FC236}">
+                <a16:creationId xmlns:a16="http://schemas.microsoft.com/office/drawing/2014/main" id="{74479738-0616-4429-B51C-A1B25AF618CE}"/>
+              </a:ext>
+            </a:extLst>
+          </p:cNvPr>
+          <p:cNvSpPr txBox="1"/>
+          <p:nvPr/>
+        </p:nvSpPr>
+        <p:spPr>
+          <a:xfrm>
+            <a:off x="6597650" y="1539611"/>
+            <a:ext cx="457200" cy="369332"/>
+          </a:xfrm>
+          <a:prstGeom prst="rect">
+            <a:avLst/>
+          </a:prstGeom>
+          <a:noFill/>
+        </p:spPr>
+        <p:txBody>
+          <a:bodyPr wrap="square" rtlCol="0">
+            <a:spAutoFit/>
+          </a:bodyPr>
+          <a:lstStyle/>
+          <a:p>
+            <a:r>
+              <a:rPr lang="en-US" dirty="0"/>
+              <a:t>1</a:t>
+            </a:r>
+          </a:p>
+        </p:txBody>
+      </p:sp>
+      <p:sp>
+        <p:nvSpPr>
+          <p:cNvPr id="14" name="Rectangle 13">
+            <a:extLst>
+              <a:ext uri="{FF2B5EF4-FFF2-40B4-BE49-F238E27FC236}">
+                <a16:creationId xmlns:a16="http://schemas.microsoft.com/office/drawing/2014/main" id="{77C9AA47-C734-49AE-9A23-C04B0AAFAA0D}"/>
+              </a:ext>
+            </a:extLst>
+          </p:cNvPr>
+          <p:cNvSpPr/>
+          <p:nvPr/>
+        </p:nvSpPr>
+        <p:spPr>
+          <a:xfrm>
+            <a:off x="7283450" y="3159325"/>
+            <a:ext cx="628650" cy="572700"/>
+          </a:xfrm>
+          <a:prstGeom prst="rect">
+            <a:avLst/>
+          </a:prstGeom>
+        </p:spPr>
+        <p:style>
+          <a:lnRef idx="2">
+            <a:schemeClr val="accent1">
+              <a:shade val="50000"/>
+            </a:schemeClr>
+          </a:lnRef>
+          <a:fillRef idx="1">
+            <a:schemeClr val="accent1"/>
+          </a:fillRef>
+          <a:effectRef idx="0">
+            <a:schemeClr val="accent1"/>
+          </a:effectRef>
+          <a:fontRef idx="minor">
+            <a:schemeClr val="lt1"/>
+          </a:fontRef>
+        </p:style>
+        <p:txBody>
+          <a:bodyPr rtlCol="0" anchor="ctr"/>
+          <a:lstStyle/>
+          <a:p>
+            <a:pPr algn="ctr"/>
+            <a:endParaRPr lang="en-US"/>
+          </a:p>
+        </p:txBody>
+      </p:sp>
+      <p:sp>
+        <p:nvSpPr>
+          <p:cNvPr id="15" name="TextBox 14">
+            <a:extLst>
+              <a:ext uri="{FF2B5EF4-FFF2-40B4-BE49-F238E27FC236}">
+                <a16:creationId xmlns:a16="http://schemas.microsoft.com/office/drawing/2014/main" id="{930CF255-C118-419B-8A9E-0C9F1D60DF24}"/>
+              </a:ext>
+            </a:extLst>
+          </p:cNvPr>
+          <p:cNvSpPr txBox="1"/>
+          <p:nvPr/>
+        </p:nvSpPr>
+        <p:spPr>
+          <a:xfrm>
+            <a:off x="7454900" y="3244786"/>
+            <a:ext cx="457200" cy="369332"/>
+          </a:xfrm>
+          <a:prstGeom prst="rect">
+            <a:avLst/>
+          </a:prstGeom>
+          <a:noFill/>
+        </p:spPr>
+        <p:txBody>
+          <a:bodyPr wrap="square" rtlCol="0">
+            <a:spAutoFit/>
+          </a:bodyPr>
+          <a:lstStyle/>
+          <a:p>
+            <a:r>
+              <a:rPr lang="en-US" dirty="0"/>
+              <a:t>2</a:t>
+            </a:r>
+          </a:p>
+        </p:txBody>
+      </p:sp>
+      <p:cxnSp>
+        <p:nvCxnSpPr>
+          <p:cNvPr id="17" name="Straight Arrow Connector 16">
+            <a:extLst>
+              <a:ext uri="{FF2B5EF4-FFF2-40B4-BE49-F238E27FC236}">
+                <a16:creationId xmlns:a16="http://schemas.microsoft.com/office/drawing/2014/main" id="{163308AF-3FF4-4D04-91CB-16BCA921A7BA}"/>
+              </a:ext>
+            </a:extLst>
+          </p:cNvPr>
+          <p:cNvCxnSpPr>
+            <a:cxnSpLocks/>
+          </p:cNvCxnSpPr>
+          <p:nvPr/>
+        </p:nvCxnSpPr>
+        <p:spPr>
+          <a:xfrm flipV="1">
+            <a:off x="2889250" y="1961443"/>
+            <a:ext cx="3289300" cy="540654"/>
+          </a:xfrm>
+          <a:prstGeom prst="straightConnector1">
+            <a:avLst/>
+          </a:prstGeom>
+          <a:ln w="28575">
+            <a:tailEnd type="triangle"/>
+          </a:ln>
+        </p:spPr>
+        <p:style>
+          <a:lnRef idx="1">
+            <a:schemeClr val="accent1"/>
+          </a:lnRef>
+          <a:fillRef idx="0">
+            <a:schemeClr val="accent1"/>
+          </a:fillRef>
+          <a:effectRef idx="0">
+            <a:schemeClr val="accent1"/>
+          </a:effectRef>
+          <a:fontRef idx="minor">
+            <a:schemeClr val="tx1"/>
+          </a:fontRef>
+        </p:style>
+      </p:cxnSp>
+      <p:sp>
+        <p:nvSpPr>
+          <p:cNvPr id="20" name="TextBox 19">
+            <a:extLst>
+              <a:ext uri="{FF2B5EF4-FFF2-40B4-BE49-F238E27FC236}">
+                <a16:creationId xmlns:a16="http://schemas.microsoft.com/office/drawing/2014/main" id="{B59BEA59-09C7-4074-A695-5507D0F0635B}"/>
+              </a:ext>
+            </a:extLst>
+          </p:cNvPr>
+          <p:cNvSpPr txBox="1"/>
+          <p:nvPr/>
+        </p:nvSpPr>
+        <p:spPr>
+          <a:xfrm>
+            <a:off x="159137" y="2590184"/>
+            <a:ext cx="4083050" cy="369332"/>
+          </a:xfrm>
+          <a:prstGeom prst="rect">
+            <a:avLst/>
+          </a:prstGeom>
+          <a:noFill/>
+        </p:spPr>
+        <p:txBody>
+          <a:bodyPr wrap="square" rtlCol="0">
+            <a:spAutoFit/>
+          </a:bodyPr>
+          <a:lstStyle/>
+          <a:p>
+            <a:r>
+              <a:rPr lang="en-US" dirty="0" err="1"/>
+              <a:t>pdev</a:t>
+            </a:r>
+            <a:r>
+              <a:rPr lang="en-US" dirty="0"/>
+              <a:t>-&gt;</a:t>
+            </a:r>
+            <a:r>
+              <a:rPr lang="en-US" dirty="0" err="1"/>
+              <a:t>driver_override</a:t>
+            </a:r>
+            <a:r>
+              <a:rPr lang="en-US" dirty="0"/>
+              <a:t> = </a:t>
+            </a:r>
+            <a:r>
+              <a:rPr lang="en-US" dirty="0" err="1"/>
+              <a:t>driver_override</a:t>
+            </a:r>
+            <a:endParaRPr lang="en-US" dirty="0"/>
+          </a:p>
+        </p:txBody>
+      </p:sp>
+      <p:sp>
+        <p:nvSpPr>
+          <p:cNvPr id="22" name="TextBox 21">
+            <a:extLst>
+              <a:ext uri="{FF2B5EF4-FFF2-40B4-BE49-F238E27FC236}">
+                <a16:creationId xmlns:a16="http://schemas.microsoft.com/office/drawing/2014/main" id="{016F33ED-E315-4526-9C8A-ED6C1969C943}"/>
+              </a:ext>
+            </a:extLst>
+          </p:cNvPr>
+          <p:cNvSpPr txBox="1"/>
+          <p:nvPr/>
+        </p:nvSpPr>
+        <p:spPr>
+          <a:xfrm>
+            <a:off x="184150" y="2875454"/>
+            <a:ext cx="4083050" cy="369332"/>
+          </a:xfrm>
+          <a:prstGeom prst="rect">
+            <a:avLst/>
+          </a:prstGeom>
+          <a:noFill/>
+        </p:spPr>
+        <p:txBody>
+          <a:bodyPr wrap="square" rtlCol="0">
+            <a:spAutoFit/>
+          </a:bodyPr>
+          <a:lstStyle/>
+          <a:p>
+            <a:r>
+              <a:rPr lang="en-US" dirty="0" err="1"/>
+              <a:t>kfree</a:t>
+            </a:r>
+            <a:r>
+              <a:rPr lang="en-US" dirty="0"/>
+              <a:t>(old)</a:t>
+            </a:r>
+          </a:p>
+        </p:txBody>
+      </p:sp>
+      <p:sp>
+        <p:nvSpPr>
+          <p:cNvPr id="23" name="TextBox 22">
+            <a:extLst>
+              <a:ext uri="{FF2B5EF4-FFF2-40B4-BE49-F238E27FC236}">
+                <a16:creationId xmlns:a16="http://schemas.microsoft.com/office/drawing/2014/main" id="{F0030886-B19C-44DF-9E52-E52E2D1A2E22}"/>
+              </a:ext>
+            </a:extLst>
+          </p:cNvPr>
+          <p:cNvSpPr txBox="1"/>
+          <p:nvPr/>
+        </p:nvSpPr>
+        <p:spPr>
+          <a:xfrm>
+            <a:off x="159137" y="4221372"/>
+            <a:ext cx="4489450" cy="369332"/>
+          </a:xfrm>
+          <a:prstGeom prst="rect">
+            <a:avLst/>
+          </a:prstGeom>
+          <a:noFill/>
+        </p:spPr>
+        <p:txBody>
+          <a:bodyPr wrap="square" rtlCol="0">
+            <a:spAutoFit/>
+          </a:bodyPr>
+          <a:lstStyle/>
+          <a:p>
+            <a:r>
+              <a:rPr lang="en-US" dirty="0" err="1"/>
+              <a:t>sprintf</a:t>
+            </a:r>
+            <a:r>
+              <a:rPr lang="en-US" dirty="0"/>
+              <a:t>(buffer, “%s\n”, </a:t>
+            </a:r>
+            <a:r>
+              <a:rPr lang="en-US" dirty="0" err="1"/>
+              <a:t>pdev</a:t>
+            </a:r>
+            <a:r>
+              <a:rPr lang="en-US" dirty="0"/>
+              <a:t>-&gt;</a:t>
+            </a:r>
+            <a:r>
+              <a:rPr lang="en-US" dirty="0" err="1"/>
+              <a:t>driver_override</a:t>
+            </a:r>
+            <a:r>
+              <a:rPr lang="en-US" dirty="0"/>
+              <a:t>)</a:t>
+            </a:r>
+          </a:p>
+        </p:txBody>
+      </p:sp>
+      <p:cxnSp>
+        <p:nvCxnSpPr>
+          <p:cNvPr id="24" name="Straight Arrow Connector 23">
+            <a:extLst>
+              <a:ext uri="{FF2B5EF4-FFF2-40B4-BE49-F238E27FC236}">
+                <a16:creationId xmlns:a16="http://schemas.microsoft.com/office/drawing/2014/main" id="{0EC883A1-18A5-4A86-B9FA-463553739BE3}"/>
+              </a:ext>
+            </a:extLst>
+          </p:cNvPr>
+          <p:cNvCxnSpPr>
+            <a:cxnSpLocks/>
+          </p:cNvCxnSpPr>
+          <p:nvPr/>
+        </p:nvCxnSpPr>
+        <p:spPr>
+          <a:xfrm flipV="1">
+            <a:off x="3829050" y="2112311"/>
+            <a:ext cx="2540000" cy="2114916"/>
+          </a:xfrm>
+          <a:prstGeom prst="straightConnector1">
+            <a:avLst/>
+          </a:prstGeom>
+          <a:ln w="28575">
+            <a:tailEnd type="triangle"/>
+          </a:ln>
+        </p:spPr>
+        <p:style>
+          <a:lnRef idx="1">
+            <a:schemeClr val="accent1"/>
+          </a:lnRef>
+          <a:fillRef idx="0">
+            <a:schemeClr val="accent1"/>
+          </a:fillRef>
+          <a:effectRef idx="0">
+            <a:schemeClr val="accent1"/>
+          </a:effectRef>
+          <a:fontRef idx="minor">
+            <a:schemeClr val="tx1"/>
+          </a:fontRef>
+        </p:style>
+      </p:cxnSp>
+      <p:cxnSp>
+        <p:nvCxnSpPr>
+          <p:cNvPr id="26" name="Straight Arrow Connector 25">
+            <a:extLst>
+              <a:ext uri="{FF2B5EF4-FFF2-40B4-BE49-F238E27FC236}">
+                <a16:creationId xmlns:a16="http://schemas.microsoft.com/office/drawing/2014/main" id="{4F4F642B-FFAD-4DBE-A17F-D7B03E16A60D}"/>
+              </a:ext>
+            </a:extLst>
+          </p:cNvPr>
+          <p:cNvCxnSpPr>
+            <a:cxnSpLocks/>
+          </p:cNvCxnSpPr>
+          <p:nvPr/>
+        </p:nvCxnSpPr>
+        <p:spPr>
+          <a:xfrm>
+            <a:off x="4054860" y="2808308"/>
+            <a:ext cx="3171440" cy="524565"/>
+          </a:xfrm>
+          <a:prstGeom prst="straightConnector1">
+            <a:avLst/>
+          </a:prstGeom>
+          <a:ln w="28575">
+            <a:solidFill>
+              <a:schemeClr val="tx2"/>
+            </a:solidFill>
+            <a:tailEnd type="triangle"/>
+          </a:ln>
+        </p:spPr>
+        <p:style>
+          <a:lnRef idx="1">
+            <a:schemeClr val="accent1"/>
+          </a:lnRef>
+          <a:fillRef idx="0">
+            <a:schemeClr val="accent1"/>
+          </a:fillRef>
+          <a:effectRef idx="0">
+            <a:schemeClr val="accent1"/>
+          </a:effectRef>
+          <a:fontRef idx="minor">
+            <a:schemeClr val="tx1"/>
+          </a:fontRef>
+        </p:style>
+      </p:cxnSp>
+    </p:spTree>
+    <p:extLst>
+      <p:ext uri="{BB962C8B-B14F-4D97-AF65-F5344CB8AC3E}">
+        <p14:creationId xmlns:p14="http://schemas.microsoft.com/office/powerpoint/2010/main" val="2845458545"/>
+      </p:ext>
+    </p:extLst>
+  </p:cSld>
+  <p:clrMapOvr>
+    <a:masterClrMapping/>
+  </p:clrMapOvr>
+</p:sld>
+</file>
+
+<file path=ppt/slides/slide18.xml><?xml version="1.0" encoding="utf-8"?>
+<p:sld xmlns:a="http://schemas.openxmlformats.org/drawingml/2006/main" xmlns:r="http://schemas.openxmlformats.org/officeDocument/2006/relationships" xmlns:p="http://schemas.openxmlformats.org/presentationml/2006/main">
+  <p:cSld>
+    <p:spTree>
+      <p:nvGrpSpPr>
+        <p:cNvPr id="1" name=""/>
+        <p:cNvGrpSpPr/>
+        <p:nvPr/>
+      </p:nvGrpSpPr>
+      <p:grpSpPr>
+        <a:xfrm>
+          <a:off x="0" y="0"/>
+          <a:ext cx="0" cy="0"/>
+          <a:chOff x="0" y="0"/>
+          <a:chExt cx="0" cy="0"/>
+        </a:xfrm>
+      </p:grpSpPr>
+      <p:sp>
+        <p:nvSpPr>
+          <p:cNvPr id="2" name="Title 1">
+            <a:extLst>
+              <a:ext uri="{FF2B5EF4-FFF2-40B4-BE49-F238E27FC236}">
+                <a16:creationId xmlns:a16="http://schemas.microsoft.com/office/drawing/2014/main" id="{1AA37EED-E8A2-4197-988F-97B51A914869}"/>
+              </a:ext>
+            </a:extLst>
+          </p:cNvPr>
+          <p:cNvSpPr>
+            <a:spLocks noGrp="1"/>
+          </p:cNvSpPr>
+          <p:nvPr>
+            <p:ph type="title"/>
+          </p:nvPr>
+        </p:nvSpPr>
+        <p:spPr/>
+        <p:txBody>
+          <a:bodyPr>
+            <a:normAutofit fontScale="90000"/>
+          </a:bodyPr>
+          <a:lstStyle/>
+          <a:p>
+            <a:r>
+              <a:rPr lang="en-US" dirty="0"/>
+              <a:t>Execution</a:t>
+            </a:r>
+          </a:p>
+        </p:txBody>
+      </p:sp>
+      <p:pic>
+        <p:nvPicPr>
+          <p:cNvPr id="5" name="Picture 4">
+            <a:extLst>
+              <a:ext uri="{FF2B5EF4-FFF2-40B4-BE49-F238E27FC236}">
+                <a16:creationId xmlns:a16="http://schemas.microsoft.com/office/drawing/2014/main" id="{9F671147-5904-4058-ABCA-F7A3873CAA36}"/>
+              </a:ext>
+            </a:extLst>
+          </p:cNvPr>
+          <p:cNvPicPr>
+            <a:picLocks noChangeAspect="1"/>
+          </p:cNvPicPr>
+          <p:nvPr/>
+        </p:nvPicPr>
+        <p:blipFill>
+          <a:blip r:embed="rId2">
+            <a:extLst>
+              <a:ext uri="{BEBA8EAE-BF5A-486C-A8C5-ECC9F3942E4B}">
+                <a14:imgProps xmlns:a14="http://schemas.microsoft.com/office/drawing/2010/main">
+                  <a14:imgLayer r:embed="rId3">
+                    <a14:imgEffect>
+                      <a14:backgroundRemoval t="3077" b="97885" l="6889" r="90000">
+                        <a14:foregroundMark x1="53222" y1="9231" x2="57444" y2="1346"/>
+                        <a14:foregroundMark x1="57444" y1="1346" x2="63000" y2="3269"/>
+                        <a14:foregroundMark x1="63000" y1="3269" x2="65667" y2="10192"/>
+                        <a14:foregroundMark x1="28556" y1="87500" x2="24667" y2="97885"/>
+                        <a14:foregroundMark x1="6889" y1="13269" x2="6889" y2="13269"/>
+                      </a14:backgroundRemoval>
+                    </a14:imgEffect>
+                  </a14:imgLayer>
+                </a14:imgProps>
+              </a:ext>
+            </a:extLst>
+          </a:blip>
+          <a:stretch>
+            <a:fillRect/>
+          </a:stretch>
+        </p:blipFill>
+        <p:spPr>
+          <a:xfrm>
+            <a:off x="87275" y="1391456"/>
+            <a:ext cx="1188631" cy="686765"/>
+          </a:xfrm>
+          <a:prstGeom prst="rect">
+            <a:avLst/>
+          </a:prstGeom>
+        </p:spPr>
+      </p:pic>
+      <p:pic>
+        <p:nvPicPr>
+          <p:cNvPr id="6" name="Picture 5">
+            <a:extLst>
+              <a:ext uri="{FF2B5EF4-FFF2-40B4-BE49-F238E27FC236}">
+                <a16:creationId xmlns:a16="http://schemas.microsoft.com/office/drawing/2014/main" id="{F894569B-957A-4EBA-AB3D-2A7905728C77}"/>
+              </a:ext>
+            </a:extLst>
+          </p:cNvPr>
+          <p:cNvPicPr>
+            <a:picLocks noChangeAspect="1"/>
+          </p:cNvPicPr>
+          <p:nvPr/>
+        </p:nvPicPr>
+        <p:blipFill>
+          <a:blip r:embed="rId2">
+            <a:extLst>
+              <a:ext uri="{BEBA8EAE-BF5A-486C-A8C5-ECC9F3942E4B}">
+                <a14:imgProps xmlns:a14="http://schemas.microsoft.com/office/drawing/2010/main">
+                  <a14:imgLayer r:embed="rId3">
+                    <a14:imgEffect>
+                      <a14:backgroundRemoval t="3077" b="97885" l="6889" r="90000">
+                        <a14:foregroundMark x1="53222" y1="9231" x2="57444" y2="1346"/>
+                        <a14:foregroundMark x1="57444" y1="1346" x2="63000" y2="3269"/>
+                        <a14:foregroundMark x1="63000" y1="3269" x2="65667" y2="10192"/>
+                        <a14:foregroundMark x1="28556" y1="87500" x2="24667" y2="97885"/>
+                        <a14:foregroundMark x1="6889" y1="13269" x2="6889" y2="13269"/>
+                      </a14:backgroundRemoval>
+                    </a14:imgEffect>
+                  </a14:imgLayer>
+                </a14:imgProps>
+              </a:ext>
+            </a:extLst>
+          </a:blip>
+          <a:stretch>
+            <a:fillRect/>
+          </a:stretch>
+        </p:blipFill>
+        <p:spPr>
+          <a:xfrm>
+            <a:off x="87274" y="3108422"/>
+            <a:ext cx="1188631" cy="686765"/>
+          </a:xfrm>
+          <a:prstGeom prst="rect">
+            <a:avLst/>
+          </a:prstGeom>
+        </p:spPr>
+      </p:pic>
+      <p:sp>
+        <p:nvSpPr>
+          <p:cNvPr id="7" name="TextBox 6">
+            <a:extLst>
+              <a:ext uri="{FF2B5EF4-FFF2-40B4-BE49-F238E27FC236}">
+                <a16:creationId xmlns:a16="http://schemas.microsoft.com/office/drawing/2014/main" id="{437E64B8-E291-4E9C-B81D-1CD98634517F}"/>
+              </a:ext>
+            </a:extLst>
+          </p:cNvPr>
+          <p:cNvSpPr txBox="1"/>
+          <p:nvPr/>
+        </p:nvSpPr>
+        <p:spPr>
+          <a:xfrm>
+            <a:off x="224971" y="1008552"/>
+            <a:ext cx="1188631" cy="369332"/>
+          </a:xfrm>
+          <a:prstGeom prst="rect">
+            <a:avLst/>
+          </a:prstGeom>
+          <a:noFill/>
+        </p:spPr>
+        <p:txBody>
+          <a:bodyPr wrap="square" rtlCol="0">
+            <a:spAutoFit/>
+          </a:bodyPr>
+          <a:lstStyle/>
+          <a:p>
+            <a:r>
+              <a:rPr lang="en-US" dirty="0"/>
+              <a:t>T1: Store</a:t>
+            </a:r>
+          </a:p>
+        </p:txBody>
+      </p:sp>
+      <p:sp>
+        <p:nvSpPr>
+          <p:cNvPr id="8" name="TextBox 7">
+            <a:extLst>
+              <a:ext uri="{FF2B5EF4-FFF2-40B4-BE49-F238E27FC236}">
+                <a16:creationId xmlns:a16="http://schemas.microsoft.com/office/drawing/2014/main" id="{58E48ED4-7279-4954-A226-AC801D0AAC86}"/>
+              </a:ext>
+            </a:extLst>
+          </p:cNvPr>
+          <p:cNvSpPr txBox="1"/>
+          <p:nvPr/>
+        </p:nvSpPr>
+        <p:spPr>
+          <a:xfrm>
+            <a:off x="224971" y="2820446"/>
+            <a:ext cx="1188631" cy="369332"/>
+          </a:xfrm>
+          <a:prstGeom prst="rect">
+            <a:avLst/>
+          </a:prstGeom>
+          <a:noFill/>
+        </p:spPr>
+        <p:txBody>
+          <a:bodyPr wrap="square" rtlCol="0">
+            <a:spAutoFit/>
+          </a:bodyPr>
+          <a:lstStyle/>
+          <a:p>
+            <a:r>
+              <a:rPr lang="en-US" dirty="0"/>
+              <a:t>T2: Show</a:t>
+            </a:r>
+          </a:p>
+        </p:txBody>
+      </p:sp>
+      <p:sp>
+        <p:nvSpPr>
+          <p:cNvPr id="9" name="Rectangle 8">
+            <a:extLst>
+              <a:ext uri="{FF2B5EF4-FFF2-40B4-BE49-F238E27FC236}">
+                <a16:creationId xmlns:a16="http://schemas.microsoft.com/office/drawing/2014/main" id="{5C6D0FC2-8244-403D-B5D3-4B134576F716}"/>
+              </a:ext>
+            </a:extLst>
+          </p:cNvPr>
+          <p:cNvSpPr/>
+          <p:nvPr/>
+        </p:nvSpPr>
+        <p:spPr>
+          <a:xfrm>
+            <a:off x="7342119" y="1412835"/>
+            <a:ext cx="754743" cy="771173"/>
+          </a:xfrm>
+          <a:prstGeom prst="rect">
+            <a:avLst/>
+          </a:prstGeom>
+        </p:spPr>
+        <p:style>
+          <a:lnRef idx="2">
+            <a:schemeClr val="accent1">
+              <a:shade val="50000"/>
+            </a:schemeClr>
+          </a:lnRef>
+          <a:fillRef idx="1">
+            <a:schemeClr val="accent1"/>
+          </a:fillRef>
+          <a:effectRef idx="0">
+            <a:schemeClr val="accent1"/>
+          </a:effectRef>
+          <a:fontRef idx="minor">
+            <a:schemeClr val="lt1"/>
+          </a:fontRef>
+        </p:style>
+        <p:txBody>
+          <a:bodyPr rtlCol="0" anchor="ctr"/>
+          <a:lstStyle/>
+          <a:p>
+            <a:pPr algn="ctr"/>
+            <a:endParaRPr lang="en-US"/>
+          </a:p>
+        </p:txBody>
+      </p:sp>
+      <p:sp>
+        <p:nvSpPr>
+          <p:cNvPr id="10" name="Rectangle 9">
+            <a:extLst>
+              <a:ext uri="{FF2B5EF4-FFF2-40B4-BE49-F238E27FC236}">
+                <a16:creationId xmlns:a16="http://schemas.microsoft.com/office/drawing/2014/main" id="{412EB7EC-C6FB-4064-940D-CAADC892F4C5}"/>
+              </a:ext>
+            </a:extLst>
+          </p:cNvPr>
+          <p:cNvSpPr/>
+          <p:nvPr/>
+        </p:nvSpPr>
+        <p:spPr>
+          <a:xfrm>
+            <a:off x="8036377" y="3094584"/>
+            <a:ext cx="754743" cy="771173"/>
+          </a:xfrm>
+          <a:prstGeom prst="rect">
+            <a:avLst/>
+          </a:prstGeom>
+        </p:spPr>
+        <p:style>
+          <a:lnRef idx="2">
+            <a:schemeClr val="accent1">
+              <a:shade val="50000"/>
+            </a:schemeClr>
+          </a:lnRef>
+          <a:fillRef idx="1">
+            <a:schemeClr val="accent1"/>
+          </a:fillRef>
+          <a:effectRef idx="0">
+            <a:schemeClr val="accent1"/>
+          </a:effectRef>
+          <a:fontRef idx="minor">
+            <a:schemeClr val="lt1"/>
+          </a:fontRef>
+        </p:style>
+        <p:txBody>
+          <a:bodyPr rtlCol="0" anchor="ctr"/>
+          <a:lstStyle/>
+          <a:p>
+            <a:pPr algn="ctr"/>
+            <a:endParaRPr lang="en-US"/>
+          </a:p>
+        </p:txBody>
+      </p:sp>
+      <p:sp>
+        <p:nvSpPr>
+          <p:cNvPr id="11" name="TextBox 10">
+            <a:extLst>
+              <a:ext uri="{FF2B5EF4-FFF2-40B4-BE49-F238E27FC236}">
+                <a16:creationId xmlns:a16="http://schemas.microsoft.com/office/drawing/2014/main" id="{F6FD1DCB-BF36-4518-9360-5422A06B7FB1}"/>
+              </a:ext>
+            </a:extLst>
+          </p:cNvPr>
+          <p:cNvSpPr txBox="1"/>
+          <p:nvPr/>
+        </p:nvSpPr>
+        <p:spPr>
+          <a:xfrm>
+            <a:off x="1047138" y="1367801"/>
+            <a:ext cx="3012558" cy="369332"/>
+          </a:xfrm>
+          <a:prstGeom prst="rect">
+            <a:avLst/>
+          </a:prstGeom>
+          <a:noFill/>
+        </p:spPr>
+        <p:txBody>
+          <a:bodyPr wrap="square" rtlCol="0">
+            <a:spAutoFit/>
+          </a:bodyPr>
+          <a:lstStyle/>
+          <a:p>
+            <a:r>
+              <a:rPr lang="en-US" dirty="0"/>
+              <a:t>old = </a:t>
+            </a:r>
+            <a:r>
+              <a:rPr lang="en-US" dirty="0" err="1"/>
+              <a:t>pdev</a:t>
+            </a:r>
+            <a:r>
+              <a:rPr lang="en-US" dirty="0"/>
+              <a:t>-&gt;</a:t>
+            </a:r>
+            <a:r>
+              <a:rPr lang="en-US" dirty="0" err="1"/>
+              <a:t>driver_override</a:t>
+            </a:r>
+            <a:endParaRPr lang="en-US" dirty="0"/>
+          </a:p>
+        </p:txBody>
+      </p:sp>
+      <p:sp>
+        <p:nvSpPr>
+          <p:cNvPr id="14" name="TextBox 13">
+            <a:extLst>
+              <a:ext uri="{FF2B5EF4-FFF2-40B4-BE49-F238E27FC236}">
+                <a16:creationId xmlns:a16="http://schemas.microsoft.com/office/drawing/2014/main" id="{B907C9E4-9E0E-48BF-AB02-3DD7216BEBDB}"/>
+              </a:ext>
+            </a:extLst>
+          </p:cNvPr>
+          <p:cNvSpPr txBox="1"/>
+          <p:nvPr/>
+        </p:nvSpPr>
+        <p:spPr>
+          <a:xfrm>
+            <a:off x="448170" y="3765616"/>
+            <a:ext cx="3012558" cy="646331"/>
+          </a:xfrm>
+          <a:prstGeom prst="rect">
+            <a:avLst/>
+          </a:prstGeom>
+          <a:noFill/>
+        </p:spPr>
+        <p:txBody>
+          <a:bodyPr wrap="square" rtlCol="0">
+            <a:spAutoFit/>
+          </a:bodyPr>
+          <a:lstStyle/>
+          <a:p>
+            <a:r>
+              <a:rPr lang="en-US" dirty="0" err="1"/>
+              <a:t>sprintf</a:t>
+            </a:r>
+            <a:r>
+              <a:rPr lang="en-US" dirty="0"/>
+              <a:t>(</a:t>
+            </a:r>
+            <a:r>
+              <a:rPr lang="en-US" dirty="0" err="1"/>
+              <a:t>buf</a:t>
+            </a:r>
+            <a:r>
+              <a:rPr lang="en-US" dirty="0"/>
+              <a:t>, “%s\n”,</a:t>
+            </a:r>
+          </a:p>
+          <a:p>
+            <a:r>
+              <a:rPr lang="en-US" dirty="0"/>
+              <a:t>	</a:t>
+            </a:r>
+            <a:r>
+              <a:rPr lang="en-US" dirty="0" err="1"/>
+              <a:t>pdev</a:t>
+            </a:r>
+            <a:r>
+              <a:rPr lang="en-US" dirty="0"/>
+              <a:t>-&gt;</a:t>
+            </a:r>
+            <a:r>
+              <a:rPr lang="en-US" dirty="0" err="1"/>
+              <a:t>driver_override</a:t>
+            </a:r>
+            <a:r>
+              <a:rPr lang="en-US" dirty="0"/>
+              <a:t>)</a:t>
+            </a:r>
+          </a:p>
+        </p:txBody>
+      </p:sp>
+      <p:sp>
+        <p:nvSpPr>
+          <p:cNvPr id="18" name="TextBox 17">
+            <a:extLst>
+              <a:ext uri="{FF2B5EF4-FFF2-40B4-BE49-F238E27FC236}">
+                <a16:creationId xmlns:a16="http://schemas.microsoft.com/office/drawing/2014/main" id="{9F1FA9AD-F14B-4F1F-A82E-5F624B2D97CE}"/>
+              </a:ext>
+            </a:extLst>
+          </p:cNvPr>
+          <p:cNvSpPr txBox="1"/>
+          <p:nvPr/>
+        </p:nvSpPr>
+        <p:spPr>
+          <a:xfrm>
+            <a:off x="1047138" y="1666640"/>
+            <a:ext cx="3012558" cy="646331"/>
+          </a:xfrm>
+          <a:prstGeom prst="rect">
+            <a:avLst/>
+          </a:prstGeom>
+          <a:noFill/>
+        </p:spPr>
+        <p:txBody>
+          <a:bodyPr wrap="square" rtlCol="0">
+            <a:spAutoFit/>
+          </a:bodyPr>
+          <a:lstStyle/>
+          <a:p>
+            <a:r>
+              <a:rPr lang="en-US" dirty="0" err="1"/>
+              <a:t>pdev</a:t>
+            </a:r>
+            <a:r>
+              <a:rPr lang="en-US" dirty="0"/>
+              <a:t>-&gt;</a:t>
+            </a:r>
+            <a:r>
+              <a:rPr lang="en-US" dirty="0" err="1"/>
+              <a:t>driver_override</a:t>
+            </a:r>
+            <a:r>
+              <a:rPr lang="en-US" dirty="0"/>
+              <a:t> 	=</a:t>
+            </a:r>
+            <a:r>
+              <a:rPr lang="en-US" dirty="0" err="1"/>
+              <a:t>driver_overide</a:t>
+            </a:r>
+            <a:endParaRPr lang="en-US" dirty="0"/>
+          </a:p>
+        </p:txBody>
+      </p:sp>
+      <p:sp>
+        <p:nvSpPr>
+          <p:cNvPr id="19" name="TextBox 18">
+            <a:extLst>
+              <a:ext uri="{FF2B5EF4-FFF2-40B4-BE49-F238E27FC236}">
+                <a16:creationId xmlns:a16="http://schemas.microsoft.com/office/drawing/2014/main" id="{C536BE0D-7F56-4ED5-9C37-C7C1AB52E413}"/>
+              </a:ext>
+            </a:extLst>
+          </p:cNvPr>
+          <p:cNvSpPr txBox="1"/>
+          <p:nvPr/>
+        </p:nvSpPr>
+        <p:spPr>
+          <a:xfrm>
+            <a:off x="1047138" y="2242478"/>
+            <a:ext cx="3012558" cy="369332"/>
+          </a:xfrm>
+          <a:prstGeom prst="rect">
+            <a:avLst/>
+          </a:prstGeom>
+          <a:noFill/>
+        </p:spPr>
+        <p:txBody>
+          <a:bodyPr wrap="square" rtlCol="0">
+            <a:spAutoFit/>
+          </a:bodyPr>
+          <a:lstStyle/>
+          <a:p>
+            <a:r>
+              <a:rPr lang="en-US" dirty="0" err="1"/>
+              <a:t>kfree</a:t>
+            </a:r>
+            <a:r>
+              <a:rPr lang="en-US" dirty="0"/>
+              <a:t>(old)</a:t>
+            </a:r>
+          </a:p>
+        </p:txBody>
+      </p:sp>
+      <p:sp>
+        <p:nvSpPr>
+          <p:cNvPr id="23" name="TextBox 22">
+            <a:extLst>
+              <a:ext uri="{FF2B5EF4-FFF2-40B4-BE49-F238E27FC236}">
+                <a16:creationId xmlns:a16="http://schemas.microsoft.com/office/drawing/2014/main" id="{D1D5BC57-6C70-4AE7-A0C5-130CE26E1442}"/>
+              </a:ext>
+            </a:extLst>
+          </p:cNvPr>
+          <p:cNvSpPr txBox="1"/>
+          <p:nvPr/>
+        </p:nvSpPr>
+        <p:spPr>
+          <a:xfrm>
+            <a:off x="7528358" y="1593746"/>
+            <a:ext cx="568504" cy="369332"/>
+          </a:xfrm>
+          <a:prstGeom prst="rect">
+            <a:avLst/>
+          </a:prstGeom>
+          <a:noFill/>
+        </p:spPr>
+        <p:txBody>
+          <a:bodyPr wrap="square" rtlCol="0">
+            <a:spAutoFit/>
+          </a:bodyPr>
+          <a:lstStyle/>
+          <a:p>
+            <a:r>
+              <a:rPr lang="en-US" dirty="0"/>
+              <a:t>1</a:t>
+            </a:r>
+          </a:p>
+        </p:txBody>
+      </p:sp>
+      <p:sp>
+        <p:nvSpPr>
+          <p:cNvPr id="24" name="TextBox 23">
+            <a:extLst>
+              <a:ext uri="{FF2B5EF4-FFF2-40B4-BE49-F238E27FC236}">
+                <a16:creationId xmlns:a16="http://schemas.microsoft.com/office/drawing/2014/main" id="{6041623B-0727-4F97-A03A-786D5E9055F2}"/>
+              </a:ext>
+            </a:extLst>
+          </p:cNvPr>
+          <p:cNvSpPr txBox="1"/>
+          <p:nvPr/>
+        </p:nvSpPr>
+        <p:spPr>
+          <a:xfrm>
+            <a:off x="8238734" y="3241327"/>
+            <a:ext cx="568504" cy="369332"/>
+          </a:xfrm>
+          <a:prstGeom prst="rect">
+            <a:avLst/>
+          </a:prstGeom>
+          <a:noFill/>
+        </p:spPr>
+        <p:txBody>
+          <a:bodyPr wrap="square" rtlCol="0">
+            <a:spAutoFit/>
+          </a:bodyPr>
+          <a:lstStyle/>
+          <a:p>
+            <a:r>
+              <a:rPr lang="en-US" dirty="0"/>
+              <a:t>2</a:t>
+            </a:r>
+          </a:p>
+        </p:txBody>
+      </p:sp>
+    </p:spTree>
+    <p:extLst>
+      <p:ext uri="{BB962C8B-B14F-4D97-AF65-F5344CB8AC3E}">
+        <p14:creationId xmlns:p14="http://schemas.microsoft.com/office/powerpoint/2010/main" val="1154134771"/>
+      </p:ext>
+    </p:extLst>
+  </p:cSld>
+  <p:clrMapOvr>
+    <a:masterClrMapping/>
+  </p:clrMapOvr>
+</p:sld>
+</file>
+
+<file path=ppt/slides/slide19.xml><?xml version="1.0" encoding="utf-8"?>
+<p:sld xmlns:a="http://schemas.openxmlformats.org/drawingml/2006/main" xmlns:r="http://schemas.openxmlformats.org/officeDocument/2006/relationships" xmlns:p="http://schemas.openxmlformats.org/presentationml/2006/main">
+  <p:cSld>
+    <p:spTree>
+      <p:nvGrpSpPr>
+        <p:cNvPr id="1" name=""/>
+        <p:cNvGrpSpPr/>
+        <p:nvPr/>
+      </p:nvGrpSpPr>
+      <p:grpSpPr>
+        <a:xfrm>
+          <a:off x="0" y="0"/>
+          <a:ext cx="0" cy="0"/>
+          <a:chOff x="0" y="0"/>
+          <a:chExt cx="0" cy="0"/>
+        </a:xfrm>
+      </p:grpSpPr>
+      <p:sp>
+        <p:nvSpPr>
+          <p:cNvPr id="2" name="Title 1">
+            <a:extLst>
+              <a:ext uri="{FF2B5EF4-FFF2-40B4-BE49-F238E27FC236}">
+                <a16:creationId xmlns:a16="http://schemas.microsoft.com/office/drawing/2014/main" id="{1AA37EED-E8A2-4197-988F-97B51A914869}"/>
+              </a:ext>
+            </a:extLst>
+          </p:cNvPr>
+          <p:cNvSpPr>
+            <a:spLocks noGrp="1"/>
+          </p:cNvSpPr>
+          <p:nvPr>
+            <p:ph type="title"/>
+          </p:nvPr>
+        </p:nvSpPr>
+        <p:spPr/>
+        <p:txBody>
+          <a:bodyPr>
+            <a:normAutofit fontScale="90000"/>
+          </a:bodyPr>
+          <a:lstStyle/>
+          <a:p>
+            <a:r>
+              <a:rPr lang="en-US" dirty="0"/>
+              <a:t>Execution</a:t>
+            </a:r>
+          </a:p>
+        </p:txBody>
+      </p:sp>
+      <p:pic>
+        <p:nvPicPr>
+          <p:cNvPr id="5" name="Picture 4">
+            <a:extLst>
+              <a:ext uri="{FF2B5EF4-FFF2-40B4-BE49-F238E27FC236}">
+                <a16:creationId xmlns:a16="http://schemas.microsoft.com/office/drawing/2014/main" id="{9F671147-5904-4058-ABCA-F7A3873CAA36}"/>
+              </a:ext>
+            </a:extLst>
+          </p:cNvPr>
+          <p:cNvPicPr>
+            <a:picLocks noChangeAspect="1"/>
+          </p:cNvPicPr>
+          <p:nvPr/>
+        </p:nvPicPr>
+        <p:blipFill>
+          <a:blip r:embed="rId2">
+            <a:extLst>
+              <a:ext uri="{BEBA8EAE-BF5A-486C-A8C5-ECC9F3942E4B}">
+                <a14:imgProps xmlns:a14="http://schemas.microsoft.com/office/drawing/2010/main">
+                  <a14:imgLayer r:embed="rId3">
+                    <a14:imgEffect>
+                      <a14:backgroundRemoval t="3077" b="97885" l="6889" r="90000">
+                        <a14:foregroundMark x1="53222" y1="9231" x2="57444" y2="1346"/>
+                        <a14:foregroundMark x1="57444" y1="1346" x2="63000" y2="3269"/>
+                        <a14:foregroundMark x1="63000" y1="3269" x2="65667" y2="10192"/>
+                        <a14:foregroundMark x1="28556" y1="87500" x2="24667" y2="97885"/>
+                        <a14:foregroundMark x1="6889" y1="13269" x2="6889" y2="13269"/>
+                      </a14:backgroundRemoval>
+                    </a14:imgEffect>
+                  </a14:imgLayer>
+                </a14:imgProps>
+              </a:ext>
+            </a:extLst>
+          </a:blip>
+          <a:stretch>
+            <a:fillRect/>
+          </a:stretch>
+        </p:blipFill>
+        <p:spPr>
+          <a:xfrm>
+            <a:off x="87275" y="1391456"/>
+            <a:ext cx="1188631" cy="686765"/>
+          </a:xfrm>
+          <a:prstGeom prst="rect">
+            <a:avLst/>
+          </a:prstGeom>
+        </p:spPr>
+      </p:pic>
+      <p:pic>
+        <p:nvPicPr>
+          <p:cNvPr id="6" name="Picture 5">
+            <a:extLst>
+              <a:ext uri="{FF2B5EF4-FFF2-40B4-BE49-F238E27FC236}">
+                <a16:creationId xmlns:a16="http://schemas.microsoft.com/office/drawing/2014/main" id="{F894569B-957A-4EBA-AB3D-2A7905728C77}"/>
+              </a:ext>
+            </a:extLst>
+          </p:cNvPr>
+          <p:cNvPicPr>
+            <a:picLocks noChangeAspect="1"/>
+          </p:cNvPicPr>
+          <p:nvPr/>
+        </p:nvPicPr>
+        <p:blipFill>
+          <a:blip r:embed="rId2">
+            <a:extLst>
+              <a:ext uri="{BEBA8EAE-BF5A-486C-A8C5-ECC9F3942E4B}">
+                <a14:imgProps xmlns:a14="http://schemas.microsoft.com/office/drawing/2010/main">
+                  <a14:imgLayer r:embed="rId3">
+                    <a14:imgEffect>
+                      <a14:backgroundRemoval t="3077" b="97885" l="6889" r="90000">
+                        <a14:foregroundMark x1="53222" y1="9231" x2="57444" y2="1346"/>
+                        <a14:foregroundMark x1="57444" y1="1346" x2="63000" y2="3269"/>
+                        <a14:foregroundMark x1="63000" y1="3269" x2="65667" y2="10192"/>
+                        <a14:foregroundMark x1="28556" y1="87500" x2="24667" y2="97885"/>
+                        <a14:foregroundMark x1="6889" y1="13269" x2="6889" y2="13269"/>
+                      </a14:backgroundRemoval>
+                    </a14:imgEffect>
+                  </a14:imgLayer>
+                </a14:imgProps>
+              </a:ext>
+            </a:extLst>
+          </a:blip>
+          <a:stretch>
+            <a:fillRect/>
+          </a:stretch>
+        </p:blipFill>
+        <p:spPr>
+          <a:xfrm>
+            <a:off x="87274" y="3108422"/>
+            <a:ext cx="1188631" cy="686765"/>
+          </a:xfrm>
+          <a:prstGeom prst="rect">
+            <a:avLst/>
+          </a:prstGeom>
+        </p:spPr>
+      </p:pic>
+      <p:sp>
+        <p:nvSpPr>
+          <p:cNvPr id="7" name="TextBox 6">
+            <a:extLst>
+              <a:ext uri="{FF2B5EF4-FFF2-40B4-BE49-F238E27FC236}">
+                <a16:creationId xmlns:a16="http://schemas.microsoft.com/office/drawing/2014/main" id="{437E64B8-E291-4E9C-B81D-1CD98634517F}"/>
+              </a:ext>
+            </a:extLst>
+          </p:cNvPr>
+          <p:cNvSpPr txBox="1"/>
+          <p:nvPr/>
+        </p:nvSpPr>
+        <p:spPr>
+          <a:xfrm>
+            <a:off x="224971" y="1008552"/>
+            <a:ext cx="1188631" cy="369332"/>
+          </a:xfrm>
+          <a:prstGeom prst="rect">
+            <a:avLst/>
+          </a:prstGeom>
+          <a:noFill/>
+        </p:spPr>
+        <p:txBody>
+          <a:bodyPr wrap="square" rtlCol="0">
+            <a:spAutoFit/>
+          </a:bodyPr>
+          <a:lstStyle/>
+          <a:p>
+            <a:r>
+              <a:rPr lang="en-US" dirty="0"/>
+              <a:t>T1: Store</a:t>
+            </a:r>
+          </a:p>
+        </p:txBody>
+      </p:sp>
+      <p:sp>
+        <p:nvSpPr>
+          <p:cNvPr id="8" name="TextBox 7">
+            <a:extLst>
+              <a:ext uri="{FF2B5EF4-FFF2-40B4-BE49-F238E27FC236}">
+                <a16:creationId xmlns:a16="http://schemas.microsoft.com/office/drawing/2014/main" id="{58E48ED4-7279-4954-A226-AC801D0AAC86}"/>
+              </a:ext>
+            </a:extLst>
+          </p:cNvPr>
+          <p:cNvSpPr txBox="1"/>
+          <p:nvPr/>
+        </p:nvSpPr>
+        <p:spPr>
+          <a:xfrm>
+            <a:off x="224971" y="2820446"/>
+            <a:ext cx="1188631" cy="369332"/>
+          </a:xfrm>
+          <a:prstGeom prst="rect">
+            <a:avLst/>
+          </a:prstGeom>
+          <a:noFill/>
+        </p:spPr>
+        <p:txBody>
+          <a:bodyPr wrap="square" rtlCol="0">
+            <a:spAutoFit/>
+          </a:bodyPr>
+          <a:lstStyle/>
+          <a:p>
+            <a:r>
+              <a:rPr lang="en-US" dirty="0"/>
+              <a:t>T2: Show</a:t>
+            </a:r>
+          </a:p>
+        </p:txBody>
+      </p:sp>
+      <p:sp>
+        <p:nvSpPr>
+          <p:cNvPr id="9" name="Rectangle 8">
+            <a:extLst>
+              <a:ext uri="{FF2B5EF4-FFF2-40B4-BE49-F238E27FC236}">
+                <a16:creationId xmlns:a16="http://schemas.microsoft.com/office/drawing/2014/main" id="{5C6D0FC2-8244-403D-B5D3-4B134576F716}"/>
+              </a:ext>
+            </a:extLst>
+          </p:cNvPr>
+          <p:cNvSpPr/>
+          <p:nvPr/>
+        </p:nvSpPr>
+        <p:spPr>
+          <a:xfrm>
+            <a:off x="7342119" y="1412835"/>
+            <a:ext cx="754743" cy="771173"/>
+          </a:xfrm>
+          <a:prstGeom prst="rect">
+            <a:avLst/>
+          </a:prstGeom>
+        </p:spPr>
+        <p:style>
+          <a:lnRef idx="2">
+            <a:schemeClr val="accent1">
+              <a:shade val="50000"/>
+            </a:schemeClr>
+          </a:lnRef>
+          <a:fillRef idx="1">
+            <a:schemeClr val="accent1"/>
+          </a:fillRef>
+          <a:effectRef idx="0">
+            <a:schemeClr val="accent1"/>
+          </a:effectRef>
+          <a:fontRef idx="minor">
+            <a:schemeClr val="lt1"/>
+          </a:fontRef>
+        </p:style>
+        <p:txBody>
+          <a:bodyPr rtlCol="0" anchor="ctr"/>
+          <a:lstStyle/>
+          <a:p>
+            <a:pPr algn="ctr"/>
+            <a:endParaRPr lang="en-US"/>
+          </a:p>
+        </p:txBody>
+      </p:sp>
+      <p:sp>
+        <p:nvSpPr>
+          <p:cNvPr id="10" name="Rectangle 9">
+            <a:extLst>
+              <a:ext uri="{FF2B5EF4-FFF2-40B4-BE49-F238E27FC236}">
+                <a16:creationId xmlns:a16="http://schemas.microsoft.com/office/drawing/2014/main" id="{412EB7EC-C6FB-4064-940D-CAADC892F4C5}"/>
+              </a:ext>
+            </a:extLst>
+          </p:cNvPr>
+          <p:cNvSpPr/>
+          <p:nvPr/>
+        </p:nvSpPr>
+        <p:spPr>
+          <a:xfrm>
+            <a:off x="8036377" y="3094584"/>
+            <a:ext cx="754743" cy="771173"/>
+          </a:xfrm>
+          <a:prstGeom prst="rect">
+            <a:avLst/>
+          </a:prstGeom>
+        </p:spPr>
+        <p:style>
+          <a:lnRef idx="2">
+            <a:schemeClr val="accent1">
+              <a:shade val="50000"/>
+            </a:schemeClr>
+          </a:lnRef>
+          <a:fillRef idx="1">
+            <a:schemeClr val="accent1"/>
+          </a:fillRef>
+          <a:effectRef idx="0">
+            <a:schemeClr val="accent1"/>
+          </a:effectRef>
+          <a:fontRef idx="minor">
+            <a:schemeClr val="lt1"/>
+          </a:fontRef>
+        </p:style>
+        <p:txBody>
+          <a:bodyPr rtlCol="0" anchor="ctr"/>
+          <a:lstStyle/>
+          <a:p>
+            <a:pPr algn="ctr"/>
+            <a:endParaRPr lang="en-US"/>
+          </a:p>
+        </p:txBody>
+      </p:sp>
+      <p:sp>
+        <p:nvSpPr>
+          <p:cNvPr id="11" name="TextBox 10">
+            <a:extLst>
+              <a:ext uri="{FF2B5EF4-FFF2-40B4-BE49-F238E27FC236}">
+                <a16:creationId xmlns:a16="http://schemas.microsoft.com/office/drawing/2014/main" id="{F6FD1DCB-BF36-4518-9360-5422A06B7FB1}"/>
+              </a:ext>
+            </a:extLst>
+          </p:cNvPr>
+          <p:cNvSpPr txBox="1"/>
+          <p:nvPr/>
+        </p:nvSpPr>
+        <p:spPr>
+          <a:xfrm>
+            <a:off x="1047138" y="1367801"/>
+            <a:ext cx="3012558" cy="369332"/>
+          </a:xfrm>
+          <a:prstGeom prst="rect">
+            <a:avLst/>
+          </a:prstGeom>
+          <a:noFill/>
+        </p:spPr>
+        <p:txBody>
+          <a:bodyPr wrap="square" rtlCol="0">
+            <a:spAutoFit/>
+          </a:bodyPr>
+          <a:lstStyle/>
+          <a:p>
+            <a:r>
+              <a:rPr lang="en-US" dirty="0">
+                <a:solidFill>
+                  <a:srgbClr val="FF0000"/>
+                </a:solidFill>
+              </a:rPr>
+              <a:t>old = </a:t>
+            </a:r>
+            <a:r>
+              <a:rPr lang="en-US" dirty="0" err="1">
+                <a:solidFill>
+                  <a:srgbClr val="FF0000"/>
+                </a:solidFill>
+              </a:rPr>
+              <a:t>pdev</a:t>
+            </a:r>
+            <a:r>
+              <a:rPr lang="en-US" dirty="0">
+                <a:solidFill>
+                  <a:srgbClr val="FF0000"/>
+                </a:solidFill>
+              </a:rPr>
+              <a:t>-&gt;</a:t>
+            </a:r>
+            <a:r>
+              <a:rPr lang="en-US" dirty="0" err="1">
+                <a:solidFill>
+                  <a:srgbClr val="FF0000"/>
+                </a:solidFill>
+              </a:rPr>
+              <a:t>driver_override</a:t>
+            </a:r>
+            <a:endParaRPr lang="en-US" dirty="0">
+              <a:solidFill>
+                <a:srgbClr val="FF0000"/>
+              </a:solidFill>
+            </a:endParaRPr>
+          </a:p>
+        </p:txBody>
+      </p:sp>
+      <p:cxnSp>
+        <p:nvCxnSpPr>
+          <p:cNvPr id="13" name="Straight Arrow Connector 12">
+            <a:extLst>
+              <a:ext uri="{FF2B5EF4-FFF2-40B4-BE49-F238E27FC236}">
+                <a16:creationId xmlns:a16="http://schemas.microsoft.com/office/drawing/2014/main" id="{CA1EBADD-C74F-42DA-B5B2-9DDCFF1A18C7}"/>
+              </a:ext>
+            </a:extLst>
+          </p:cNvPr>
+          <p:cNvCxnSpPr>
+            <a:cxnSpLocks/>
+          </p:cNvCxnSpPr>
+          <p:nvPr/>
+        </p:nvCxnSpPr>
+        <p:spPr>
+          <a:xfrm>
+            <a:off x="3792280" y="1552467"/>
+            <a:ext cx="3478956" cy="245955"/>
+          </a:xfrm>
+          <a:prstGeom prst="straightConnector1">
+            <a:avLst/>
+          </a:prstGeom>
+          <a:ln w="38100">
+            <a:tailEnd type="triangle"/>
+          </a:ln>
+        </p:spPr>
+        <p:style>
+          <a:lnRef idx="1">
+            <a:schemeClr val="accent1"/>
+          </a:lnRef>
+          <a:fillRef idx="0">
+            <a:schemeClr val="accent1"/>
+          </a:fillRef>
+          <a:effectRef idx="0">
+            <a:schemeClr val="accent1"/>
+          </a:effectRef>
+          <a:fontRef idx="minor">
+            <a:schemeClr val="tx1"/>
+          </a:fontRef>
+        </p:style>
+      </p:cxnSp>
+      <p:sp>
+        <p:nvSpPr>
+          <p:cNvPr id="14" name="TextBox 13">
+            <a:extLst>
+              <a:ext uri="{FF2B5EF4-FFF2-40B4-BE49-F238E27FC236}">
+                <a16:creationId xmlns:a16="http://schemas.microsoft.com/office/drawing/2014/main" id="{B907C9E4-9E0E-48BF-AB02-3DD7216BEBDB}"/>
+              </a:ext>
+            </a:extLst>
+          </p:cNvPr>
+          <p:cNvSpPr txBox="1"/>
+          <p:nvPr/>
+        </p:nvSpPr>
+        <p:spPr>
+          <a:xfrm>
+            <a:off x="448170" y="3765616"/>
+            <a:ext cx="3012558" cy="646331"/>
+          </a:xfrm>
+          <a:prstGeom prst="rect">
+            <a:avLst/>
+          </a:prstGeom>
+          <a:noFill/>
+        </p:spPr>
+        <p:txBody>
+          <a:bodyPr wrap="square" rtlCol="0">
+            <a:spAutoFit/>
+          </a:bodyPr>
+          <a:lstStyle/>
+          <a:p>
+            <a:r>
+              <a:rPr lang="en-US" dirty="0" err="1"/>
+              <a:t>sprintf</a:t>
+            </a:r>
+            <a:r>
+              <a:rPr lang="en-US" dirty="0"/>
+              <a:t>(</a:t>
+            </a:r>
+            <a:r>
+              <a:rPr lang="en-US" dirty="0" err="1"/>
+              <a:t>buf</a:t>
+            </a:r>
+            <a:r>
+              <a:rPr lang="en-US" dirty="0"/>
+              <a:t>, “%s\n”,</a:t>
+            </a:r>
+          </a:p>
+          <a:p>
+            <a:r>
+              <a:rPr lang="en-US" dirty="0"/>
+              <a:t>	</a:t>
+            </a:r>
+            <a:r>
+              <a:rPr lang="en-US" dirty="0" err="1"/>
+              <a:t>pdev</a:t>
+            </a:r>
+            <a:r>
+              <a:rPr lang="en-US" dirty="0"/>
+              <a:t>-&gt;</a:t>
+            </a:r>
+            <a:r>
+              <a:rPr lang="en-US" dirty="0" err="1"/>
+              <a:t>driver_override</a:t>
+            </a:r>
+            <a:r>
+              <a:rPr lang="en-US" dirty="0"/>
+              <a:t>)</a:t>
+            </a:r>
+          </a:p>
+        </p:txBody>
+      </p:sp>
+      <p:sp>
+        <p:nvSpPr>
+          <p:cNvPr id="18" name="TextBox 17">
+            <a:extLst>
+              <a:ext uri="{FF2B5EF4-FFF2-40B4-BE49-F238E27FC236}">
+                <a16:creationId xmlns:a16="http://schemas.microsoft.com/office/drawing/2014/main" id="{9F1FA9AD-F14B-4F1F-A82E-5F624B2D97CE}"/>
+              </a:ext>
+            </a:extLst>
+          </p:cNvPr>
+          <p:cNvSpPr txBox="1"/>
+          <p:nvPr/>
+        </p:nvSpPr>
+        <p:spPr>
+          <a:xfrm>
+            <a:off x="1047138" y="1666640"/>
+            <a:ext cx="3012558" cy="646331"/>
+          </a:xfrm>
+          <a:prstGeom prst="rect">
+            <a:avLst/>
+          </a:prstGeom>
+          <a:noFill/>
+        </p:spPr>
+        <p:txBody>
+          <a:bodyPr wrap="square" rtlCol="0">
+            <a:spAutoFit/>
+          </a:bodyPr>
+          <a:lstStyle/>
+          <a:p>
+            <a:r>
+              <a:rPr lang="en-US" dirty="0" err="1"/>
+              <a:t>pdev</a:t>
+            </a:r>
+            <a:r>
+              <a:rPr lang="en-US" dirty="0"/>
+              <a:t>-&gt;</a:t>
+            </a:r>
+            <a:r>
+              <a:rPr lang="en-US" dirty="0" err="1"/>
+              <a:t>driver_override</a:t>
+            </a:r>
+            <a:r>
+              <a:rPr lang="en-US" dirty="0"/>
+              <a:t> 	=</a:t>
+            </a:r>
+            <a:r>
+              <a:rPr lang="en-US" dirty="0" err="1"/>
+              <a:t>driver_overide</a:t>
+            </a:r>
+            <a:endParaRPr lang="en-US" dirty="0"/>
+          </a:p>
+        </p:txBody>
+      </p:sp>
+      <p:sp>
+        <p:nvSpPr>
+          <p:cNvPr id="19" name="TextBox 18">
+            <a:extLst>
+              <a:ext uri="{FF2B5EF4-FFF2-40B4-BE49-F238E27FC236}">
+                <a16:creationId xmlns:a16="http://schemas.microsoft.com/office/drawing/2014/main" id="{C536BE0D-7F56-4ED5-9C37-C7C1AB52E413}"/>
+              </a:ext>
+            </a:extLst>
+          </p:cNvPr>
+          <p:cNvSpPr txBox="1"/>
+          <p:nvPr/>
+        </p:nvSpPr>
+        <p:spPr>
+          <a:xfrm>
+            <a:off x="1047138" y="2242478"/>
+            <a:ext cx="3012558" cy="369332"/>
+          </a:xfrm>
+          <a:prstGeom prst="rect">
+            <a:avLst/>
+          </a:prstGeom>
+          <a:noFill/>
+        </p:spPr>
+        <p:txBody>
+          <a:bodyPr wrap="square" rtlCol="0">
+            <a:spAutoFit/>
+          </a:bodyPr>
+          <a:lstStyle/>
+          <a:p>
+            <a:r>
+              <a:rPr lang="en-US" dirty="0" err="1"/>
+              <a:t>kfree</a:t>
+            </a:r>
+            <a:r>
+              <a:rPr lang="en-US" dirty="0"/>
+              <a:t>(old)</a:t>
+            </a:r>
+          </a:p>
+        </p:txBody>
+      </p:sp>
+      <p:sp>
+        <p:nvSpPr>
+          <p:cNvPr id="23" name="TextBox 22">
+            <a:extLst>
+              <a:ext uri="{FF2B5EF4-FFF2-40B4-BE49-F238E27FC236}">
+                <a16:creationId xmlns:a16="http://schemas.microsoft.com/office/drawing/2014/main" id="{D1D5BC57-6C70-4AE7-A0C5-130CE26E1442}"/>
+              </a:ext>
+            </a:extLst>
+          </p:cNvPr>
+          <p:cNvSpPr txBox="1"/>
+          <p:nvPr/>
+        </p:nvSpPr>
+        <p:spPr>
+          <a:xfrm>
+            <a:off x="7528358" y="1593746"/>
+            <a:ext cx="568504" cy="369332"/>
+          </a:xfrm>
+          <a:prstGeom prst="rect">
+            <a:avLst/>
+          </a:prstGeom>
+          <a:noFill/>
+        </p:spPr>
+        <p:txBody>
+          <a:bodyPr wrap="square" rtlCol="0">
+            <a:spAutoFit/>
+          </a:bodyPr>
+          <a:lstStyle/>
+          <a:p>
+            <a:r>
+              <a:rPr lang="en-US" dirty="0"/>
+              <a:t>1</a:t>
+            </a:r>
+          </a:p>
+        </p:txBody>
+      </p:sp>
+      <p:sp>
+        <p:nvSpPr>
+          <p:cNvPr id="24" name="TextBox 23">
+            <a:extLst>
+              <a:ext uri="{FF2B5EF4-FFF2-40B4-BE49-F238E27FC236}">
+                <a16:creationId xmlns:a16="http://schemas.microsoft.com/office/drawing/2014/main" id="{6041623B-0727-4F97-A03A-786D5E9055F2}"/>
+              </a:ext>
+            </a:extLst>
+          </p:cNvPr>
+          <p:cNvSpPr txBox="1"/>
+          <p:nvPr/>
+        </p:nvSpPr>
+        <p:spPr>
+          <a:xfrm>
+            <a:off x="8238734" y="3241327"/>
+            <a:ext cx="568504" cy="369332"/>
+          </a:xfrm>
+          <a:prstGeom prst="rect">
+            <a:avLst/>
+          </a:prstGeom>
+          <a:noFill/>
+        </p:spPr>
+        <p:txBody>
+          <a:bodyPr wrap="square" rtlCol="0">
+            <a:spAutoFit/>
+          </a:bodyPr>
+          <a:lstStyle/>
+          <a:p>
+            <a:r>
+              <a:rPr lang="en-US" dirty="0"/>
+              <a:t>2</a:t>
+            </a:r>
+          </a:p>
+        </p:txBody>
+      </p:sp>
+    </p:spTree>
+    <p:extLst>
+      <p:ext uri="{BB962C8B-B14F-4D97-AF65-F5344CB8AC3E}">
+        <p14:creationId xmlns:p14="http://schemas.microsoft.com/office/powerpoint/2010/main" val="3835288773"/>
+      </p:ext>
+    </p:extLst>
+  </p:cSld>
+  <p:clrMapOvr>
+    <a:masterClrMapping/>
+  </p:clrMapOvr>
+</p:sld>
+</file>
+
+<file path=ppt/slides/slide2.xml><?xml version="1.0" encoding="utf-8"?>
+<p:sld xmlns:a="http://schemas.openxmlformats.org/drawingml/2006/main" xmlns:r="http://schemas.openxmlformats.org/officeDocument/2006/relationships" xmlns:p="http://schemas.openxmlformats.org/presentationml/2006/main">
+  <p:cSld>
+    <p:spTree>
+      <p:nvGrpSpPr>
+        <p:cNvPr id="1" name=""/>
+        <p:cNvGrpSpPr/>
+        <p:nvPr/>
+      </p:nvGrpSpPr>
+      <p:grpSpPr>
+        <a:xfrm>
+          <a:off x="0" y="0"/>
+          <a:ext cx="0" cy="0"/>
+          <a:chOff x="0" y="0"/>
+          <a:chExt cx="0" cy="0"/>
+        </a:xfrm>
+      </p:grpSpPr>
+      <p:sp>
+        <p:nvSpPr>
+          <p:cNvPr id="2" name="Title 1">
+            <a:extLst>
+              <a:ext uri="{FF2B5EF4-FFF2-40B4-BE49-F238E27FC236}">
+                <a16:creationId xmlns:a16="http://schemas.microsoft.com/office/drawing/2014/main" id="{36DDE820-B1CF-42A3-91EF-DD958E00796B}"/>
+              </a:ext>
+            </a:extLst>
+          </p:cNvPr>
+          <p:cNvSpPr>
+            <a:spLocks noGrp="1"/>
+          </p:cNvSpPr>
+          <p:nvPr>
+            <p:ph type="title"/>
+          </p:nvPr>
+        </p:nvSpPr>
+        <p:spPr/>
+        <p:txBody>
+          <a:bodyPr/>
+          <a:lstStyle/>
+          <a:p>
+            <a:r>
+              <a:rPr lang="en-US" dirty="0"/>
+              <a:t>Problem: CVE-2017-15102</a:t>
+            </a:r>
+          </a:p>
+        </p:txBody>
+      </p:sp>
+      <p:sp>
+        <p:nvSpPr>
+          <p:cNvPr id="3" name="Content Placeholder 2">
+            <a:extLst>
+              <a:ext uri="{FF2B5EF4-FFF2-40B4-BE49-F238E27FC236}">
+                <a16:creationId xmlns:a16="http://schemas.microsoft.com/office/drawing/2014/main" id="{D3EB21F2-9DC0-4029-9E8E-BF15F0B260E1}"/>
+              </a:ext>
+            </a:extLst>
+          </p:cNvPr>
+          <p:cNvSpPr>
+            <a:spLocks noGrp="1"/>
+          </p:cNvSpPr>
+          <p:nvPr>
+            <p:ph idx="1"/>
+          </p:nvPr>
+        </p:nvSpPr>
+        <p:spPr/>
+        <p:txBody>
+          <a:bodyPr>
+            <a:normAutofit/>
+          </a:bodyPr>
+          <a:lstStyle/>
+          <a:p>
+            <a:r>
+              <a:rPr lang="en-US" sz="2000" dirty="0"/>
+              <a:t>“The </a:t>
+            </a:r>
+            <a:r>
+              <a:rPr lang="en-US" sz="2000" dirty="0" err="1"/>
+              <a:t>tower_probe</a:t>
+            </a:r>
+            <a:r>
+              <a:rPr lang="en-US" sz="2000" dirty="0"/>
+              <a:t> function in drivers/</a:t>
+            </a:r>
+            <a:r>
+              <a:rPr lang="en-US" sz="2000" dirty="0" err="1"/>
+              <a:t>usb</a:t>
+            </a:r>
+            <a:r>
+              <a:rPr lang="en-US" sz="2000" dirty="0"/>
+              <a:t>/</a:t>
+            </a:r>
+            <a:r>
+              <a:rPr lang="en-US" sz="2000" dirty="0" err="1"/>
+              <a:t>misc</a:t>
+            </a:r>
+            <a:r>
+              <a:rPr lang="en-US" sz="2000" dirty="0"/>
+              <a:t>/</a:t>
+            </a:r>
+            <a:r>
+              <a:rPr lang="en-US" sz="2000" dirty="0" err="1"/>
+              <a:t>legousbtower.c</a:t>
+            </a:r>
+            <a:r>
+              <a:rPr lang="en-US" sz="2000" dirty="0"/>
+              <a:t> in the Linux kernel before 4.8.1 allows local users (who are physically proximate for inserting a crafted USB device) to gain privileges by leveraging a write-what-where condition that occurs after a race condition and a NULL pointer dereference.”</a:t>
+            </a:r>
+          </a:p>
+        </p:txBody>
+      </p:sp>
+    </p:spTree>
+    <p:extLst>
+      <p:ext uri="{BB962C8B-B14F-4D97-AF65-F5344CB8AC3E}">
+        <p14:creationId xmlns:p14="http://schemas.microsoft.com/office/powerpoint/2010/main" val="1680672461"/>
+      </p:ext>
+    </p:extLst>
+  </p:cSld>
+  <p:clrMapOvr>
+    <a:masterClrMapping/>
+  </p:clrMapOvr>
+</p:sld>
+</file>
+
+<file path=ppt/slides/slide20.xml><?xml version="1.0" encoding="utf-8"?>
+<p:sld xmlns:a="http://schemas.openxmlformats.org/drawingml/2006/main" xmlns:r="http://schemas.openxmlformats.org/officeDocument/2006/relationships" xmlns:p="http://schemas.openxmlformats.org/presentationml/2006/main">
+  <p:cSld>
+    <p:spTree>
+      <p:nvGrpSpPr>
+        <p:cNvPr id="1" name=""/>
+        <p:cNvGrpSpPr/>
+        <p:nvPr/>
+      </p:nvGrpSpPr>
+      <p:grpSpPr>
+        <a:xfrm>
+          <a:off x="0" y="0"/>
+          <a:ext cx="0" cy="0"/>
+          <a:chOff x="0" y="0"/>
+          <a:chExt cx="0" cy="0"/>
+        </a:xfrm>
+      </p:grpSpPr>
+      <p:sp>
+        <p:nvSpPr>
+          <p:cNvPr id="2" name="Title 1">
+            <a:extLst>
+              <a:ext uri="{FF2B5EF4-FFF2-40B4-BE49-F238E27FC236}">
+                <a16:creationId xmlns:a16="http://schemas.microsoft.com/office/drawing/2014/main" id="{1AA37EED-E8A2-4197-988F-97B51A914869}"/>
+              </a:ext>
+            </a:extLst>
+          </p:cNvPr>
+          <p:cNvSpPr>
+            <a:spLocks noGrp="1"/>
+          </p:cNvSpPr>
+          <p:nvPr>
+            <p:ph type="title"/>
+          </p:nvPr>
+        </p:nvSpPr>
+        <p:spPr/>
+        <p:txBody>
+          <a:bodyPr>
+            <a:normAutofit fontScale="90000"/>
+          </a:bodyPr>
+          <a:lstStyle/>
+          <a:p>
+            <a:r>
+              <a:rPr lang="en-US" dirty="0"/>
+              <a:t>Execution</a:t>
+            </a:r>
+          </a:p>
+        </p:txBody>
+      </p:sp>
+      <p:pic>
+        <p:nvPicPr>
+          <p:cNvPr id="5" name="Picture 4">
+            <a:extLst>
+              <a:ext uri="{FF2B5EF4-FFF2-40B4-BE49-F238E27FC236}">
+                <a16:creationId xmlns:a16="http://schemas.microsoft.com/office/drawing/2014/main" id="{9F671147-5904-4058-ABCA-F7A3873CAA36}"/>
+              </a:ext>
+            </a:extLst>
+          </p:cNvPr>
+          <p:cNvPicPr>
+            <a:picLocks noChangeAspect="1"/>
+          </p:cNvPicPr>
+          <p:nvPr/>
+        </p:nvPicPr>
+        <p:blipFill>
+          <a:blip r:embed="rId2">
+            <a:extLst>
+              <a:ext uri="{BEBA8EAE-BF5A-486C-A8C5-ECC9F3942E4B}">
+                <a14:imgProps xmlns:a14="http://schemas.microsoft.com/office/drawing/2010/main">
+                  <a14:imgLayer r:embed="rId3">
+                    <a14:imgEffect>
+                      <a14:backgroundRemoval t="3077" b="97885" l="6889" r="90000">
+                        <a14:foregroundMark x1="53222" y1="9231" x2="57444" y2="1346"/>
+                        <a14:foregroundMark x1="57444" y1="1346" x2="63000" y2="3269"/>
+                        <a14:foregroundMark x1="63000" y1="3269" x2="65667" y2="10192"/>
+                        <a14:foregroundMark x1="28556" y1="87500" x2="24667" y2="97885"/>
+                        <a14:foregroundMark x1="6889" y1="13269" x2="6889" y2="13269"/>
+                      </a14:backgroundRemoval>
+                    </a14:imgEffect>
+                  </a14:imgLayer>
+                </a14:imgProps>
+              </a:ext>
+            </a:extLst>
+          </a:blip>
+          <a:stretch>
+            <a:fillRect/>
+          </a:stretch>
+        </p:blipFill>
+        <p:spPr>
+          <a:xfrm>
+            <a:off x="87275" y="1391456"/>
+            <a:ext cx="1188631" cy="686765"/>
+          </a:xfrm>
+          <a:prstGeom prst="rect">
+            <a:avLst/>
+          </a:prstGeom>
+        </p:spPr>
+      </p:pic>
+      <p:pic>
+        <p:nvPicPr>
+          <p:cNvPr id="6" name="Picture 5">
+            <a:extLst>
+              <a:ext uri="{FF2B5EF4-FFF2-40B4-BE49-F238E27FC236}">
+                <a16:creationId xmlns:a16="http://schemas.microsoft.com/office/drawing/2014/main" id="{F894569B-957A-4EBA-AB3D-2A7905728C77}"/>
+              </a:ext>
+            </a:extLst>
+          </p:cNvPr>
+          <p:cNvPicPr>
+            <a:picLocks noChangeAspect="1"/>
+          </p:cNvPicPr>
+          <p:nvPr/>
+        </p:nvPicPr>
+        <p:blipFill>
+          <a:blip r:embed="rId2">
+            <a:extLst>
+              <a:ext uri="{BEBA8EAE-BF5A-486C-A8C5-ECC9F3942E4B}">
+                <a14:imgProps xmlns:a14="http://schemas.microsoft.com/office/drawing/2010/main">
+                  <a14:imgLayer r:embed="rId3">
+                    <a14:imgEffect>
+                      <a14:backgroundRemoval t="3077" b="97885" l="6889" r="90000">
+                        <a14:foregroundMark x1="53222" y1="9231" x2="57444" y2="1346"/>
+                        <a14:foregroundMark x1="57444" y1="1346" x2="63000" y2="3269"/>
+                        <a14:foregroundMark x1="63000" y1="3269" x2="65667" y2="10192"/>
+                        <a14:foregroundMark x1="28556" y1="87500" x2="24667" y2="97885"/>
+                        <a14:foregroundMark x1="6889" y1="13269" x2="6889" y2="13269"/>
+                      </a14:backgroundRemoval>
+                    </a14:imgEffect>
+                  </a14:imgLayer>
+                </a14:imgProps>
+              </a:ext>
+            </a:extLst>
+          </a:blip>
+          <a:stretch>
+            <a:fillRect/>
+          </a:stretch>
+        </p:blipFill>
+        <p:spPr>
+          <a:xfrm>
+            <a:off x="87274" y="3108422"/>
+            <a:ext cx="1188631" cy="686765"/>
+          </a:xfrm>
+          <a:prstGeom prst="rect">
+            <a:avLst/>
+          </a:prstGeom>
+        </p:spPr>
+      </p:pic>
+      <p:sp>
+        <p:nvSpPr>
+          <p:cNvPr id="7" name="TextBox 6">
+            <a:extLst>
+              <a:ext uri="{FF2B5EF4-FFF2-40B4-BE49-F238E27FC236}">
+                <a16:creationId xmlns:a16="http://schemas.microsoft.com/office/drawing/2014/main" id="{437E64B8-E291-4E9C-B81D-1CD98634517F}"/>
+              </a:ext>
+            </a:extLst>
+          </p:cNvPr>
+          <p:cNvSpPr txBox="1"/>
+          <p:nvPr/>
+        </p:nvSpPr>
+        <p:spPr>
+          <a:xfrm>
+            <a:off x="224971" y="1008552"/>
+            <a:ext cx="1188631" cy="369332"/>
+          </a:xfrm>
+          <a:prstGeom prst="rect">
+            <a:avLst/>
+          </a:prstGeom>
+          <a:noFill/>
+        </p:spPr>
+        <p:txBody>
+          <a:bodyPr wrap="square" rtlCol="0">
+            <a:spAutoFit/>
+          </a:bodyPr>
+          <a:lstStyle/>
+          <a:p>
+            <a:r>
+              <a:rPr lang="en-US" dirty="0"/>
+              <a:t>T1: Store</a:t>
+            </a:r>
+          </a:p>
+        </p:txBody>
+      </p:sp>
+      <p:sp>
+        <p:nvSpPr>
+          <p:cNvPr id="8" name="TextBox 7">
+            <a:extLst>
+              <a:ext uri="{FF2B5EF4-FFF2-40B4-BE49-F238E27FC236}">
+                <a16:creationId xmlns:a16="http://schemas.microsoft.com/office/drawing/2014/main" id="{58E48ED4-7279-4954-A226-AC801D0AAC86}"/>
+              </a:ext>
+            </a:extLst>
+          </p:cNvPr>
+          <p:cNvSpPr txBox="1"/>
+          <p:nvPr/>
+        </p:nvSpPr>
+        <p:spPr>
+          <a:xfrm>
+            <a:off x="224971" y="2820446"/>
+            <a:ext cx="1188631" cy="369332"/>
+          </a:xfrm>
+          <a:prstGeom prst="rect">
+            <a:avLst/>
+          </a:prstGeom>
+          <a:noFill/>
+        </p:spPr>
+        <p:txBody>
+          <a:bodyPr wrap="square" rtlCol="0">
+            <a:spAutoFit/>
+          </a:bodyPr>
+          <a:lstStyle/>
+          <a:p>
+            <a:r>
+              <a:rPr lang="en-US" dirty="0"/>
+              <a:t>T2: Show</a:t>
+            </a:r>
+          </a:p>
+        </p:txBody>
+      </p:sp>
+      <p:sp>
+        <p:nvSpPr>
+          <p:cNvPr id="9" name="Rectangle 8">
+            <a:extLst>
+              <a:ext uri="{FF2B5EF4-FFF2-40B4-BE49-F238E27FC236}">
+                <a16:creationId xmlns:a16="http://schemas.microsoft.com/office/drawing/2014/main" id="{5C6D0FC2-8244-403D-B5D3-4B134576F716}"/>
+              </a:ext>
+            </a:extLst>
+          </p:cNvPr>
+          <p:cNvSpPr/>
+          <p:nvPr/>
+        </p:nvSpPr>
+        <p:spPr>
+          <a:xfrm>
+            <a:off x="7342119" y="1412835"/>
+            <a:ext cx="754743" cy="771173"/>
+          </a:xfrm>
+          <a:prstGeom prst="rect">
+            <a:avLst/>
+          </a:prstGeom>
+        </p:spPr>
+        <p:style>
+          <a:lnRef idx="2">
+            <a:schemeClr val="accent1">
+              <a:shade val="50000"/>
+            </a:schemeClr>
+          </a:lnRef>
+          <a:fillRef idx="1">
+            <a:schemeClr val="accent1"/>
+          </a:fillRef>
+          <a:effectRef idx="0">
+            <a:schemeClr val="accent1"/>
+          </a:effectRef>
+          <a:fontRef idx="minor">
+            <a:schemeClr val="lt1"/>
+          </a:fontRef>
+        </p:style>
+        <p:txBody>
+          <a:bodyPr rtlCol="0" anchor="ctr"/>
+          <a:lstStyle/>
+          <a:p>
+            <a:pPr algn="ctr"/>
+            <a:endParaRPr lang="en-US"/>
+          </a:p>
+        </p:txBody>
+      </p:sp>
+      <p:sp>
+        <p:nvSpPr>
+          <p:cNvPr id="10" name="Rectangle 9">
+            <a:extLst>
+              <a:ext uri="{FF2B5EF4-FFF2-40B4-BE49-F238E27FC236}">
+                <a16:creationId xmlns:a16="http://schemas.microsoft.com/office/drawing/2014/main" id="{412EB7EC-C6FB-4064-940D-CAADC892F4C5}"/>
+              </a:ext>
+            </a:extLst>
+          </p:cNvPr>
+          <p:cNvSpPr/>
+          <p:nvPr/>
+        </p:nvSpPr>
+        <p:spPr>
+          <a:xfrm>
+            <a:off x="8036377" y="3094584"/>
+            <a:ext cx="754743" cy="771173"/>
+          </a:xfrm>
+          <a:prstGeom prst="rect">
+            <a:avLst/>
+          </a:prstGeom>
+        </p:spPr>
+        <p:style>
+          <a:lnRef idx="2">
+            <a:schemeClr val="accent1">
+              <a:shade val="50000"/>
+            </a:schemeClr>
+          </a:lnRef>
+          <a:fillRef idx="1">
+            <a:schemeClr val="accent1"/>
+          </a:fillRef>
+          <a:effectRef idx="0">
+            <a:schemeClr val="accent1"/>
+          </a:effectRef>
+          <a:fontRef idx="minor">
+            <a:schemeClr val="lt1"/>
+          </a:fontRef>
+        </p:style>
+        <p:txBody>
+          <a:bodyPr rtlCol="0" anchor="ctr"/>
+          <a:lstStyle/>
+          <a:p>
+            <a:pPr algn="ctr"/>
+            <a:endParaRPr lang="en-US"/>
+          </a:p>
+        </p:txBody>
+      </p:sp>
+      <p:sp>
+        <p:nvSpPr>
+          <p:cNvPr id="11" name="TextBox 10">
+            <a:extLst>
+              <a:ext uri="{FF2B5EF4-FFF2-40B4-BE49-F238E27FC236}">
+                <a16:creationId xmlns:a16="http://schemas.microsoft.com/office/drawing/2014/main" id="{F6FD1DCB-BF36-4518-9360-5422A06B7FB1}"/>
+              </a:ext>
+            </a:extLst>
+          </p:cNvPr>
+          <p:cNvSpPr txBox="1"/>
+          <p:nvPr/>
+        </p:nvSpPr>
+        <p:spPr>
+          <a:xfrm>
+            <a:off x="1047138" y="1367801"/>
+            <a:ext cx="3012558" cy="369332"/>
+          </a:xfrm>
+          <a:prstGeom prst="rect">
+            <a:avLst/>
+          </a:prstGeom>
+          <a:noFill/>
+        </p:spPr>
+        <p:txBody>
+          <a:bodyPr wrap="square" rtlCol="0">
+            <a:spAutoFit/>
+          </a:bodyPr>
+          <a:lstStyle/>
+          <a:p>
+            <a:r>
+              <a:rPr lang="en-US" dirty="0"/>
+              <a:t>old = </a:t>
+            </a:r>
+            <a:r>
+              <a:rPr lang="en-US" dirty="0" err="1"/>
+              <a:t>pdev</a:t>
+            </a:r>
+            <a:r>
+              <a:rPr lang="en-US" dirty="0"/>
+              <a:t>-&gt;</a:t>
+            </a:r>
+            <a:r>
+              <a:rPr lang="en-US" dirty="0" err="1"/>
+              <a:t>driver_override</a:t>
+            </a:r>
+            <a:endParaRPr lang="en-US" dirty="0"/>
+          </a:p>
+        </p:txBody>
+      </p:sp>
+      <p:cxnSp>
+        <p:nvCxnSpPr>
+          <p:cNvPr id="13" name="Straight Arrow Connector 12">
+            <a:extLst>
+              <a:ext uri="{FF2B5EF4-FFF2-40B4-BE49-F238E27FC236}">
+                <a16:creationId xmlns:a16="http://schemas.microsoft.com/office/drawing/2014/main" id="{CA1EBADD-C74F-42DA-B5B2-9DDCFF1A18C7}"/>
+              </a:ext>
+            </a:extLst>
+          </p:cNvPr>
+          <p:cNvCxnSpPr>
+            <a:cxnSpLocks/>
+          </p:cNvCxnSpPr>
+          <p:nvPr/>
+        </p:nvCxnSpPr>
+        <p:spPr>
+          <a:xfrm>
+            <a:off x="3792280" y="1552467"/>
+            <a:ext cx="3478956" cy="245955"/>
+          </a:xfrm>
+          <a:prstGeom prst="straightConnector1">
+            <a:avLst/>
+          </a:prstGeom>
+          <a:ln w="38100">
+            <a:tailEnd type="triangle"/>
+          </a:ln>
+        </p:spPr>
+        <p:style>
+          <a:lnRef idx="1">
+            <a:schemeClr val="accent1"/>
+          </a:lnRef>
+          <a:fillRef idx="0">
+            <a:schemeClr val="accent1"/>
+          </a:fillRef>
+          <a:effectRef idx="0">
+            <a:schemeClr val="accent1"/>
+          </a:effectRef>
+          <a:fontRef idx="minor">
+            <a:schemeClr val="tx1"/>
+          </a:fontRef>
+        </p:style>
+      </p:cxnSp>
+      <p:sp>
+        <p:nvSpPr>
+          <p:cNvPr id="14" name="TextBox 13">
+            <a:extLst>
+              <a:ext uri="{FF2B5EF4-FFF2-40B4-BE49-F238E27FC236}">
+                <a16:creationId xmlns:a16="http://schemas.microsoft.com/office/drawing/2014/main" id="{B907C9E4-9E0E-48BF-AB02-3DD7216BEBDB}"/>
+              </a:ext>
+            </a:extLst>
+          </p:cNvPr>
+          <p:cNvSpPr txBox="1"/>
+          <p:nvPr/>
+        </p:nvSpPr>
+        <p:spPr>
+          <a:xfrm>
+            <a:off x="448170" y="3765616"/>
+            <a:ext cx="3012558" cy="646331"/>
+          </a:xfrm>
+          <a:prstGeom prst="rect">
+            <a:avLst/>
+          </a:prstGeom>
+          <a:noFill/>
+        </p:spPr>
+        <p:txBody>
+          <a:bodyPr wrap="square" rtlCol="0">
+            <a:spAutoFit/>
+          </a:bodyPr>
+          <a:lstStyle/>
+          <a:p>
+            <a:r>
+              <a:rPr lang="en-US" dirty="0" err="1">
+                <a:solidFill>
+                  <a:srgbClr val="FF0000"/>
+                </a:solidFill>
+              </a:rPr>
+              <a:t>sprintf</a:t>
+            </a:r>
+            <a:r>
+              <a:rPr lang="en-US" dirty="0">
+                <a:solidFill>
+                  <a:srgbClr val="FF0000"/>
+                </a:solidFill>
+              </a:rPr>
+              <a:t>(</a:t>
+            </a:r>
+            <a:r>
+              <a:rPr lang="en-US" dirty="0" err="1">
+                <a:solidFill>
+                  <a:srgbClr val="FF0000"/>
+                </a:solidFill>
+              </a:rPr>
+              <a:t>buf</a:t>
+            </a:r>
+            <a:r>
+              <a:rPr lang="en-US" dirty="0">
+                <a:solidFill>
+                  <a:srgbClr val="FF0000"/>
+                </a:solidFill>
+              </a:rPr>
+              <a:t>, “%s\n”,</a:t>
+            </a:r>
+          </a:p>
+          <a:p>
+            <a:r>
+              <a:rPr lang="en-US" dirty="0">
+                <a:solidFill>
+                  <a:srgbClr val="FF0000"/>
+                </a:solidFill>
+              </a:rPr>
+              <a:t>	</a:t>
+            </a:r>
+            <a:r>
+              <a:rPr lang="en-US" dirty="0" err="1">
+                <a:solidFill>
+                  <a:srgbClr val="FF0000"/>
+                </a:solidFill>
+              </a:rPr>
+              <a:t>pdev</a:t>
+            </a:r>
+            <a:r>
+              <a:rPr lang="en-US" dirty="0">
+                <a:solidFill>
+                  <a:srgbClr val="FF0000"/>
+                </a:solidFill>
+              </a:rPr>
+              <a:t>-&gt;</a:t>
+            </a:r>
+            <a:r>
+              <a:rPr lang="en-US" dirty="0" err="1">
+                <a:solidFill>
+                  <a:srgbClr val="FF0000"/>
+                </a:solidFill>
+              </a:rPr>
+              <a:t>driver_override</a:t>
+            </a:r>
+            <a:r>
+              <a:rPr lang="en-US" dirty="0">
+                <a:solidFill>
+                  <a:srgbClr val="FF0000"/>
+                </a:solidFill>
+              </a:rPr>
+              <a:t>)</a:t>
+            </a:r>
+          </a:p>
+        </p:txBody>
+      </p:sp>
+      <p:cxnSp>
+        <p:nvCxnSpPr>
+          <p:cNvPr id="15" name="Straight Arrow Connector 14">
+            <a:extLst>
+              <a:ext uri="{FF2B5EF4-FFF2-40B4-BE49-F238E27FC236}">
+                <a16:creationId xmlns:a16="http://schemas.microsoft.com/office/drawing/2014/main" id="{41AE148B-1C46-4B00-991D-FEFF306FE046}"/>
+              </a:ext>
+            </a:extLst>
+          </p:cNvPr>
+          <p:cNvCxnSpPr>
+            <a:cxnSpLocks/>
+          </p:cNvCxnSpPr>
+          <p:nvPr/>
+        </p:nvCxnSpPr>
+        <p:spPr>
+          <a:xfrm flipV="1">
+            <a:off x="2553417" y="2078221"/>
+            <a:ext cx="4717819" cy="2010561"/>
+          </a:xfrm>
+          <a:prstGeom prst="straightConnector1">
+            <a:avLst/>
+          </a:prstGeom>
+          <a:ln w="38100">
+            <a:tailEnd type="triangle"/>
+          </a:ln>
+        </p:spPr>
+        <p:style>
+          <a:lnRef idx="1">
+            <a:schemeClr val="accent1"/>
+          </a:lnRef>
+          <a:fillRef idx="0">
+            <a:schemeClr val="accent1"/>
+          </a:fillRef>
+          <a:effectRef idx="0">
+            <a:schemeClr val="accent1"/>
+          </a:effectRef>
+          <a:fontRef idx="minor">
+            <a:schemeClr val="tx1"/>
+          </a:fontRef>
+        </p:style>
+      </p:cxnSp>
+      <p:sp>
+        <p:nvSpPr>
+          <p:cNvPr id="18" name="TextBox 17">
+            <a:extLst>
+              <a:ext uri="{FF2B5EF4-FFF2-40B4-BE49-F238E27FC236}">
+                <a16:creationId xmlns:a16="http://schemas.microsoft.com/office/drawing/2014/main" id="{9F1FA9AD-F14B-4F1F-A82E-5F624B2D97CE}"/>
+              </a:ext>
+            </a:extLst>
+          </p:cNvPr>
+          <p:cNvSpPr txBox="1"/>
+          <p:nvPr/>
+        </p:nvSpPr>
+        <p:spPr>
+          <a:xfrm>
+            <a:off x="1047138" y="1666640"/>
+            <a:ext cx="3012558" cy="646331"/>
+          </a:xfrm>
+          <a:prstGeom prst="rect">
+            <a:avLst/>
+          </a:prstGeom>
+          <a:noFill/>
+        </p:spPr>
+        <p:txBody>
+          <a:bodyPr wrap="square" rtlCol="0">
+            <a:spAutoFit/>
+          </a:bodyPr>
+          <a:lstStyle/>
+          <a:p>
+            <a:r>
+              <a:rPr lang="en-US" dirty="0" err="1"/>
+              <a:t>pdev</a:t>
+            </a:r>
+            <a:r>
+              <a:rPr lang="en-US" dirty="0"/>
+              <a:t>-&gt;</a:t>
+            </a:r>
+            <a:r>
+              <a:rPr lang="en-US" dirty="0" err="1"/>
+              <a:t>driver_override</a:t>
+            </a:r>
+            <a:r>
+              <a:rPr lang="en-US" dirty="0"/>
+              <a:t> 	=</a:t>
+            </a:r>
+            <a:r>
+              <a:rPr lang="en-US" dirty="0" err="1"/>
+              <a:t>driver_overide</a:t>
+            </a:r>
+            <a:endParaRPr lang="en-US" dirty="0"/>
+          </a:p>
+        </p:txBody>
+      </p:sp>
+      <p:sp>
+        <p:nvSpPr>
+          <p:cNvPr id="19" name="TextBox 18">
+            <a:extLst>
+              <a:ext uri="{FF2B5EF4-FFF2-40B4-BE49-F238E27FC236}">
+                <a16:creationId xmlns:a16="http://schemas.microsoft.com/office/drawing/2014/main" id="{C536BE0D-7F56-4ED5-9C37-C7C1AB52E413}"/>
+              </a:ext>
+            </a:extLst>
+          </p:cNvPr>
+          <p:cNvSpPr txBox="1"/>
+          <p:nvPr/>
+        </p:nvSpPr>
+        <p:spPr>
+          <a:xfrm>
+            <a:off x="1047138" y="2242478"/>
+            <a:ext cx="3012558" cy="369332"/>
+          </a:xfrm>
+          <a:prstGeom prst="rect">
+            <a:avLst/>
+          </a:prstGeom>
+          <a:noFill/>
+        </p:spPr>
+        <p:txBody>
+          <a:bodyPr wrap="square" rtlCol="0">
+            <a:spAutoFit/>
+          </a:bodyPr>
+          <a:lstStyle/>
+          <a:p>
+            <a:r>
+              <a:rPr lang="en-US" dirty="0" err="1"/>
+              <a:t>kfree</a:t>
+            </a:r>
+            <a:r>
+              <a:rPr lang="en-US" dirty="0"/>
+              <a:t>(old)</a:t>
+            </a:r>
+          </a:p>
+        </p:txBody>
+      </p:sp>
+      <p:sp>
+        <p:nvSpPr>
+          <p:cNvPr id="23" name="TextBox 22">
+            <a:extLst>
+              <a:ext uri="{FF2B5EF4-FFF2-40B4-BE49-F238E27FC236}">
+                <a16:creationId xmlns:a16="http://schemas.microsoft.com/office/drawing/2014/main" id="{D1D5BC57-6C70-4AE7-A0C5-130CE26E1442}"/>
+              </a:ext>
+            </a:extLst>
+          </p:cNvPr>
+          <p:cNvSpPr txBox="1"/>
+          <p:nvPr/>
+        </p:nvSpPr>
+        <p:spPr>
+          <a:xfrm>
+            <a:off x="7528358" y="1593746"/>
+            <a:ext cx="568504" cy="369332"/>
+          </a:xfrm>
+          <a:prstGeom prst="rect">
+            <a:avLst/>
+          </a:prstGeom>
+          <a:noFill/>
+        </p:spPr>
+        <p:txBody>
+          <a:bodyPr wrap="square" rtlCol="0">
+            <a:spAutoFit/>
+          </a:bodyPr>
+          <a:lstStyle/>
+          <a:p>
+            <a:r>
+              <a:rPr lang="en-US" dirty="0"/>
+              <a:t>1</a:t>
+            </a:r>
+          </a:p>
+        </p:txBody>
+      </p:sp>
+      <p:sp>
+        <p:nvSpPr>
+          <p:cNvPr id="24" name="TextBox 23">
+            <a:extLst>
+              <a:ext uri="{FF2B5EF4-FFF2-40B4-BE49-F238E27FC236}">
+                <a16:creationId xmlns:a16="http://schemas.microsoft.com/office/drawing/2014/main" id="{6041623B-0727-4F97-A03A-786D5E9055F2}"/>
+              </a:ext>
+            </a:extLst>
+          </p:cNvPr>
+          <p:cNvSpPr txBox="1"/>
+          <p:nvPr/>
+        </p:nvSpPr>
+        <p:spPr>
+          <a:xfrm>
+            <a:off x="8238734" y="3241327"/>
+            <a:ext cx="568504" cy="369332"/>
+          </a:xfrm>
+          <a:prstGeom prst="rect">
+            <a:avLst/>
+          </a:prstGeom>
+          <a:noFill/>
+        </p:spPr>
+        <p:txBody>
+          <a:bodyPr wrap="square" rtlCol="0">
+            <a:spAutoFit/>
+          </a:bodyPr>
+          <a:lstStyle/>
+          <a:p>
+            <a:r>
+              <a:rPr lang="en-US" dirty="0"/>
+              <a:t>2</a:t>
+            </a:r>
+          </a:p>
+        </p:txBody>
+      </p:sp>
+    </p:spTree>
+    <p:extLst>
+      <p:ext uri="{BB962C8B-B14F-4D97-AF65-F5344CB8AC3E}">
+        <p14:creationId xmlns:p14="http://schemas.microsoft.com/office/powerpoint/2010/main" val="998727643"/>
+      </p:ext>
+    </p:extLst>
+  </p:cSld>
+  <p:clrMapOvr>
+    <a:masterClrMapping/>
+  </p:clrMapOvr>
+</p:sld>
+</file>
+
+<file path=ppt/slides/slide21.xml><?xml version="1.0" encoding="utf-8"?>
+<p:sld xmlns:a="http://schemas.openxmlformats.org/drawingml/2006/main" xmlns:r="http://schemas.openxmlformats.org/officeDocument/2006/relationships" xmlns:p="http://schemas.openxmlformats.org/presentationml/2006/main">
+  <p:cSld>
+    <p:spTree>
+      <p:nvGrpSpPr>
+        <p:cNvPr id="1" name=""/>
+        <p:cNvGrpSpPr/>
+        <p:nvPr/>
+      </p:nvGrpSpPr>
+      <p:grpSpPr>
+        <a:xfrm>
+          <a:off x="0" y="0"/>
+          <a:ext cx="0" cy="0"/>
+          <a:chOff x="0" y="0"/>
+          <a:chExt cx="0" cy="0"/>
+        </a:xfrm>
+      </p:grpSpPr>
+      <p:sp>
+        <p:nvSpPr>
+          <p:cNvPr id="2" name="Title 1">
+            <a:extLst>
+              <a:ext uri="{FF2B5EF4-FFF2-40B4-BE49-F238E27FC236}">
+                <a16:creationId xmlns:a16="http://schemas.microsoft.com/office/drawing/2014/main" id="{1AA37EED-E8A2-4197-988F-97B51A914869}"/>
+              </a:ext>
+            </a:extLst>
+          </p:cNvPr>
+          <p:cNvSpPr>
+            <a:spLocks noGrp="1"/>
+          </p:cNvSpPr>
+          <p:nvPr>
+            <p:ph type="title"/>
+          </p:nvPr>
+        </p:nvSpPr>
+        <p:spPr/>
+        <p:txBody>
+          <a:bodyPr>
+            <a:normAutofit fontScale="90000"/>
+          </a:bodyPr>
+          <a:lstStyle/>
+          <a:p>
+            <a:r>
+              <a:rPr lang="en-US" dirty="0"/>
+              <a:t>Execution</a:t>
+            </a:r>
+          </a:p>
+        </p:txBody>
+      </p:sp>
+      <p:pic>
+        <p:nvPicPr>
+          <p:cNvPr id="5" name="Picture 4">
+            <a:extLst>
+              <a:ext uri="{FF2B5EF4-FFF2-40B4-BE49-F238E27FC236}">
+                <a16:creationId xmlns:a16="http://schemas.microsoft.com/office/drawing/2014/main" id="{9F671147-5904-4058-ABCA-F7A3873CAA36}"/>
+              </a:ext>
+            </a:extLst>
+          </p:cNvPr>
+          <p:cNvPicPr>
+            <a:picLocks noChangeAspect="1"/>
+          </p:cNvPicPr>
+          <p:nvPr/>
+        </p:nvPicPr>
+        <p:blipFill>
+          <a:blip r:embed="rId2">
+            <a:extLst>
+              <a:ext uri="{BEBA8EAE-BF5A-486C-A8C5-ECC9F3942E4B}">
+                <a14:imgProps xmlns:a14="http://schemas.microsoft.com/office/drawing/2010/main">
+                  <a14:imgLayer r:embed="rId3">
+                    <a14:imgEffect>
+                      <a14:backgroundRemoval t="3077" b="97885" l="6889" r="90000">
+                        <a14:foregroundMark x1="53222" y1="9231" x2="57444" y2="1346"/>
+                        <a14:foregroundMark x1="57444" y1="1346" x2="63000" y2="3269"/>
+                        <a14:foregroundMark x1="63000" y1="3269" x2="65667" y2="10192"/>
+                        <a14:foregroundMark x1="28556" y1="87500" x2="24667" y2="97885"/>
+                        <a14:foregroundMark x1="6889" y1="13269" x2="6889" y2="13269"/>
+                      </a14:backgroundRemoval>
+                    </a14:imgEffect>
+                  </a14:imgLayer>
+                </a14:imgProps>
+              </a:ext>
+            </a:extLst>
+          </a:blip>
+          <a:stretch>
+            <a:fillRect/>
+          </a:stretch>
+        </p:blipFill>
+        <p:spPr>
+          <a:xfrm>
+            <a:off x="87275" y="1391456"/>
+            <a:ext cx="1188631" cy="686765"/>
+          </a:xfrm>
+          <a:prstGeom prst="rect">
+            <a:avLst/>
+          </a:prstGeom>
+        </p:spPr>
+      </p:pic>
+      <p:pic>
+        <p:nvPicPr>
+          <p:cNvPr id="6" name="Picture 5">
+            <a:extLst>
+              <a:ext uri="{FF2B5EF4-FFF2-40B4-BE49-F238E27FC236}">
+                <a16:creationId xmlns:a16="http://schemas.microsoft.com/office/drawing/2014/main" id="{F894569B-957A-4EBA-AB3D-2A7905728C77}"/>
+              </a:ext>
+            </a:extLst>
+          </p:cNvPr>
+          <p:cNvPicPr>
+            <a:picLocks noChangeAspect="1"/>
+          </p:cNvPicPr>
+          <p:nvPr/>
+        </p:nvPicPr>
+        <p:blipFill>
+          <a:blip r:embed="rId2">
+            <a:extLst>
+              <a:ext uri="{BEBA8EAE-BF5A-486C-A8C5-ECC9F3942E4B}">
+                <a14:imgProps xmlns:a14="http://schemas.microsoft.com/office/drawing/2010/main">
+                  <a14:imgLayer r:embed="rId3">
+                    <a14:imgEffect>
+                      <a14:backgroundRemoval t="3077" b="97885" l="6889" r="90000">
+                        <a14:foregroundMark x1="53222" y1="9231" x2="57444" y2="1346"/>
+                        <a14:foregroundMark x1="57444" y1="1346" x2="63000" y2="3269"/>
+                        <a14:foregroundMark x1="63000" y1="3269" x2="65667" y2="10192"/>
+                        <a14:foregroundMark x1="28556" y1="87500" x2="24667" y2="97885"/>
+                        <a14:foregroundMark x1="6889" y1="13269" x2="6889" y2="13269"/>
+                      </a14:backgroundRemoval>
+                    </a14:imgEffect>
+                  </a14:imgLayer>
+                </a14:imgProps>
+              </a:ext>
+            </a:extLst>
+          </a:blip>
+          <a:stretch>
+            <a:fillRect/>
+          </a:stretch>
+        </p:blipFill>
+        <p:spPr>
+          <a:xfrm>
+            <a:off x="87274" y="3108422"/>
+            <a:ext cx="1188631" cy="686765"/>
+          </a:xfrm>
+          <a:prstGeom prst="rect">
+            <a:avLst/>
+          </a:prstGeom>
+        </p:spPr>
+      </p:pic>
+      <p:sp>
+        <p:nvSpPr>
+          <p:cNvPr id="7" name="TextBox 6">
+            <a:extLst>
+              <a:ext uri="{FF2B5EF4-FFF2-40B4-BE49-F238E27FC236}">
+                <a16:creationId xmlns:a16="http://schemas.microsoft.com/office/drawing/2014/main" id="{437E64B8-E291-4E9C-B81D-1CD98634517F}"/>
+              </a:ext>
+            </a:extLst>
+          </p:cNvPr>
+          <p:cNvSpPr txBox="1"/>
+          <p:nvPr/>
+        </p:nvSpPr>
+        <p:spPr>
+          <a:xfrm>
+            <a:off x="224971" y="1008552"/>
+            <a:ext cx="1188631" cy="369332"/>
+          </a:xfrm>
+          <a:prstGeom prst="rect">
+            <a:avLst/>
+          </a:prstGeom>
+          <a:noFill/>
+        </p:spPr>
+        <p:txBody>
+          <a:bodyPr wrap="square" rtlCol="0">
+            <a:spAutoFit/>
+          </a:bodyPr>
+          <a:lstStyle/>
+          <a:p>
+            <a:r>
+              <a:rPr lang="en-US" dirty="0"/>
+              <a:t>T1: Store</a:t>
+            </a:r>
+          </a:p>
+        </p:txBody>
+      </p:sp>
+      <p:sp>
+        <p:nvSpPr>
+          <p:cNvPr id="8" name="TextBox 7">
+            <a:extLst>
+              <a:ext uri="{FF2B5EF4-FFF2-40B4-BE49-F238E27FC236}">
+                <a16:creationId xmlns:a16="http://schemas.microsoft.com/office/drawing/2014/main" id="{58E48ED4-7279-4954-A226-AC801D0AAC86}"/>
+              </a:ext>
+            </a:extLst>
+          </p:cNvPr>
+          <p:cNvSpPr txBox="1"/>
+          <p:nvPr/>
+        </p:nvSpPr>
+        <p:spPr>
+          <a:xfrm>
+            <a:off x="224971" y="2820446"/>
+            <a:ext cx="1188631" cy="369332"/>
+          </a:xfrm>
+          <a:prstGeom prst="rect">
+            <a:avLst/>
+          </a:prstGeom>
+          <a:noFill/>
+        </p:spPr>
+        <p:txBody>
+          <a:bodyPr wrap="square" rtlCol="0">
+            <a:spAutoFit/>
+          </a:bodyPr>
+          <a:lstStyle/>
+          <a:p>
+            <a:r>
+              <a:rPr lang="en-US" dirty="0"/>
+              <a:t>T2: Show</a:t>
+            </a:r>
+          </a:p>
+        </p:txBody>
+      </p:sp>
+      <p:sp>
+        <p:nvSpPr>
+          <p:cNvPr id="9" name="Rectangle 8">
+            <a:extLst>
+              <a:ext uri="{FF2B5EF4-FFF2-40B4-BE49-F238E27FC236}">
+                <a16:creationId xmlns:a16="http://schemas.microsoft.com/office/drawing/2014/main" id="{5C6D0FC2-8244-403D-B5D3-4B134576F716}"/>
+              </a:ext>
+            </a:extLst>
+          </p:cNvPr>
+          <p:cNvSpPr/>
+          <p:nvPr/>
+        </p:nvSpPr>
+        <p:spPr>
+          <a:xfrm>
+            <a:off x="7342119" y="1412835"/>
+            <a:ext cx="754743" cy="771173"/>
+          </a:xfrm>
+          <a:prstGeom prst="rect">
+            <a:avLst/>
+          </a:prstGeom>
+        </p:spPr>
+        <p:style>
+          <a:lnRef idx="2">
+            <a:schemeClr val="accent1">
+              <a:shade val="50000"/>
+            </a:schemeClr>
+          </a:lnRef>
+          <a:fillRef idx="1">
+            <a:schemeClr val="accent1"/>
+          </a:fillRef>
+          <a:effectRef idx="0">
+            <a:schemeClr val="accent1"/>
+          </a:effectRef>
+          <a:fontRef idx="minor">
+            <a:schemeClr val="lt1"/>
+          </a:fontRef>
+        </p:style>
+        <p:txBody>
+          <a:bodyPr rtlCol="0" anchor="ctr"/>
+          <a:lstStyle/>
+          <a:p>
+            <a:pPr algn="ctr"/>
+            <a:endParaRPr lang="en-US"/>
+          </a:p>
+        </p:txBody>
+      </p:sp>
+      <p:sp>
+        <p:nvSpPr>
+          <p:cNvPr id="10" name="Rectangle 9">
+            <a:extLst>
+              <a:ext uri="{FF2B5EF4-FFF2-40B4-BE49-F238E27FC236}">
+                <a16:creationId xmlns:a16="http://schemas.microsoft.com/office/drawing/2014/main" id="{412EB7EC-C6FB-4064-940D-CAADC892F4C5}"/>
+              </a:ext>
+            </a:extLst>
+          </p:cNvPr>
+          <p:cNvSpPr/>
+          <p:nvPr/>
+        </p:nvSpPr>
+        <p:spPr>
+          <a:xfrm>
+            <a:off x="8036377" y="3094584"/>
+            <a:ext cx="754743" cy="771173"/>
+          </a:xfrm>
+          <a:prstGeom prst="rect">
+            <a:avLst/>
+          </a:prstGeom>
+        </p:spPr>
+        <p:style>
+          <a:lnRef idx="2">
+            <a:schemeClr val="accent1">
+              <a:shade val="50000"/>
+            </a:schemeClr>
+          </a:lnRef>
+          <a:fillRef idx="1">
+            <a:schemeClr val="accent1"/>
+          </a:fillRef>
+          <a:effectRef idx="0">
+            <a:schemeClr val="accent1"/>
+          </a:effectRef>
+          <a:fontRef idx="minor">
+            <a:schemeClr val="lt1"/>
+          </a:fontRef>
+        </p:style>
+        <p:txBody>
+          <a:bodyPr rtlCol="0" anchor="ctr"/>
+          <a:lstStyle/>
+          <a:p>
+            <a:pPr algn="ctr"/>
+            <a:endParaRPr lang="en-US"/>
+          </a:p>
+        </p:txBody>
+      </p:sp>
+      <p:sp>
+        <p:nvSpPr>
+          <p:cNvPr id="11" name="TextBox 10">
+            <a:extLst>
+              <a:ext uri="{FF2B5EF4-FFF2-40B4-BE49-F238E27FC236}">
+                <a16:creationId xmlns:a16="http://schemas.microsoft.com/office/drawing/2014/main" id="{F6FD1DCB-BF36-4518-9360-5422A06B7FB1}"/>
+              </a:ext>
+            </a:extLst>
+          </p:cNvPr>
+          <p:cNvSpPr txBox="1"/>
+          <p:nvPr/>
+        </p:nvSpPr>
+        <p:spPr>
+          <a:xfrm>
+            <a:off x="1047138" y="1367801"/>
+            <a:ext cx="3012558" cy="369332"/>
+          </a:xfrm>
+          <a:prstGeom prst="rect">
+            <a:avLst/>
+          </a:prstGeom>
+          <a:noFill/>
+        </p:spPr>
+        <p:txBody>
+          <a:bodyPr wrap="square" rtlCol="0">
+            <a:spAutoFit/>
+          </a:bodyPr>
+          <a:lstStyle/>
+          <a:p>
+            <a:r>
+              <a:rPr lang="en-US" dirty="0"/>
+              <a:t>old = </a:t>
+            </a:r>
+            <a:r>
+              <a:rPr lang="en-US" dirty="0" err="1"/>
+              <a:t>pdev</a:t>
+            </a:r>
+            <a:r>
+              <a:rPr lang="en-US" dirty="0"/>
+              <a:t>-&gt;</a:t>
+            </a:r>
+            <a:r>
+              <a:rPr lang="en-US" dirty="0" err="1"/>
+              <a:t>driver_override</a:t>
+            </a:r>
+            <a:endParaRPr lang="en-US" dirty="0"/>
+          </a:p>
+        </p:txBody>
+      </p:sp>
+      <p:cxnSp>
+        <p:nvCxnSpPr>
+          <p:cNvPr id="13" name="Straight Arrow Connector 12">
+            <a:extLst>
+              <a:ext uri="{FF2B5EF4-FFF2-40B4-BE49-F238E27FC236}">
+                <a16:creationId xmlns:a16="http://schemas.microsoft.com/office/drawing/2014/main" id="{CA1EBADD-C74F-42DA-B5B2-9DDCFF1A18C7}"/>
+              </a:ext>
+            </a:extLst>
+          </p:cNvPr>
+          <p:cNvCxnSpPr>
+            <a:cxnSpLocks/>
+          </p:cNvCxnSpPr>
+          <p:nvPr/>
+        </p:nvCxnSpPr>
+        <p:spPr>
+          <a:xfrm>
+            <a:off x="3792280" y="1552467"/>
+            <a:ext cx="3478956" cy="245955"/>
+          </a:xfrm>
+          <a:prstGeom prst="straightConnector1">
+            <a:avLst/>
+          </a:prstGeom>
+          <a:ln w="38100">
+            <a:tailEnd type="triangle"/>
+          </a:ln>
+        </p:spPr>
+        <p:style>
+          <a:lnRef idx="1">
+            <a:schemeClr val="accent1"/>
+          </a:lnRef>
+          <a:fillRef idx="0">
+            <a:schemeClr val="accent1"/>
+          </a:fillRef>
+          <a:effectRef idx="0">
+            <a:schemeClr val="accent1"/>
+          </a:effectRef>
+          <a:fontRef idx="minor">
+            <a:schemeClr val="tx1"/>
+          </a:fontRef>
+        </p:style>
+      </p:cxnSp>
+      <p:sp>
+        <p:nvSpPr>
+          <p:cNvPr id="14" name="TextBox 13">
+            <a:extLst>
+              <a:ext uri="{FF2B5EF4-FFF2-40B4-BE49-F238E27FC236}">
+                <a16:creationId xmlns:a16="http://schemas.microsoft.com/office/drawing/2014/main" id="{B907C9E4-9E0E-48BF-AB02-3DD7216BEBDB}"/>
+              </a:ext>
+            </a:extLst>
+          </p:cNvPr>
+          <p:cNvSpPr txBox="1"/>
+          <p:nvPr/>
+        </p:nvSpPr>
+        <p:spPr>
+          <a:xfrm>
+            <a:off x="448170" y="3765616"/>
+            <a:ext cx="3012558" cy="646331"/>
+          </a:xfrm>
+          <a:prstGeom prst="rect">
+            <a:avLst/>
+          </a:prstGeom>
+          <a:noFill/>
+        </p:spPr>
+        <p:txBody>
+          <a:bodyPr wrap="square" rtlCol="0">
+            <a:spAutoFit/>
+          </a:bodyPr>
+          <a:lstStyle/>
+          <a:p>
+            <a:r>
+              <a:rPr lang="en-US" dirty="0" err="1">
+                <a:solidFill>
+                  <a:srgbClr val="FF0000"/>
+                </a:solidFill>
+              </a:rPr>
+              <a:t>sprintf</a:t>
+            </a:r>
+            <a:r>
+              <a:rPr lang="en-US" dirty="0">
+                <a:solidFill>
+                  <a:srgbClr val="FF0000"/>
+                </a:solidFill>
+              </a:rPr>
+              <a:t>(</a:t>
+            </a:r>
+            <a:r>
+              <a:rPr lang="en-US" dirty="0" err="1">
+                <a:solidFill>
+                  <a:srgbClr val="FF0000"/>
+                </a:solidFill>
+              </a:rPr>
+              <a:t>buf</a:t>
+            </a:r>
+            <a:r>
+              <a:rPr lang="en-US" dirty="0">
+                <a:solidFill>
+                  <a:srgbClr val="FF0000"/>
+                </a:solidFill>
+              </a:rPr>
+              <a:t>, “%s\n”,</a:t>
+            </a:r>
+          </a:p>
+          <a:p>
+            <a:r>
+              <a:rPr lang="en-US" dirty="0">
+                <a:solidFill>
+                  <a:srgbClr val="FF0000"/>
+                </a:solidFill>
+              </a:rPr>
+              <a:t>	</a:t>
+            </a:r>
+            <a:r>
+              <a:rPr lang="en-US" dirty="0" err="1">
+                <a:solidFill>
+                  <a:srgbClr val="FF0000"/>
+                </a:solidFill>
+              </a:rPr>
+              <a:t>pdev</a:t>
+            </a:r>
+            <a:r>
+              <a:rPr lang="en-US" dirty="0">
+                <a:solidFill>
+                  <a:srgbClr val="FF0000"/>
+                </a:solidFill>
+              </a:rPr>
+              <a:t>-&gt;</a:t>
+            </a:r>
+            <a:r>
+              <a:rPr lang="en-US" dirty="0" err="1">
+                <a:solidFill>
+                  <a:srgbClr val="FF0000"/>
+                </a:solidFill>
+              </a:rPr>
+              <a:t>driver_override</a:t>
+            </a:r>
+            <a:r>
+              <a:rPr lang="en-US" dirty="0"/>
+              <a:t>)</a:t>
+            </a:r>
+          </a:p>
+        </p:txBody>
+      </p:sp>
+      <p:cxnSp>
+        <p:nvCxnSpPr>
+          <p:cNvPr id="15" name="Straight Arrow Connector 14">
+            <a:extLst>
+              <a:ext uri="{FF2B5EF4-FFF2-40B4-BE49-F238E27FC236}">
+                <a16:creationId xmlns:a16="http://schemas.microsoft.com/office/drawing/2014/main" id="{41AE148B-1C46-4B00-991D-FEFF306FE046}"/>
+              </a:ext>
+            </a:extLst>
+          </p:cNvPr>
+          <p:cNvCxnSpPr>
+            <a:cxnSpLocks/>
+          </p:cNvCxnSpPr>
+          <p:nvPr/>
+        </p:nvCxnSpPr>
+        <p:spPr>
+          <a:xfrm flipV="1">
+            <a:off x="2553417" y="2078221"/>
+            <a:ext cx="4717819" cy="2010561"/>
+          </a:xfrm>
+          <a:prstGeom prst="straightConnector1">
+            <a:avLst/>
+          </a:prstGeom>
+          <a:ln w="38100">
+            <a:tailEnd type="triangle"/>
+          </a:ln>
+        </p:spPr>
+        <p:style>
+          <a:lnRef idx="1">
+            <a:schemeClr val="accent1"/>
+          </a:lnRef>
+          <a:fillRef idx="0">
+            <a:schemeClr val="accent1"/>
+          </a:fillRef>
+          <a:effectRef idx="0">
+            <a:schemeClr val="accent1"/>
+          </a:effectRef>
+          <a:fontRef idx="minor">
+            <a:schemeClr val="tx1"/>
+          </a:fontRef>
+        </p:style>
+      </p:cxnSp>
+      <p:sp>
+        <p:nvSpPr>
+          <p:cNvPr id="18" name="TextBox 17">
+            <a:extLst>
+              <a:ext uri="{FF2B5EF4-FFF2-40B4-BE49-F238E27FC236}">
+                <a16:creationId xmlns:a16="http://schemas.microsoft.com/office/drawing/2014/main" id="{9F1FA9AD-F14B-4F1F-A82E-5F624B2D97CE}"/>
+              </a:ext>
+            </a:extLst>
+          </p:cNvPr>
+          <p:cNvSpPr txBox="1"/>
+          <p:nvPr/>
+        </p:nvSpPr>
+        <p:spPr>
+          <a:xfrm>
+            <a:off x="1047138" y="1666640"/>
+            <a:ext cx="3012558" cy="646331"/>
+          </a:xfrm>
+          <a:prstGeom prst="rect">
+            <a:avLst/>
+          </a:prstGeom>
+          <a:noFill/>
+        </p:spPr>
+        <p:txBody>
+          <a:bodyPr wrap="square" rtlCol="0">
+            <a:spAutoFit/>
+          </a:bodyPr>
+          <a:lstStyle/>
+          <a:p>
+            <a:r>
+              <a:rPr lang="en-US" dirty="0" err="1">
+                <a:solidFill>
+                  <a:srgbClr val="FF0000"/>
+                </a:solidFill>
+              </a:rPr>
+              <a:t>pdev</a:t>
+            </a:r>
+            <a:r>
+              <a:rPr lang="en-US" dirty="0">
+                <a:solidFill>
+                  <a:srgbClr val="FF0000"/>
+                </a:solidFill>
+              </a:rPr>
+              <a:t>-&gt;</a:t>
+            </a:r>
+            <a:r>
+              <a:rPr lang="en-US" dirty="0" err="1">
+                <a:solidFill>
+                  <a:srgbClr val="FF0000"/>
+                </a:solidFill>
+              </a:rPr>
+              <a:t>driver_override</a:t>
+            </a:r>
+            <a:r>
+              <a:rPr lang="en-US" dirty="0">
+                <a:solidFill>
+                  <a:srgbClr val="FF0000"/>
+                </a:solidFill>
+              </a:rPr>
+              <a:t> 	=</a:t>
+            </a:r>
+            <a:r>
+              <a:rPr lang="en-US" dirty="0" err="1">
+                <a:solidFill>
+                  <a:srgbClr val="FF0000"/>
+                </a:solidFill>
+              </a:rPr>
+              <a:t>driver_overide</a:t>
+            </a:r>
+            <a:endParaRPr lang="en-US" dirty="0">
+              <a:solidFill>
+                <a:srgbClr val="FF0000"/>
+              </a:solidFill>
+            </a:endParaRPr>
+          </a:p>
+        </p:txBody>
+      </p:sp>
+      <p:sp>
+        <p:nvSpPr>
+          <p:cNvPr id="19" name="TextBox 18">
+            <a:extLst>
+              <a:ext uri="{FF2B5EF4-FFF2-40B4-BE49-F238E27FC236}">
+                <a16:creationId xmlns:a16="http://schemas.microsoft.com/office/drawing/2014/main" id="{C536BE0D-7F56-4ED5-9C37-C7C1AB52E413}"/>
+              </a:ext>
+            </a:extLst>
+          </p:cNvPr>
+          <p:cNvSpPr txBox="1"/>
+          <p:nvPr/>
+        </p:nvSpPr>
+        <p:spPr>
+          <a:xfrm>
+            <a:off x="1047138" y="2242478"/>
+            <a:ext cx="3012558" cy="369332"/>
+          </a:xfrm>
+          <a:prstGeom prst="rect">
+            <a:avLst/>
+          </a:prstGeom>
+          <a:noFill/>
+        </p:spPr>
+        <p:txBody>
+          <a:bodyPr wrap="square" rtlCol="0">
+            <a:spAutoFit/>
+          </a:bodyPr>
+          <a:lstStyle/>
+          <a:p>
+            <a:r>
+              <a:rPr lang="en-US" dirty="0" err="1"/>
+              <a:t>kfree</a:t>
+            </a:r>
+            <a:r>
+              <a:rPr lang="en-US" dirty="0"/>
+              <a:t>(old)</a:t>
+            </a:r>
+          </a:p>
+        </p:txBody>
+      </p:sp>
+      <p:cxnSp>
+        <p:nvCxnSpPr>
+          <p:cNvPr id="21" name="Straight Arrow Connector 20">
+            <a:extLst>
+              <a:ext uri="{FF2B5EF4-FFF2-40B4-BE49-F238E27FC236}">
+                <a16:creationId xmlns:a16="http://schemas.microsoft.com/office/drawing/2014/main" id="{B1D05825-3A6E-4C27-A75F-FE60AA963EF4}"/>
+              </a:ext>
+            </a:extLst>
+          </p:cNvPr>
+          <p:cNvCxnSpPr>
+            <a:cxnSpLocks/>
+          </p:cNvCxnSpPr>
+          <p:nvPr/>
+        </p:nvCxnSpPr>
+        <p:spPr>
+          <a:xfrm>
+            <a:off x="3280081" y="2119500"/>
+            <a:ext cx="4680161" cy="1360670"/>
+          </a:xfrm>
+          <a:prstGeom prst="straightConnector1">
+            <a:avLst/>
+          </a:prstGeom>
+          <a:ln w="38100">
+            <a:solidFill>
+              <a:schemeClr val="bg2">
+                <a:lumMod val="25000"/>
+              </a:schemeClr>
+            </a:solidFill>
+            <a:tailEnd type="triangle"/>
+          </a:ln>
+        </p:spPr>
+        <p:style>
+          <a:lnRef idx="2">
+            <a:schemeClr val="accent6"/>
+          </a:lnRef>
+          <a:fillRef idx="0">
+            <a:schemeClr val="accent6"/>
+          </a:fillRef>
+          <a:effectRef idx="1">
+            <a:schemeClr val="accent6"/>
+          </a:effectRef>
+          <a:fontRef idx="minor">
+            <a:schemeClr val="tx1"/>
+          </a:fontRef>
+        </p:style>
+      </p:cxnSp>
+      <p:sp>
+        <p:nvSpPr>
+          <p:cNvPr id="23" name="TextBox 22">
+            <a:extLst>
+              <a:ext uri="{FF2B5EF4-FFF2-40B4-BE49-F238E27FC236}">
+                <a16:creationId xmlns:a16="http://schemas.microsoft.com/office/drawing/2014/main" id="{D1D5BC57-6C70-4AE7-A0C5-130CE26E1442}"/>
+              </a:ext>
+            </a:extLst>
+          </p:cNvPr>
+          <p:cNvSpPr txBox="1"/>
+          <p:nvPr/>
+        </p:nvSpPr>
+        <p:spPr>
+          <a:xfrm>
+            <a:off x="7528358" y="1593746"/>
+            <a:ext cx="568504" cy="369332"/>
+          </a:xfrm>
+          <a:prstGeom prst="rect">
+            <a:avLst/>
+          </a:prstGeom>
+          <a:noFill/>
+        </p:spPr>
+        <p:txBody>
+          <a:bodyPr wrap="square" rtlCol="0">
+            <a:spAutoFit/>
+          </a:bodyPr>
+          <a:lstStyle/>
+          <a:p>
+            <a:r>
+              <a:rPr lang="en-US" dirty="0"/>
+              <a:t>1</a:t>
+            </a:r>
+          </a:p>
+        </p:txBody>
+      </p:sp>
+      <p:sp>
+        <p:nvSpPr>
+          <p:cNvPr id="24" name="TextBox 23">
+            <a:extLst>
+              <a:ext uri="{FF2B5EF4-FFF2-40B4-BE49-F238E27FC236}">
+                <a16:creationId xmlns:a16="http://schemas.microsoft.com/office/drawing/2014/main" id="{6041623B-0727-4F97-A03A-786D5E9055F2}"/>
+              </a:ext>
+            </a:extLst>
+          </p:cNvPr>
+          <p:cNvSpPr txBox="1"/>
+          <p:nvPr/>
+        </p:nvSpPr>
+        <p:spPr>
+          <a:xfrm>
+            <a:off x="8238734" y="3241327"/>
+            <a:ext cx="568504" cy="369332"/>
+          </a:xfrm>
+          <a:prstGeom prst="rect">
+            <a:avLst/>
+          </a:prstGeom>
+          <a:noFill/>
+        </p:spPr>
+        <p:txBody>
+          <a:bodyPr wrap="square" rtlCol="0">
+            <a:spAutoFit/>
+          </a:bodyPr>
+          <a:lstStyle/>
+          <a:p>
+            <a:r>
+              <a:rPr lang="en-US" dirty="0"/>
+              <a:t>2</a:t>
+            </a:r>
+          </a:p>
+        </p:txBody>
+      </p:sp>
+    </p:spTree>
+    <p:extLst>
+      <p:ext uri="{BB962C8B-B14F-4D97-AF65-F5344CB8AC3E}">
+        <p14:creationId xmlns:p14="http://schemas.microsoft.com/office/powerpoint/2010/main" val="3431195667"/>
+      </p:ext>
+    </p:extLst>
+  </p:cSld>
+  <p:clrMapOvr>
+    <a:masterClrMapping/>
+  </p:clrMapOvr>
+</p:sld>
+</file>
+
+<file path=ppt/slides/slide22.xml><?xml version="1.0" encoding="utf-8"?>
+<p:sld xmlns:a="http://schemas.openxmlformats.org/drawingml/2006/main" xmlns:r="http://schemas.openxmlformats.org/officeDocument/2006/relationships" xmlns:p="http://schemas.openxmlformats.org/presentationml/2006/main">
+  <p:cSld>
+    <p:spTree>
+      <p:nvGrpSpPr>
+        <p:cNvPr id="1" name=""/>
+        <p:cNvGrpSpPr/>
+        <p:nvPr/>
+      </p:nvGrpSpPr>
+      <p:grpSpPr>
+        <a:xfrm>
+          <a:off x="0" y="0"/>
+          <a:ext cx="0" cy="0"/>
+          <a:chOff x="0" y="0"/>
+          <a:chExt cx="0" cy="0"/>
+        </a:xfrm>
+      </p:grpSpPr>
+      <p:sp>
+        <p:nvSpPr>
+          <p:cNvPr id="2" name="Title 1">
+            <a:extLst>
+              <a:ext uri="{FF2B5EF4-FFF2-40B4-BE49-F238E27FC236}">
+                <a16:creationId xmlns:a16="http://schemas.microsoft.com/office/drawing/2014/main" id="{1AA37EED-E8A2-4197-988F-97B51A914869}"/>
+              </a:ext>
+            </a:extLst>
+          </p:cNvPr>
+          <p:cNvSpPr>
+            <a:spLocks noGrp="1"/>
+          </p:cNvSpPr>
+          <p:nvPr>
+            <p:ph type="title"/>
+          </p:nvPr>
+        </p:nvSpPr>
+        <p:spPr/>
+        <p:txBody>
+          <a:bodyPr>
+            <a:normAutofit fontScale="90000"/>
+          </a:bodyPr>
+          <a:lstStyle/>
+          <a:p>
+            <a:r>
+              <a:rPr lang="en-US" dirty="0"/>
+              <a:t>Execution</a:t>
+            </a:r>
+          </a:p>
+        </p:txBody>
+      </p:sp>
+      <p:pic>
+        <p:nvPicPr>
+          <p:cNvPr id="5" name="Picture 4">
+            <a:extLst>
+              <a:ext uri="{FF2B5EF4-FFF2-40B4-BE49-F238E27FC236}">
+                <a16:creationId xmlns:a16="http://schemas.microsoft.com/office/drawing/2014/main" id="{9F671147-5904-4058-ABCA-F7A3873CAA36}"/>
+              </a:ext>
+            </a:extLst>
+          </p:cNvPr>
+          <p:cNvPicPr>
+            <a:picLocks noChangeAspect="1"/>
+          </p:cNvPicPr>
+          <p:nvPr/>
+        </p:nvPicPr>
+        <p:blipFill>
+          <a:blip r:embed="rId2">
+            <a:extLst>
+              <a:ext uri="{BEBA8EAE-BF5A-486C-A8C5-ECC9F3942E4B}">
+                <a14:imgProps xmlns:a14="http://schemas.microsoft.com/office/drawing/2010/main">
+                  <a14:imgLayer r:embed="rId3">
+                    <a14:imgEffect>
+                      <a14:backgroundRemoval t="3077" b="97885" l="6889" r="90000">
+                        <a14:foregroundMark x1="53222" y1="9231" x2="57444" y2="1346"/>
+                        <a14:foregroundMark x1="57444" y1="1346" x2="63000" y2="3269"/>
+                        <a14:foregroundMark x1="63000" y1="3269" x2="65667" y2="10192"/>
+                        <a14:foregroundMark x1="28556" y1="87500" x2="24667" y2="97885"/>
+                        <a14:foregroundMark x1="6889" y1="13269" x2="6889" y2="13269"/>
+                      </a14:backgroundRemoval>
+                    </a14:imgEffect>
+                  </a14:imgLayer>
+                </a14:imgProps>
+              </a:ext>
+            </a:extLst>
+          </a:blip>
+          <a:stretch>
+            <a:fillRect/>
+          </a:stretch>
+        </p:blipFill>
+        <p:spPr>
+          <a:xfrm>
+            <a:off x="87275" y="1391456"/>
+            <a:ext cx="1188631" cy="686765"/>
+          </a:xfrm>
+          <a:prstGeom prst="rect">
+            <a:avLst/>
+          </a:prstGeom>
+        </p:spPr>
+      </p:pic>
+      <p:pic>
+        <p:nvPicPr>
+          <p:cNvPr id="6" name="Picture 5">
+            <a:extLst>
+              <a:ext uri="{FF2B5EF4-FFF2-40B4-BE49-F238E27FC236}">
+                <a16:creationId xmlns:a16="http://schemas.microsoft.com/office/drawing/2014/main" id="{F894569B-957A-4EBA-AB3D-2A7905728C77}"/>
+              </a:ext>
+            </a:extLst>
+          </p:cNvPr>
+          <p:cNvPicPr>
+            <a:picLocks noChangeAspect="1"/>
+          </p:cNvPicPr>
+          <p:nvPr/>
+        </p:nvPicPr>
+        <p:blipFill>
+          <a:blip r:embed="rId2">
+            <a:extLst>
+              <a:ext uri="{BEBA8EAE-BF5A-486C-A8C5-ECC9F3942E4B}">
+                <a14:imgProps xmlns:a14="http://schemas.microsoft.com/office/drawing/2010/main">
+                  <a14:imgLayer r:embed="rId3">
+                    <a14:imgEffect>
+                      <a14:backgroundRemoval t="3077" b="97885" l="6889" r="90000">
+                        <a14:foregroundMark x1="53222" y1="9231" x2="57444" y2="1346"/>
+                        <a14:foregroundMark x1="57444" y1="1346" x2="63000" y2="3269"/>
+                        <a14:foregroundMark x1="63000" y1="3269" x2="65667" y2="10192"/>
+                        <a14:foregroundMark x1="28556" y1="87500" x2="24667" y2="97885"/>
+                        <a14:foregroundMark x1="6889" y1="13269" x2="6889" y2="13269"/>
+                      </a14:backgroundRemoval>
+                    </a14:imgEffect>
+                  </a14:imgLayer>
+                </a14:imgProps>
+              </a:ext>
+            </a:extLst>
+          </a:blip>
+          <a:stretch>
+            <a:fillRect/>
+          </a:stretch>
+        </p:blipFill>
+        <p:spPr>
+          <a:xfrm>
+            <a:off x="87274" y="3108422"/>
+            <a:ext cx="1188631" cy="686765"/>
+          </a:xfrm>
+          <a:prstGeom prst="rect">
+            <a:avLst/>
+          </a:prstGeom>
+        </p:spPr>
+      </p:pic>
+      <p:sp>
+        <p:nvSpPr>
+          <p:cNvPr id="7" name="TextBox 6">
+            <a:extLst>
+              <a:ext uri="{FF2B5EF4-FFF2-40B4-BE49-F238E27FC236}">
+                <a16:creationId xmlns:a16="http://schemas.microsoft.com/office/drawing/2014/main" id="{437E64B8-E291-4E9C-B81D-1CD98634517F}"/>
+              </a:ext>
+            </a:extLst>
+          </p:cNvPr>
+          <p:cNvSpPr txBox="1"/>
+          <p:nvPr/>
+        </p:nvSpPr>
+        <p:spPr>
+          <a:xfrm>
+            <a:off x="224971" y="1008552"/>
+            <a:ext cx="1188631" cy="369332"/>
+          </a:xfrm>
+          <a:prstGeom prst="rect">
+            <a:avLst/>
+          </a:prstGeom>
+          <a:noFill/>
+        </p:spPr>
+        <p:txBody>
+          <a:bodyPr wrap="square" rtlCol="0">
+            <a:spAutoFit/>
+          </a:bodyPr>
+          <a:lstStyle/>
+          <a:p>
+            <a:r>
+              <a:rPr lang="en-US" dirty="0"/>
+              <a:t>T1: Store</a:t>
+            </a:r>
+          </a:p>
+        </p:txBody>
+      </p:sp>
+      <p:sp>
+        <p:nvSpPr>
+          <p:cNvPr id="8" name="TextBox 7">
+            <a:extLst>
+              <a:ext uri="{FF2B5EF4-FFF2-40B4-BE49-F238E27FC236}">
+                <a16:creationId xmlns:a16="http://schemas.microsoft.com/office/drawing/2014/main" id="{58E48ED4-7279-4954-A226-AC801D0AAC86}"/>
+              </a:ext>
+            </a:extLst>
+          </p:cNvPr>
+          <p:cNvSpPr txBox="1"/>
+          <p:nvPr/>
+        </p:nvSpPr>
+        <p:spPr>
+          <a:xfrm>
+            <a:off x="224971" y="2820446"/>
+            <a:ext cx="1188631" cy="369332"/>
+          </a:xfrm>
+          <a:prstGeom prst="rect">
+            <a:avLst/>
+          </a:prstGeom>
+          <a:noFill/>
+        </p:spPr>
+        <p:txBody>
+          <a:bodyPr wrap="square" rtlCol="0">
+            <a:spAutoFit/>
+          </a:bodyPr>
+          <a:lstStyle/>
+          <a:p>
+            <a:r>
+              <a:rPr lang="en-US" dirty="0"/>
+              <a:t>T2: Show</a:t>
+            </a:r>
+          </a:p>
+        </p:txBody>
+      </p:sp>
+      <p:sp>
+        <p:nvSpPr>
+          <p:cNvPr id="9" name="Rectangle 8">
+            <a:extLst>
+              <a:ext uri="{FF2B5EF4-FFF2-40B4-BE49-F238E27FC236}">
+                <a16:creationId xmlns:a16="http://schemas.microsoft.com/office/drawing/2014/main" id="{5C6D0FC2-8244-403D-B5D3-4B134576F716}"/>
+              </a:ext>
+            </a:extLst>
+          </p:cNvPr>
+          <p:cNvSpPr/>
+          <p:nvPr/>
+        </p:nvSpPr>
+        <p:spPr>
+          <a:xfrm>
+            <a:off x="7342119" y="1412835"/>
+            <a:ext cx="754743" cy="771173"/>
+          </a:xfrm>
+          <a:prstGeom prst="rect">
+            <a:avLst/>
+          </a:prstGeom>
+        </p:spPr>
+        <p:style>
+          <a:lnRef idx="2">
+            <a:schemeClr val="accent1">
+              <a:shade val="50000"/>
+            </a:schemeClr>
+          </a:lnRef>
+          <a:fillRef idx="1">
+            <a:schemeClr val="accent1"/>
+          </a:fillRef>
+          <a:effectRef idx="0">
+            <a:schemeClr val="accent1"/>
+          </a:effectRef>
+          <a:fontRef idx="minor">
+            <a:schemeClr val="lt1"/>
+          </a:fontRef>
+        </p:style>
+        <p:txBody>
+          <a:bodyPr rtlCol="0" anchor="ctr"/>
+          <a:lstStyle/>
+          <a:p>
+            <a:pPr algn="ctr"/>
+            <a:endParaRPr lang="en-US"/>
+          </a:p>
+        </p:txBody>
+      </p:sp>
+      <p:sp>
+        <p:nvSpPr>
+          <p:cNvPr id="10" name="Rectangle 9">
+            <a:extLst>
+              <a:ext uri="{FF2B5EF4-FFF2-40B4-BE49-F238E27FC236}">
+                <a16:creationId xmlns:a16="http://schemas.microsoft.com/office/drawing/2014/main" id="{412EB7EC-C6FB-4064-940D-CAADC892F4C5}"/>
+              </a:ext>
+            </a:extLst>
+          </p:cNvPr>
+          <p:cNvSpPr/>
+          <p:nvPr/>
+        </p:nvSpPr>
+        <p:spPr>
+          <a:xfrm>
+            <a:off x="8036377" y="3094584"/>
+            <a:ext cx="754743" cy="771173"/>
+          </a:xfrm>
+          <a:prstGeom prst="rect">
+            <a:avLst/>
+          </a:prstGeom>
+        </p:spPr>
+        <p:style>
+          <a:lnRef idx="2">
+            <a:schemeClr val="accent1">
+              <a:shade val="50000"/>
+            </a:schemeClr>
+          </a:lnRef>
+          <a:fillRef idx="1">
+            <a:schemeClr val="accent1"/>
+          </a:fillRef>
+          <a:effectRef idx="0">
+            <a:schemeClr val="accent1"/>
+          </a:effectRef>
+          <a:fontRef idx="minor">
+            <a:schemeClr val="lt1"/>
+          </a:fontRef>
+        </p:style>
+        <p:txBody>
+          <a:bodyPr rtlCol="0" anchor="ctr"/>
+          <a:lstStyle/>
+          <a:p>
+            <a:pPr algn="ctr"/>
+            <a:endParaRPr lang="en-US"/>
+          </a:p>
+        </p:txBody>
+      </p:sp>
+      <p:sp>
+        <p:nvSpPr>
+          <p:cNvPr id="11" name="TextBox 10">
+            <a:extLst>
+              <a:ext uri="{FF2B5EF4-FFF2-40B4-BE49-F238E27FC236}">
+                <a16:creationId xmlns:a16="http://schemas.microsoft.com/office/drawing/2014/main" id="{F6FD1DCB-BF36-4518-9360-5422A06B7FB1}"/>
+              </a:ext>
+            </a:extLst>
+          </p:cNvPr>
+          <p:cNvSpPr txBox="1"/>
+          <p:nvPr/>
+        </p:nvSpPr>
+        <p:spPr>
+          <a:xfrm>
+            <a:off x="1047138" y="1367801"/>
+            <a:ext cx="3012558" cy="369332"/>
+          </a:xfrm>
+          <a:prstGeom prst="rect">
+            <a:avLst/>
+          </a:prstGeom>
+          <a:noFill/>
+        </p:spPr>
+        <p:txBody>
+          <a:bodyPr wrap="square" rtlCol="0">
+            <a:spAutoFit/>
+          </a:bodyPr>
+          <a:lstStyle/>
+          <a:p>
+            <a:r>
+              <a:rPr lang="en-US" dirty="0"/>
+              <a:t>old = </a:t>
+            </a:r>
+            <a:r>
+              <a:rPr lang="en-US" dirty="0" err="1"/>
+              <a:t>pdev</a:t>
+            </a:r>
+            <a:r>
+              <a:rPr lang="en-US" dirty="0"/>
+              <a:t>-&gt;</a:t>
+            </a:r>
+            <a:r>
+              <a:rPr lang="en-US" dirty="0" err="1"/>
+              <a:t>driver_override</a:t>
+            </a:r>
+            <a:endParaRPr lang="en-US" dirty="0"/>
+          </a:p>
+        </p:txBody>
+      </p:sp>
+      <p:cxnSp>
+        <p:nvCxnSpPr>
+          <p:cNvPr id="13" name="Straight Arrow Connector 12">
+            <a:extLst>
+              <a:ext uri="{FF2B5EF4-FFF2-40B4-BE49-F238E27FC236}">
+                <a16:creationId xmlns:a16="http://schemas.microsoft.com/office/drawing/2014/main" id="{CA1EBADD-C74F-42DA-B5B2-9DDCFF1A18C7}"/>
+              </a:ext>
+            </a:extLst>
+          </p:cNvPr>
+          <p:cNvCxnSpPr>
+            <a:cxnSpLocks/>
+          </p:cNvCxnSpPr>
+          <p:nvPr/>
+        </p:nvCxnSpPr>
+        <p:spPr>
+          <a:xfrm>
+            <a:off x="3792280" y="1552467"/>
+            <a:ext cx="3478956" cy="245955"/>
+          </a:xfrm>
+          <a:prstGeom prst="straightConnector1">
+            <a:avLst/>
+          </a:prstGeom>
+          <a:ln w="38100">
+            <a:tailEnd type="triangle"/>
+          </a:ln>
+        </p:spPr>
+        <p:style>
+          <a:lnRef idx="1">
+            <a:schemeClr val="accent1"/>
+          </a:lnRef>
+          <a:fillRef idx="0">
+            <a:schemeClr val="accent1"/>
+          </a:fillRef>
+          <a:effectRef idx="0">
+            <a:schemeClr val="accent1"/>
+          </a:effectRef>
+          <a:fontRef idx="minor">
+            <a:schemeClr val="tx1"/>
+          </a:fontRef>
+        </p:style>
+      </p:cxnSp>
+      <p:sp>
+        <p:nvSpPr>
+          <p:cNvPr id="14" name="TextBox 13">
+            <a:extLst>
+              <a:ext uri="{FF2B5EF4-FFF2-40B4-BE49-F238E27FC236}">
+                <a16:creationId xmlns:a16="http://schemas.microsoft.com/office/drawing/2014/main" id="{B907C9E4-9E0E-48BF-AB02-3DD7216BEBDB}"/>
+              </a:ext>
+            </a:extLst>
+          </p:cNvPr>
+          <p:cNvSpPr txBox="1"/>
+          <p:nvPr/>
+        </p:nvSpPr>
+        <p:spPr>
+          <a:xfrm>
+            <a:off x="448170" y="3765616"/>
+            <a:ext cx="3012558" cy="646331"/>
+          </a:xfrm>
+          <a:prstGeom prst="rect">
+            <a:avLst/>
+          </a:prstGeom>
+          <a:noFill/>
+        </p:spPr>
+        <p:txBody>
+          <a:bodyPr wrap="square" rtlCol="0">
+            <a:spAutoFit/>
+          </a:bodyPr>
+          <a:lstStyle/>
+          <a:p>
+            <a:r>
+              <a:rPr lang="en-US" dirty="0" err="1">
+                <a:solidFill>
+                  <a:srgbClr val="FF0000"/>
+                </a:solidFill>
+              </a:rPr>
+              <a:t>sprintf</a:t>
+            </a:r>
+            <a:r>
+              <a:rPr lang="en-US" dirty="0">
+                <a:solidFill>
+                  <a:srgbClr val="FF0000"/>
+                </a:solidFill>
+              </a:rPr>
+              <a:t>(</a:t>
+            </a:r>
+            <a:r>
+              <a:rPr lang="en-US" dirty="0" err="1">
+                <a:solidFill>
+                  <a:srgbClr val="FF0000"/>
+                </a:solidFill>
+              </a:rPr>
+              <a:t>buf</a:t>
+            </a:r>
+            <a:r>
+              <a:rPr lang="en-US" dirty="0">
+                <a:solidFill>
+                  <a:srgbClr val="FF0000"/>
+                </a:solidFill>
+              </a:rPr>
+              <a:t>, “%s\n”,</a:t>
+            </a:r>
+          </a:p>
+          <a:p>
+            <a:r>
+              <a:rPr lang="en-US" dirty="0">
+                <a:solidFill>
+                  <a:srgbClr val="FF0000"/>
+                </a:solidFill>
+              </a:rPr>
+              <a:t>	</a:t>
+            </a:r>
+            <a:r>
+              <a:rPr lang="en-US" dirty="0" err="1">
+                <a:solidFill>
+                  <a:srgbClr val="FF0000"/>
+                </a:solidFill>
+              </a:rPr>
+              <a:t>pdev</a:t>
+            </a:r>
+            <a:r>
+              <a:rPr lang="en-US" dirty="0">
+                <a:solidFill>
+                  <a:srgbClr val="FF0000"/>
+                </a:solidFill>
+              </a:rPr>
+              <a:t>-&gt;</a:t>
+            </a:r>
+            <a:r>
+              <a:rPr lang="en-US" dirty="0" err="1">
+                <a:solidFill>
+                  <a:srgbClr val="FF0000"/>
+                </a:solidFill>
+              </a:rPr>
+              <a:t>driver_override</a:t>
+            </a:r>
+            <a:r>
+              <a:rPr lang="en-US" dirty="0">
+                <a:solidFill>
+                  <a:srgbClr val="FF0000"/>
+                </a:solidFill>
+              </a:rPr>
+              <a:t>)</a:t>
+            </a:r>
+          </a:p>
+        </p:txBody>
+      </p:sp>
+      <p:cxnSp>
+        <p:nvCxnSpPr>
+          <p:cNvPr id="15" name="Straight Arrow Connector 14">
+            <a:extLst>
+              <a:ext uri="{FF2B5EF4-FFF2-40B4-BE49-F238E27FC236}">
+                <a16:creationId xmlns:a16="http://schemas.microsoft.com/office/drawing/2014/main" id="{41AE148B-1C46-4B00-991D-FEFF306FE046}"/>
+              </a:ext>
+            </a:extLst>
+          </p:cNvPr>
+          <p:cNvCxnSpPr>
+            <a:cxnSpLocks/>
+          </p:cNvCxnSpPr>
+          <p:nvPr/>
+        </p:nvCxnSpPr>
+        <p:spPr>
+          <a:xfrm flipV="1">
+            <a:off x="2553417" y="2078221"/>
+            <a:ext cx="4717819" cy="2010561"/>
+          </a:xfrm>
+          <a:prstGeom prst="straightConnector1">
+            <a:avLst/>
+          </a:prstGeom>
+          <a:ln w="38100">
+            <a:tailEnd type="triangle"/>
+          </a:ln>
+        </p:spPr>
+        <p:style>
+          <a:lnRef idx="1">
+            <a:schemeClr val="accent1"/>
+          </a:lnRef>
+          <a:fillRef idx="0">
+            <a:schemeClr val="accent1"/>
+          </a:fillRef>
+          <a:effectRef idx="0">
+            <a:schemeClr val="accent1"/>
+          </a:effectRef>
+          <a:fontRef idx="minor">
+            <a:schemeClr val="tx1"/>
+          </a:fontRef>
+        </p:style>
+      </p:cxnSp>
+      <p:sp>
+        <p:nvSpPr>
+          <p:cNvPr id="18" name="TextBox 17">
+            <a:extLst>
+              <a:ext uri="{FF2B5EF4-FFF2-40B4-BE49-F238E27FC236}">
+                <a16:creationId xmlns:a16="http://schemas.microsoft.com/office/drawing/2014/main" id="{9F1FA9AD-F14B-4F1F-A82E-5F624B2D97CE}"/>
+              </a:ext>
+            </a:extLst>
+          </p:cNvPr>
+          <p:cNvSpPr txBox="1"/>
+          <p:nvPr/>
+        </p:nvSpPr>
+        <p:spPr>
+          <a:xfrm>
+            <a:off x="1047138" y="1666640"/>
+            <a:ext cx="3012558" cy="646331"/>
+          </a:xfrm>
+          <a:prstGeom prst="rect">
+            <a:avLst/>
+          </a:prstGeom>
+          <a:noFill/>
+        </p:spPr>
+        <p:txBody>
+          <a:bodyPr wrap="square" rtlCol="0">
+            <a:spAutoFit/>
+          </a:bodyPr>
+          <a:lstStyle/>
+          <a:p>
+            <a:r>
+              <a:rPr lang="en-US" dirty="0" err="1"/>
+              <a:t>pdev</a:t>
+            </a:r>
+            <a:r>
+              <a:rPr lang="en-US" dirty="0"/>
+              <a:t>-&gt;</a:t>
+            </a:r>
+            <a:r>
+              <a:rPr lang="en-US" dirty="0" err="1"/>
+              <a:t>driver_override</a:t>
+            </a:r>
+            <a:r>
+              <a:rPr lang="en-US" dirty="0"/>
+              <a:t> 	=</a:t>
+            </a:r>
+            <a:r>
+              <a:rPr lang="en-US" dirty="0" err="1"/>
+              <a:t>driver_overide</a:t>
+            </a:r>
+            <a:endParaRPr lang="en-US" dirty="0"/>
+          </a:p>
+        </p:txBody>
+      </p:sp>
+      <p:sp>
+        <p:nvSpPr>
+          <p:cNvPr id="19" name="TextBox 18">
+            <a:extLst>
+              <a:ext uri="{FF2B5EF4-FFF2-40B4-BE49-F238E27FC236}">
+                <a16:creationId xmlns:a16="http://schemas.microsoft.com/office/drawing/2014/main" id="{C536BE0D-7F56-4ED5-9C37-C7C1AB52E413}"/>
+              </a:ext>
+            </a:extLst>
+          </p:cNvPr>
+          <p:cNvSpPr txBox="1"/>
+          <p:nvPr/>
+        </p:nvSpPr>
+        <p:spPr>
+          <a:xfrm>
+            <a:off x="1047138" y="2242478"/>
+            <a:ext cx="3012558" cy="369332"/>
+          </a:xfrm>
+          <a:prstGeom prst="rect">
+            <a:avLst/>
+          </a:prstGeom>
+          <a:noFill/>
+        </p:spPr>
+        <p:txBody>
+          <a:bodyPr wrap="square" rtlCol="0">
+            <a:spAutoFit/>
+          </a:bodyPr>
+          <a:lstStyle/>
+          <a:p>
+            <a:r>
+              <a:rPr lang="en-US" dirty="0" err="1">
+                <a:solidFill>
+                  <a:srgbClr val="FF0000"/>
+                </a:solidFill>
+              </a:rPr>
+              <a:t>kfree</a:t>
+            </a:r>
+            <a:r>
+              <a:rPr lang="en-US" dirty="0">
+                <a:solidFill>
+                  <a:srgbClr val="FF0000"/>
+                </a:solidFill>
+              </a:rPr>
+              <a:t>(old)</a:t>
+            </a:r>
+          </a:p>
+        </p:txBody>
+      </p:sp>
+      <p:cxnSp>
+        <p:nvCxnSpPr>
+          <p:cNvPr id="21" name="Straight Arrow Connector 20">
+            <a:extLst>
+              <a:ext uri="{FF2B5EF4-FFF2-40B4-BE49-F238E27FC236}">
+                <a16:creationId xmlns:a16="http://schemas.microsoft.com/office/drawing/2014/main" id="{B1D05825-3A6E-4C27-A75F-FE60AA963EF4}"/>
+              </a:ext>
+            </a:extLst>
+          </p:cNvPr>
+          <p:cNvCxnSpPr>
+            <a:cxnSpLocks/>
+          </p:cNvCxnSpPr>
+          <p:nvPr/>
+        </p:nvCxnSpPr>
+        <p:spPr>
+          <a:xfrm>
+            <a:off x="3280081" y="2119500"/>
+            <a:ext cx="4680161" cy="1360670"/>
+          </a:xfrm>
+          <a:prstGeom prst="straightConnector1">
+            <a:avLst/>
+          </a:prstGeom>
+          <a:ln w="38100">
+            <a:solidFill>
+              <a:schemeClr val="bg2">
+                <a:lumMod val="25000"/>
+              </a:schemeClr>
+            </a:solidFill>
+            <a:tailEnd type="triangle"/>
+          </a:ln>
+        </p:spPr>
+        <p:style>
+          <a:lnRef idx="2">
+            <a:schemeClr val="accent6"/>
+          </a:lnRef>
+          <a:fillRef idx="0">
+            <a:schemeClr val="accent6"/>
+          </a:fillRef>
+          <a:effectRef idx="1">
+            <a:schemeClr val="accent6"/>
+          </a:effectRef>
+          <a:fontRef idx="minor">
+            <a:schemeClr val="tx1"/>
+          </a:fontRef>
+        </p:style>
+      </p:cxnSp>
+      <p:sp>
+        <p:nvSpPr>
+          <p:cNvPr id="23" name="TextBox 22">
+            <a:extLst>
+              <a:ext uri="{FF2B5EF4-FFF2-40B4-BE49-F238E27FC236}">
+                <a16:creationId xmlns:a16="http://schemas.microsoft.com/office/drawing/2014/main" id="{D1D5BC57-6C70-4AE7-A0C5-130CE26E1442}"/>
+              </a:ext>
+            </a:extLst>
+          </p:cNvPr>
+          <p:cNvSpPr txBox="1"/>
+          <p:nvPr/>
+        </p:nvSpPr>
+        <p:spPr>
+          <a:xfrm>
+            <a:off x="7528358" y="1593746"/>
+            <a:ext cx="568504" cy="369332"/>
+          </a:xfrm>
+          <a:prstGeom prst="rect">
+            <a:avLst/>
+          </a:prstGeom>
+          <a:noFill/>
+        </p:spPr>
+        <p:txBody>
+          <a:bodyPr wrap="square" rtlCol="0">
+            <a:spAutoFit/>
+          </a:bodyPr>
+          <a:lstStyle/>
+          <a:p>
+            <a:r>
+              <a:rPr lang="en-US" dirty="0"/>
+              <a:t>1</a:t>
+            </a:r>
+          </a:p>
+        </p:txBody>
+      </p:sp>
+      <p:sp>
+        <p:nvSpPr>
+          <p:cNvPr id="24" name="TextBox 23">
+            <a:extLst>
+              <a:ext uri="{FF2B5EF4-FFF2-40B4-BE49-F238E27FC236}">
+                <a16:creationId xmlns:a16="http://schemas.microsoft.com/office/drawing/2014/main" id="{6041623B-0727-4F97-A03A-786D5E9055F2}"/>
+              </a:ext>
+            </a:extLst>
+          </p:cNvPr>
+          <p:cNvSpPr txBox="1"/>
+          <p:nvPr/>
+        </p:nvSpPr>
+        <p:spPr>
+          <a:xfrm>
+            <a:off x="8238734" y="3241327"/>
+            <a:ext cx="568504" cy="369332"/>
+          </a:xfrm>
+          <a:prstGeom prst="rect">
+            <a:avLst/>
+          </a:prstGeom>
+          <a:noFill/>
+        </p:spPr>
+        <p:txBody>
+          <a:bodyPr wrap="square" rtlCol="0">
+            <a:spAutoFit/>
+          </a:bodyPr>
+          <a:lstStyle/>
+          <a:p>
+            <a:r>
+              <a:rPr lang="en-US" dirty="0"/>
+              <a:t>2</a:t>
+            </a:r>
+          </a:p>
+        </p:txBody>
+      </p:sp>
+    </p:spTree>
+    <p:extLst>
+      <p:ext uri="{BB962C8B-B14F-4D97-AF65-F5344CB8AC3E}">
+        <p14:creationId xmlns:p14="http://schemas.microsoft.com/office/powerpoint/2010/main" val="1190099649"/>
+      </p:ext>
+    </p:extLst>
+  </p:cSld>
+  <p:clrMapOvr>
+    <a:masterClrMapping/>
+  </p:clrMapOvr>
+</p:sld>
+</file>
+
+<file path=ppt/slides/slide23.xml><?xml version="1.0" encoding="utf-8"?>
+<p:sld xmlns:a="http://schemas.openxmlformats.org/drawingml/2006/main" xmlns:r="http://schemas.openxmlformats.org/officeDocument/2006/relationships" xmlns:p="http://schemas.openxmlformats.org/presentationml/2006/main">
+  <p:cSld>
+    <p:spTree>
+      <p:nvGrpSpPr>
+        <p:cNvPr id="1" name=""/>
+        <p:cNvGrpSpPr/>
+        <p:nvPr/>
+      </p:nvGrpSpPr>
+      <p:grpSpPr>
+        <a:xfrm>
+          <a:off x="0" y="0"/>
+          <a:ext cx="0" cy="0"/>
+          <a:chOff x="0" y="0"/>
+          <a:chExt cx="0" cy="0"/>
+        </a:xfrm>
+      </p:grpSpPr>
+      <p:sp>
+        <p:nvSpPr>
+          <p:cNvPr id="2" name="Title 1">
+            <a:extLst>
+              <a:ext uri="{FF2B5EF4-FFF2-40B4-BE49-F238E27FC236}">
+                <a16:creationId xmlns:a16="http://schemas.microsoft.com/office/drawing/2014/main" id="{1AA37EED-E8A2-4197-988F-97B51A914869}"/>
+              </a:ext>
+            </a:extLst>
+          </p:cNvPr>
+          <p:cNvSpPr>
+            <a:spLocks noGrp="1"/>
+          </p:cNvSpPr>
+          <p:nvPr>
+            <p:ph type="title"/>
+          </p:nvPr>
+        </p:nvSpPr>
+        <p:spPr/>
+        <p:txBody>
+          <a:bodyPr>
+            <a:normAutofit fontScale="90000"/>
+          </a:bodyPr>
+          <a:lstStyle/>
+          <a:p>
+            <a:r>
+              <a:rPr lang="en-US" dirty="0"/>
+              <a:t>Execution</a:t>
+            </a:r>
+          </a:p>
+        </p:txBody>
+      </p:sp>
+      <p:pic>
+        <p:nvPicPr>
+          <p:cNvPr id="5" name="Picture 4">
+            <a:extLst>
+              <a:ext uri="{FF2B5EF4-FFF2-40B4-BE49-F238E27FC236}">
+                <a16:creationId xmlns:a16="http://schemas.microsoft.com/office/drawing/2014/main" id="{9F671147-5904-4058-ABCA-F7A3873CAA36}"/>
+              </a:ext>
+            </a:extLst>
+          </p:cNvPr>
+          <p:cNvPicPr>
+            <a:picLocks noChangeAspect="1"/>
+          </p:cNvPicPr>
+          <p:nvPr/>
+        </p:nvPicPr>
+        <p:blipFill>
+          <a:blip r:embed="rId2">
+            <a:extLst>
+              <a:ext uri="{BEBA8EAE-BF5A-486C-A8C5-ECC9F3942E4B}">
+                <a14:imgProps xmlns:a14="http://schemas.microsoft.com/office/drawing/2010/main">
+                  <a14:imgLayer r:embed="rId3">
+                    <a14:imgEffect>
+                      <a14:backgroundRemoval t="3077" b="97885" l="6889" r="90000">
+                        <a14:foregroundMark x1="53222" y1="9231" x2="57444" y2="1346"/>
+                        <a14:foregroundMark x1="57444" y1="1346" x2="63000" y2="3269"/>
+                        <a14:foregroundMark x1="63000" y1="3269" x2="65667" y2="10192"/>
+                        <a14:foregroundMark x1="28556" y1="87500" x2="24667" y2="97885"/>
+                        <a14:foregroundMark x1="6889" y1="13269" x2="6889" y2="13269"/>
+                      </a14:backgroundRemoval>
+                    </a14:imgEffect>
+                  </a14:imgLayer>
+                </a14:imgProps>
+              </a:ext>
+            </a:extLst>
+          </a:blip>
+          <a:stretch>
+            <a:fillRect/>
+          </a:stretch>
+        </p:blipFill>
+        <p:spPr>
+          <a:xfrm>
+            <a:off x="87275" y="1391456"/>
+            <a:ext cx="1188631" cy="686765"/>
+          </a:xfrm>
+          <a:prstGeom prst="rect">
+            <a:avLst/>
+          </a:prstGeom>
+        </p:spPr>
+      </p:pic>
+      <p:pic>
+        <p:nvPicPr>
+          <p:cNvPr id="6" name="Picture 5">
+            <a:extLst>
+              <a:ext uri="{FF2B5EF4-FFF2-40B4-BE49-F238E27FC236}">
+                <a16:creationId xmlns:a16="http://schemas.microsoft.com/office/drawing/2014/main" id="{F894569B-957A-4EBA-AB3D-2A7905728C77}"/>
+              </a:ext>
+            </a:extLst>
+          </p:cNvPr>
+          <p:cNvPicPr>
+            <a:picLocks noChangeAspect="1"/>
+          </p:cNvPicPr>
+          <p:nvPr/>
+        </p:nvPicPr>
+        <p:blipFill>
+          <a:blip r:embed="rId2">
+            <a:extLst>
+              <a:ext uri="{BEBA8EAE-BF5A-486C-A8C5-ECC9F3942E4B}">
+                <a14:imgProps xmlns:a14="http://schemas.microsoft.com/office/drawing/2010/main">
+                  <a14:imgLayer r:embed="rId3">
+                    <a14:imgEffect>
+                      <a14:backgroundRemoval t="3077" b="97885" l="6889" r="90000">
+                        <a14:foregroundMark x1="53222" y1="9231" x2="57444" y2="1346"/>
+                        <a14:foregroundMark x1="57444" y1="1346" x2="63000" y2="3269"/>
+                        <a14:foregroundMark x1="63000" y1="3269" x2="65667" y2="10192"/>
+                        <a14:foregroundMark x1="28556" y1="87500" x2="24667" y2="97885"/>
+                        <a14:foregroundMark x1="6889" y1="13269" x2="6889" y2="13269"/>
+                      </a14:backgroundRemoval>
+                    </a14:imgEffect>
+                  </a14:imgLayer>
+                </a14:imgProps>
+              </a:ext>
+            </a:extLst>
+          </a:blip>
+          <a:stretch>
+            <a:fillRect/>
+          </a:stretch>
+        </p:blipFill>
+        <p:spPr>
+          <a:xfrm>
+            <a:off x="87274" y="3108422"/>
+            <a:ext cx="1188631" cy="686765"/>
+          </a:xfrm>
+          <a:prstGeom prst="rect">
+            <a:avLst/>
+          </a:prstGeom>
+        </p:spPr>
+      </p:pic>
+      <p:sp>
+        <p:nvSpPr>
+          <p:cNvPr id="7" name="TextBox 6">
+            <a:extLst>
+              <a:ext uri="{FF2B5EF4-FFF2-40B4-BE49-F238E27FC236}">
+                <a16:creationId xmlns:a16="http://schemas.microsoft.com/office/drawing/2014/main" id="{437E64B8-E291-4E9C-B81D-1CD98634517F}"/>
+              </a:ext>
+            </a:extLst>
+          </p:cNvPr>
+          <p:cNvSpPr txBox="1"/>
+          <p:nvPr/>
+        </p:nvSpPr>
+        <p:spPr>
+          <a:xfrm>
+            <a:off x="224971" y="1008552"/>
+            <a:ext cx="1188631" cy="369332"/>
+          </a:xfrm>
+          <a:prstGeom prst="rect">
+            <a:avLst/>
+          </a:prstGeom>
+          <a:noFill/>
+        </p:spPr>
+        <p:txBody>
+          <a:bodyPr wrap="square" rtlCol="0">
+            <a:spAutoFit/>
+          </a:bodyPr>
+          <a:lstStyle/>
+          <a:p>
+            <a:r>
+              <a:rPr lang="en-US" dirty="0"/>
+              <a:t>T1: Store</a:t>
+            </a:r>
+          </a:p>
+        </p:txBody>
+      </p:sp>
+      <p:sp>
+        <p:nvSpPr>
+          <p:cNvPr id="8" name="TextBox 7">
+            <a:extLst>
+              <a:ext uri="{FF2B5EF4-FFF2-40B4-BE49-F238E27FC236}">
+                <a16:creationId xmlns:a16="http://schemas.microsoft.com/office/drawing/2014/main" id="{58E48ED4-7279-4954-A226-AC801D0AAC86}"/>
+              </a:ext>
+            </a:extLst>
+          </p:cNvPr>
+          <p:cNvSpPr txBox="1"/>
+          <p:nvPr/>
+        </p:nvSpPr>
+        <p:spPr>
+          <a:xfrm>
+            <a:off x="224971" y="2820446"/>
+            <a:ext cx="1188631" cy="369332"/>
+          </a:xfrm>
+          <a:prstGeom prst="rect">
+            <a:avLst/>
+          </a:prstGeom>
+          <a:noFill/>
+        </p:spPr>
+        <p:txBody>
+          <a:bodyPr wrap="square" rtlCol="0">
+            <a:spAutoFit/>
+          </a:bodyPr>
+          <a:lstStyle/>
+          <a:p>
+            <a:r>
+              <a:rPr lang="en-US" dirty="0"/>
+              <a:t>T2: Show</a:t>
+            </a:r>
+          </a:p>
+        </p:txBody>
+      </p:sp>
+      <p:sp>
+        <p:nvSpPr>
+          <p:cNvPr id="9" name="Rectangle 8">
+            <a:extLst>
+              <a:ext uri="{FF2B5EF4-FFF2-40B4-BE49-F238E27FC236}">
+                <a16:creationId xmlns:a16="http://schemas.microsoft.com/office/drawing/2014/main" id="{5C6D0FC2-8244-403D-B5D3-4B134576F716}"/>
+              </a:ext>
+            </a:extLst>
+          </p:cNvPr>
+          <p:cNvSpPr/>
+          <p:nvPr/>
+        </p:nvSpPr>
+        <p:spPr>
+          <a:xfrm>
+            <a:off x="7342119" y="1412835"/>
+            <a:ext cx="754743" cy="771173"/>
+          </a:xfrm>
+          <a:prstGeom prst="rect">
+            <a:avLst/>
+          </a:prstGeom>
+          <a:noFill/>
+        </p:spPr>
+        <p:style>
+          <a:lnRef idx="2">
+            <a:schemeClr val="dk1">
+              <a:shade val="50000"/>
+            </a:schemeClr>
+          </a:lnRef>
+          <a:fillRef idx="1">
+            <a:schemeClr val="dk1"/>
+          </a:fillRef>
+          <a:effectRef idx="0">
+            <a:schemeClr val="dk1"/>
+          </a:effectRef>
+          <a:fontRef idx="minor">
+            <a:schemeClr val="lt1"/>
+          </a:fontRef>
+        </p:style>
+        <p:txBody>
+          <a:bodyPr rtlCol="0" anchor="ctr"/>
+          <a:lstStyle/>
+          <a:p>
+            <a:pPr algn="ctr"/>
+            <a:endParaRPr lang="en-US"/>
+          </a:p>
+        </p:txBody>
+      </p:sp>
+      <p:sp>
+        <p:nvSpPr>
+          <p:cNvPr id="10" name="Rectangle 9">
+            <a:extLst>
+              <a:ext uri="{FF2B5EF4-FFF2-40B4-BE49-F238E27FC236}">
+                <a16:creationId xmlns:a16="http://schemas.microsoft.com/office/drawing/2014/main" id="{412EB7EC-C6FB-4064-940D-CAADC892F4C5}"/>
+              </a:ext>
+            </a:extLst>
+          </p:cNvPr>
+          <p:cNvSpPr/>
+          <p:nvPr/>
+        </p:nvSpPr>
+        <p:spPr>
+          <a:xfrm>
+            <a:off x="8036377" y="3094584"/>
+            <a:ext cx="754743" cy="771173"/>
+          </a:xfrm>
+          <a:prstGeom prst="rect">
+            <a:avLst/>
+          </a:prstGeom>
+        </p:spPr>
+        <p:style>
+          <a:lnRef idx="2">
+            <a:schemeClr val="accent1">
+              <a:shade val="50000"/>
+            </a:schemeClr>
+          </a:lnRef>
+          <a:fillRef idx="1">
+            <a:schemeClr val="accent1"/>
+          </a:fillRef>
+          <a:effectRef idx="0">
+            <a:schemeClr val="accent1"/>
+          </a:effectRef>
+          <a:fontRef idx="minor">
+            <a:schemeClr val="lt1"/>
+          </a:fontRef>
+        </p:style>
+        <p:txBody>
+          <a:bodyPr rtlCol="0" anchor="ctr"/>
+          <a:lstStyle/>
+          <a:p>
+            <a:pPr algn="ctr"/>
+            <a:endParaRPr lang="en-US"/>
+          </a:p>
+        </p:txBody>
+      </p:sp>
+      <p:sp>
+        <p:nvSpPr>
+          <p:cNvPr id="11" name="TextBox 10">
+            <a:extLst>
+              <a:ext uri="{FF2B5EF4-FFF2-40B4-BE49-F238E27FC236}">
+                <a16:creationId xmlns:a16="http://schemas.microsoft.com/office/drawing/2014/main" id="{F6FD1DCB-BF36-4518-9360-5422A06B7FB1}"/>
+              </a:ext>
+            </a:extLst>
+          </p:cNvPr>
+          <p:cNvSpPr txBox="1"/>
+          <p:nvPr/>
+        </p:nvSpPr>
+        <p:spPr>
+          <a:xfrm>
+            <a:off x="1047138" y="1367801"/>
+            <a:ext cx="3012558" cy="369332"/>
+          </a:xfrm>
+          <a:prstGeom prst="rect">
+            <a:avLst/>
+          </a:prstGeom>
+          <a:noFill/>
+        </p:spPr>
+        <p:txBody>
+          <a:bodyPr wrap="square" rtlCol="0">
+            <a:spAutoFit/>
+          </a:bodyPr>
+          <a:lstStyle/>
+          <a:p>
+            <a:r>
+              <a:rPr lang="en-US" dirty="0"/>
+              <a:t>old = </a:t>
+            </a:r>
+            <a:r>
+              <a:rPr lang="en-US" dirty="0" err="1"/>
+              <a:t>pdev</a:t>
+            </a:r>
+            <a:r>
+              <a:rPr lang="en-US" dirty="0"/>
+              <a:t>-&gt;</a:t>
+            </a:r>
+            <a:r>
+              <a:rPr lang="en-US" dirty="0" err="1"/>
+              <a:t>driver_override</a:t>
+            </a:r>
+            <a:endParaRPr lang="en-US" dirty="0"/>
+          </a:p>
+        </p:txBody>
+      </p:sp>
+      <p:cxnSp>
+        <p:nvCxnSpPr>
+          <p:cNvPr id="13" name="Straight Arrow Connector 12">
+            <a:extLst>
+              <a:ext uri="{FF2B5EF4-FFF2-40B4-BE49-F238E27FC236}">
+                <a16:creationId xmlns:a16="http://schemas.microsoft.com/office/drawing/2014/main" id="{CA1EBADD-C74F-42DA-B5B2-9DDCFF1A18C7}"/>
+              </a:ext>
+            </a:extLst>
+          </p:cNvPr>
+          <p:cNvCxnSpPr>
+            <a:cxnSpLocks/>
+          </p:cNvCxnSpPr>
+          <p:nvPr/>
+        </p:nvCxnSpPr>
+        <p:spPr>
+          <a:xfrm>
+            <a:off x="3792280" y="1552467"/>
+            <a:ext cx="3478956" cy="245955"/>
+          </a:xfrm>
+          <a:prstGeom prst="straightConnector1">
+            <a:avLst/>
+          </a:prstGeom>
+          <a:ln w="38100">
+            <a:tailEnd type="triangle"/>
+          </a:ln>
+        </p:spPr>
+        <p:style>
+          <a:lnRef idx="1">
+            <a:schemeClr val="accent1"/>
+          </a:lnRef>
+          <a:fillRef idx="0">
+            <a:schemeClr val="accent1"/>
+          </a:fillRef>
+          <a:effectRef idx="0">
+            <a:schemeClr val="accent1"/>
+          </a:effectRef>
+          <a:fontRef idx="minor">
+            <a:schemeClr val="tx1"/>
+          </a:fontRef>
+        </p:style>
+      </p:cxnSp>
+      <p:sp>
+        <p:nvSpPr>
+          <p:cNvPr id="14" name="TextBox 13">
+            <a:extLst>
+              <a:ext uri="{FF2B5EF4-FFF2-40B4-BE49-F238E27FC236}">
+                <a16:creationId xmlns:a16="http://schemas.microsoft.com/office/drawing/2014/main" id="{B907C9E4-9E0E-48BF-AB02-3DD7216BEBDB}"/>
+              </a:ext>
+            </a:extLst>
+          </p:cNvPr>
+          <p:cNvSpPr txBox="1"/>
+          <p:nvPr/>
+        </p:nvSpPr>
+        <p:spPr>
+          <a:xfrm>
+            <a:off x="448170" y="3765616"/>
+            <a:ext cx="3012558" cy="646331"/>
+          </a:xfrm>
+          <a:prstGeom prst="rect">
+            <a:avLst/>
+          </a:prstGeom>
+          <a:noFill/>
+        </p:spPr>
+        <p:txBody>
+          <a:bodyPr wrap="square" rtlCol="0">
+            <a:spAutoFit/>
+          </a:bodyPr>
+          <a:lstStyle/>
+          <a:p>
+            <a:r>
+              <a:rPr lang="en-US" dirty="0" err="1">
+                <a:solidFill>
+                  <a:srgbClr val="FF0000"/>
+                </a:solidFill>
+              </a:rPr>
+              <a:t>sprintf</a:t>
+            </a:r>
+            <a:r>
+              <a:rPr lang="en-US" dirty="0">
+                <a:solidFill>
+                  <a:srgbClr val="FF0000"/>
+                </a:solidFill>
+              </a:rPr>
+              <a:t>(</a:t>
+            </a:r>
+            <a:r>
+              <a:rPr lang="en-US" dirty="0" err="1">
+                <a:solidFill>
+                  <a:srgbClr val="FF0000"/>
+                </a:solidFill>
+              </a:rPr>
+              <a:t>buf</a:t>
+            </a:r>
+            <a:r>
+              <a:rPr lang="en-US" dirty="0">
+                <a:solidFill>
+                  <a:srgbClr val="FF0000"/>
+                </a:solidFill>
+              </a:rPr>
+              <a:t>, “%s\n”,</a:t>
+            </a:r>
+          </a:p>
+          <a:p>
+            <a:r>
+              <a:rPr lang="en-US" dirty="0">
+                <a:solidFill>
+                  <a:srgbClr val="FF0000"/>
+                </a:solidFill>
+              </a:rPr>
+              <a:t>	</a:t>
+            </a:r>
+            <a:r>
+              <a:rPr lang="en-US" dirty="0" err="1">
+                <a:solidFill>
+                  <a:srgbClr val="FF0000"/>
+                </a:solidFill>
+              </a:rPr>
+              <a:t>pdev</a:t>
+            </a:r>
+            <a:r>
+              <a:rPr lang="en-US" dirty="0">
+                <a:solidFill>
+                  <a:srgbClr val="FF0000"/>
+                </a:solidFill>
+              </a:rPr>
+              <a:t>-&gt;</a:t>
+            </a:r>
+            <a:r>
+              <a:rPr lang="en-US" dirty="0" err="1">
+                <a:solidFill>
+                  <a:srgbClr val="FF0000"/>
+                </a:solidFill>
+              </a:rPr>
+              <a:t>driver_override</a:t>
+            </a:r>
+            <a:r>
+              <a:rPr lang="en-US" dirty="0">
+                <a:solidFill>
+                  <a:srgbClr val="FF0000"/>
+                </a:solidFill>
+              </a:rPr>
+              <a:t>)</a:t>
+            </a:r>
+          </a:p>
+        </p:txBody>
+      </p:sp>
+      <p:cxnSp>
+        <p:nvCxnSpPr>
+          <p:cNvPr id="15" name="Straight Arrow Connector 14">
+            <a:extLst>
+              <a:ext uri="{FF2B5EF4-FFF2-40B4-BE49-F238E27FC236}">
+                <a16:creationId xmlns:a16="http://schemas.microsoft.com/office/drawing/2014/main" id="{41AE148B-1C46-4B00-991D-FEFF306FE046}"/>
+              </a:ext>
+            </a:extLst>
+          </p:cNvPr>
+          <p:cNvCxnSpPr>
+            <a:cxnSpLocks/>
+          </p:cNvCxnSpPr>
+          <p:nvPr/>
+        </p:nvCxnSpPr>
+        <p:spPr>
+          <a:xfrm flipV="1">
+            <a:off x="2553417" y="2078221"/>
+            <a:ext cx="4717819" cy="2010561"/>
+          </a:xfrm>
+          <a:prstGeom prst="straightConnector1">
+            <a:avLst/>
+          </a:prstGeom>
+          <a:ln w="38100">
+            <a:tailEnd type="triangle"/>
+          </a:ln>
+        </p:spPr>
+        <p:style>
+          <a:lnRef idx="1">
+            <a:schemeClr val="accent1"/>
+          </a:lnRef>
+          <a:fillRef idx="0">
+            <a:schemeClr val="accent1"/>
+          </a:fillRef>
+          <a:effectRef idx="0">
+            <a:schemeClr val="accent1"/>
+          </a:effectRef>
+          <a:fontRef idx="minor">
+            <a:schemeClr val="tx1"/>
+          </a:fontRef>
+        </p:style>
+      </p:cxnSp>
+      <p:sp>
+        <p:nvSpPr>
+          <p:cNvPr id="18" name="TextBox 17">
+            <a:extLst>
+              <a:ext uri="{FF2B5EF4-FFF2-40B4-BE49-F238E27FC236}">
+                <a16:creationId xmlns:a16="http://schemas.microsoft.com/office/drawing/2014/main" id="{9F1FA9AD-F14B-4F1F-A82E-5F624B2D97CE}"/>
+              </a:ext>
+            </a:extLst>
+          </p:cNvPr>
+          <p:cNvSpPr txBox="1"/>
+          <p:nvPr/>
+        </p:nvSpPr>
+        <p:spPr>
+          <a:xfrm>
+            <a:off x="1047138" y="1666640"/>
+            <a:ext cx="3012558" cy="646331"/>
+          </a:xfrm>
+          <a:prstGeom prst="rect">
+            <a:avLst/>
+          </a:prstGeom>
+          <a:noFill/>
+        </p:spPr>
+        <p:txBody>
+          <a:bodyPr wrap="square" rtlCol="0">
+            <a:spAutoFit/>
+          </a:bodyPr>
+          <a:lstStyle/>
+          <a:p>
+            <a:r>
+              <a:rPr lang="en-US" dirty="0" err="1"/>
+              <a:t>pdev</a:t>
+            </a:r>
+            <a:r>
+              <a:rPr lang="en-US" dirty="0"/>
+              <a:t>-&gt;</a:t>
+            </a:r>
+            <a:r>
+              <a:rPr lang="en-US" dirty="0" err="1"/>
+              <a:t>driver_override</a:t>
+            </a:r>
+            <a:r>
+              <a:rPr lang="en-US" dirty="0"/>
+              <a:t> 	=</a:t>
+            </a:r>
+            <a:r>
+              <a:rPr lang="en-US" dirty="0" err="1"/>
+              <a:t>driver_overide</a:t>
+            </a:r>
+            <a:endParaRPr lang="en-US" dirty="0"/>
+          </a:p>
+        </p:txBody>
+      </p:sp>
+      <p:sp>
+        <p:nvSpPr>
+          <p:cNvPr id="19" name="TextBox 18">
+            <a:extLst>
+              <a:ext uri="{FF2B5EF4-FFF2-40B4-BE49-F238E27FC236}">
+                <a16:creationId xmlns:a16="http://schemas.microsoft.com/office/drawing/2014/main" id="{C536BE0D-7F56-4ED5-9C37-C7C1AB52E413}"/>
+              </a:ext>
+            </a:extLst>
+          </p:cNvPr>
+          <p:cNvSpPr txBox="1"/>
+          <p:nvPr/>
+        </p:nvSpPr>
+        <p:spPr>
+          <a:xfrm>
+            <a:off x="1047138" y="2242478"/>
+            <a:ext cx="3012558" cy="369332"/>
+          </a:xfrm>
+          <a:prstGeom prst="rect">
+            <a:avLst/>
+          </a:prstGeom>
+          <a:noFill/>
+        </p:spPr>
+        <p:txBody>
+          <a:bodyPr wrap="square" rtlCol="0">
+            <a:spAutoFit/>
+          </a:bodyPr>
+          <a:lstStyle/>
+          <a:p>
+            <a:r>
+              <a:rPr lang="en-US" dirty="0" err="1"/>
+              <a:t>kfree</a:t>
+            </a:r>
+            <a:r>
+              <a:rPr lang="en-US" dirty="0"/>
+              <a:t>(old)</a:t>
+            </a:r>
+          </a:p>
+        </p:txBody>
+      </p:sp>
+      <p:cxnSp>
+        <p:nvCxnSpPr>
+          <p:cNvPr id="21" name="Straight Arrow Connector 20">
+            <a:extLst>
+              <a:ext uri="{FF2B5EF4-FFF2-40B4-BE49-F238E27FC236}">
+                <a16:creationId xmlns:a16="http://schemas.microsoft.com/office/drawing/2014/main" id="{B1D05825-3A6E-4C27-A75F-FE60AA963EF4}"/>
+              </a:ext>
+            </a:extLst>
+          </p:cNvPr>
+          <p:cNvCxnSpPr>
+            <a:cxnSpLocks/>
+          </p:cNvCxnSpPr>
+          <p:nvPr/>
+        </p:nvCxnSpPr>
+        <p:spPr>
+          <a:xfrm>
+            <a:off x="3280081" y="2119500"/>
+            <a:ext cx="4680161" cy="1360670"/>
+          </a:xfrm>
+          <a:prstGeom prst="straightConnector1">
+            <a:avLst/>
+          </a:prstGeom>
+          <a:ln w="38100">
+            <a:solidFill>
+              <a:schemeClr val="bg2">
+                <a:lumMod val="25000"/>
+              </a:schemeClr>
+            </a:solidFill>
+            <a:tailEnd type="triangle"/>
+          </a:ln>
+        </p:spPr>
+        <p:style>
+          <a:lnRef idx="2">
+            <a:schemeClr val="accent6"/>
+          </a:lnRef>
+          <a:fillRef idx="0">
+            <a:schemeClr val="accent6"/>
+          </a:fillRef>
+          <a:effectRef idx="1">
+            <a:schemeClr val="accent6"/>
+          </a:effectRef>
+          <a:fontRef idx="minor">
+            <a:schemeClr val="tx1"/>
+          </a:fontRef>
+        </p:style>
+      </p:cxnSp>
+      <p:sp>
+        <p:nvSpPr>
+          <p:cNvPr id="24" name="TextBox 23">
+            <a:extLst>
+              <a:ext uri="{FF2B5EF4-FFF2-40B4-BE49-F238E27FC236}">
+                <a16:creationId xmlns:a16="http://schemas.microsoft.com/office/drawing/2014/main" id="{6041623B-0727-4F97-A03A-786D5E9055F2}"/>
+              </a:ext>
+            </a:extLst>
+          </p:cNvPr>
+          <p:cNvSpPr txBox="1"/>
+          <p:nvPr/>
+        </p:nvSpPr>
+        <p:spPr>
+          <a:xfrm>
+            <a:off x="8238734" y="3241327"/>
+            <a:ext cx="568504" cy="369332"/>
+          </a:xfrm>
+          <a:prstGeom prst="rect">
+            <a:avLst/>
+          </a:prstGeom>
+          <a:noFill/>
+        </p:spPr>
+        <p:txBody>
+          <a:bodyPr wrap="square" rtlCol="0">
+            <a:spAutoFit/>
+          </a:bodyPr>
+          <a:lstStyle/>
+          <a:p>
+            <a:r>
+              <a:rPr lang="en-US" dirty="0"/>
+              <a:t>2</a:t>
+            </a:r>
+          </a:p>
+        </p:txBody>
+      </p:sp>
+      <p:pic>
+        <p:nvPicPr>
+          <p:cNvPr id="4" name="Graphic 3" descr="Crying Face with Solid Fill">
+            <a:extLst>
+              <a:ext uri="{FF2B5EF4-FFF2-40B4-BE49-F238E27FC236}">
+                <a16:creationId xmlns:a16="http://schemas.microsoft.com/office/drawing/2014/main" id="{B92EEE8B-114A-4629-BD08-7BE903BCDA98}"/>
+              </a:ext>
+            </a:extLst>
+          </p:cNvPr>
+          <p:cNvPicPr>
+            <a:picLocks noChangeAspect="1"/>
+          </p:cNvPicPr>
+          <p:nvPr/>
+        </p:nvPicPr>
+        <p:blipFill>
+          <a:blip r:embed="rId4">
+            <a:extLst>
+              <a:ext uri="{96DAC541-7B7A-43D3-8B79-37D633B846F1}">
+                <asvg:svgBlip xmlns:asvg="http://schemas.microsoft.com/office/drawing/2016/SVG/main" r:embed="rId5"/>
+              </a:ext>
+            </a:extLst>
+          </a:blip>
+          <a:stretch>
+            <a:fillRect/>
+          </a:stretch>
+        </p:blipFill>
+        <p:spPr>
+          <a:xfrm>
+            <a:off x="7271236" y="1352303"/>
+            <a:ext cx="914400" cy="914400"/>
+          </a:xfrm>
+          <a:prstGeom prst="rect">
+            <a:avLst/>
+          </a:prstGeom>
+        </p:spPr>
+      </p:pic>
+    </p:spTree>
+    <p:extLst>
+      <p:ext uri="{BB962C8B-B14F-4D97-AF65-F5344CB8AC3E}">
+        <p14:creationId xmlns:p14="http://schemas.microsoft.com/office/powerpoint/2010/main" val="1659241380"/>
+      </p:ext>
+    </p:extLst>
+  </p:cSld>
+  <p:clrMapOvr>
+    <a:masterClrMapping/>
+  </p:clrMapOvr>
+</p:sld>
+</file>
+
+<file path=ppt/slides/slide24.xml><?xml version="1.0" encoding="utf-8"?>
+<p:sld xmlns:a="http://schemas.openxmlformats.org/drawingml/2006/main" xmlns:r="http://schemas.openxmlformats.org/officeDocument/2006/relationships" xmlns:p="http://schemas.openxmlformats.org/presentationml/2006/main">
+  <p:cSld>
+    <p:spTree>
+      <p:nvGrpSpPr>
+        <p:cNvPr id="1" name=""/>
+        <p:cNvGrpSpPr/>
+        <p:nvPr/>
+      </p:nvGrpSpPr>
+      <p:grpSpPr>
+        <a:xfrm>
+          <a:off x="0" y="0"/>
+          <a:ext cx="0" cy="0"/>
+          <a:chOff x="0" y="0"/>
+          <a:chExt cx="0" cy="0"/>
+        </a:xfrm>
+      </p:grpSpPr>
+      <p:sp>
+        <p:nvSpPr>
+          <p:cNvPr id="2" name="Title 1">
+            <a:extLst>
+              <a:ext uri="{FF2B5EF4-FFF2-40B4-BE49-F238E27FC236}">
+                <a16:creationId xmlns:a16="http://schemas.microsoft.com/office/drawing/2014/main" id="{F9B9876A-4865-4DF0-802A-48BD6C1AB1D3}"/>
+              </a:ext>
+            </a:extLst>
+          </p:cNvPr>
+          <p:cNvSpPr>
+            <a:spLocks noGrp="1"/>
+          </p:cNvSpPr>
+          <p:nvPr>
+            <p:ph type="title"/>
+          </p:nvPr>
+        </p:nvSpPr>
+        <p:spPr/>
+        <p:txBody>
+          <a:bodyPr>
+            <a:normAutofit fontScale="90000"/>
+          </a:bodyPr>
+          <a:lstStyle/>
+          <a:p>
+            <a:r>
+              <a:rPr lang="en-US" dirty="0"/>
+              <a:t>Solution</a:t>
+            </a:r>
+          </a:p>
+        </p:txBody>
+      </p:sp>
+      <p:sp>
+        <p:nvSpPr>
+          <p:cNvPr id="3" name="Text Placeholder 2">
+            <a:extLst>
+              <a:ext uri="{FF2B5EF4-FFF2-40B4-BE49-F238E27FC236}">
+                <a16:creationId xmlns:a16="http://schemas.microsoft.com/office/drawing/2014/main" id="{EB886583-99D0-45F4-BC57-5BC39A5D3105}"/>
+              </a:ext>
+            </a:extLst>
+          </p:cNvPr>
+          <p:cNvSpPr>
+            <a:spLocks noGrp="1"/>
+          </p:cNvSpPr>
+          <p:nvPr>
+            <p:ph type="body" idx="1"/>
+          </p:nvPr>
+        </p:nvSpPr>
+        <p:spPr>
+          <a:xfrm>
+            <a:off x="311700" y="1282075"/>
+            <a:ext cx="8520600" cy="3410575"/>
+          </a:xfrm>
+        </p:spPr>
+        <p:txBody>
+          <a:bodyPr/>
+          <a:lstStyle/>
+          <a:p>
+            <a:r>
+              <a:rPr lang="en-US" dirty="0"/>
+              <a:t>Introduce locks to protect shared data</a:t>
+            </a:r>
+          </a:p>
+        </p:txBody>
+      </p:sp>
+      <p:sp>
+        <p:nvSpPr>
+          <p:cNvPr id="4" name="TextBox 3">
+            <a:extLst>
+              <a:ext uri="{FF2B5EF4-FFF2-40B4-BE49-F238E27FC236}">
+                <a16:creationId xmlns:a16="http://schemas.microsoft.com/office/drawing/2014/main" id="{BFA0DC7E-2F1B-4350-AD7B-3B6C706A7DE4}"/>
+              </a:ext>
+            </a:extLst>
+          </p:cNvPr>
+          <p:cNvSpPr txBox="1"/>
+          <p:nvPr/>
+        </p:nvSpPr>
+        <p:spPr>
+          <a:xfrm>
+            <a:off x="533400" y="1809750"/>
+            <a:ext cx="4629150" cy="2308324"/>
+          </a:xfrm>
+          <a:prstGeom prst="rect">
+            <a:avLst/>
+          </a:prstGeom>
+          <a:noFill/>
+        </p:spPr>
+        <p:txBody>
+          <a:bodyPr wrap="square" rtlCol="0">
+            <a:spAutoFit/>
+          </a:bodyPr>
+          <a:lstStyle/>
+          <a:p>
+            <a:r>
+              <a:rPr lang="en-US" sz="1600" dirty="0" err="1"/>
+              <a:t>driver_override_store</a:t>
+            </a:r>
+            <a:r>
+              <a:rPr lang="en-US" sz="1600" dirty="0"/>
+              <a:t>(dev):</a:t>
+            </a:r>
+          </a:p>
+          <a:p>
+            <a:r>
+              <a:rPr lang="en-US" sz="1600" dirty="0"/>
+              <a:t>	</a:t>
+            </a:r>
+            <a:r>
+              <a:rPr lang="en-US" sz="1600" dirty="0" err="1"/>
+              <a:t>pdev</a:t>
+            </a:r>
+            <a:r>
+              <a:rPr lang="en-US" sz="1600" dirty="0"/>
+              <a:t> = </a:t>
+            </a:r>
+            <a:r>
+              <a:rPr lang="en-US" sz="1600" dirty="0" err="1"/>
+              <a:t>to_platform_dev</a:t>
+            </a:r>
+            <a:r>
+              <a:rPr lang="en-US" sz="1600" dirty="0"/>
+              <a:t>(dev)</a:t>
+            </a:r>
+          </a:p>
+          <a:p>
+            <a:r>
+              <a:rPr lang="en-US" sz="1600" dirty="0"/>
+              <a:t>	…</a:t>
+            </a:r>
+          </a:p>
+          <a:p>
+            <a:r>
+              <a:rPr lang="en-US" sz="1600" dirty="0"/>
+              <a:t>	lock(dev)</a:t>
+            </a:r>
+          </a:p>
+          <a:p>
+            <a:r>
+              <a:rPr lang="en-US" sz="1600" dirty="0"/>
+              <a:t>	old = </a:t>
+            </a:r>
+            <a:r>
+              <a:rPr lang="en-US" sz="1600" dirty="0" err="1"/>
+              <a:t>pdev</a:t>
+            </a:r>
+            <a:r>
+              <a:rPr lang="en-US" sz="1600" dirty="0"/>
+              <a:t>-&gt;</a:t>
+            </a:r>
+            <a:r>
+              <a:rPr lang="en-US" sz="1600" dirty="0" err="1"/>
+              <a:t>driver_override</a:t>
+            </a:r>
+            <a:endParaRPr lang="en-US" sz="1600" dirty="0"/>
+          </a:p>
+          <a:p>
+            <a:r>
+              <a:rPr lang="en-US" sz="1600" dirty="0"/>
+              <a:t>	update(</a:t>
+            </a:r>
+            <a:r>
+              <a:rPr lang="en-US" sz="1600" dirty="0" err="1"/>
+              <a:t>pdev</a:t>
+            </a:r>
+            <a:r>
+              <a:rPr lang="en-US" sz="1600" dirty="0"/>
+              <a:t>-&gt;</a:t>
+            </a:r>
+            <a:r>
+              <a:rPr lang="en-US" sz="1600" dirty="0" err="1"/>
+              <a:t>driver_override</a:t>
+            </a:r>
+            <a:r>
+              <a:rPr lang="en-US" sz="1600" dirty="0"/>
+              <a:t>)</a:t>
+            </a:r>
+          </a:p>
+          <a:p>
+            <a:r>
+              <a:rPr lang="en-US" sz="1600" dirty="0"/>
+              <a:t>	unlock(dev)</a:t>
+            </a:r>
+          </a:p>
+          <a:p>
+            <a:r>
+              <a:rPr lang="en-US" sz="1600" dirty="0"/>
+              <a:t>	</a:t>
+            </a:r>
+            <a:r>
+              <a:rPr lang="en-US" sz="1600" dirty="0" err="1"/>
+              <a:t>kfree</a:t>
+            </a:r>
+            <a:r>
+              <a:rPr lang="en-US" sz="1600" dirty="0"/>
+              <a:t>(old)</a:t>
+            </a:r>
+          </a:p>
+          <a:p>
+            <a:r>
+              <a:rPr lang="en-US" sz="1600" dirty="0"/>
+              <a:t>	return count</a:t>
+            </a:r>
+          </a:p>
+        </p:txBody>
+      </p:sp>
+      <p:sp>
+        <p:nvSpPr>
+          <p:cNvPr id="5" name="TextBox 4">
+            <a:extLst>
+              <a:ext uri="{FF2B5EF4-FFF2-40B4-BE49-F238E27FC236}">
+                <a16:creationId xmlns:a16="http://schemas.microsoft.com/office/drawing/2014/main" id="{2BB5C70D-6380-4F1F-9571-2E1082FDDFD8}"/>
+              </a:ext>
+            </a:extLst>
+          </p:cNvPr>
+          <p:cNvSpPr txBox="1"/>
+          <p:nvPr/>
+        </p:nvSpPr>
+        <p:spPr>
+          <a:xfrm>
+            <a:off x="4279900" y="1809750"/>
+            <a:ext cx="4864100" cy="1569660"/>
+          </a:xfrm>
+          <a:prstGeom prst="rect">
+            <a:avLst/>
+          </a:prstGeom>
+          <a:noFill/>
+        </p:spPr>
+        <p:txBody>
+          <a:bodyPr wrap="square" rtlCol="0">
+            <a:spAutoFit/>
+          </a:bodyPr>
+          <a:lstStyle/>
+          <a:p>
+            <a:r>
+              <a:rPr lang="en-US" sz="1600" dirty="0" err="1"/>
+              <a:t>driver_override_show</a:t>
+            </a:r>
+            <a:r>
+              <a:rPr lang="en-US" sz="1600" dirty="0"/>
+              <a:t>(dev, buffer):</a:t>
+            </a:r>
+          </a:p>
+          <a:p>
+            <a:r>
+              <a:rPr lang="en-US" sz="1600" dirty="0"/>
+              <a:t>	</a:t>
+            </a:r>
+            <a:r>
+              <a:rPr lang="en-US" sz="1600" dirty="0" err="1"/>
+              <a:t>pdev</a:t>
+            </a:r>
+            <a:r>
+              <a:rPr lang="en-US" sz="1600" dirty="0"/>
+              <a:t> = </a:t>
+            </a:r>
+            <a:r>
+              <a:rPr lang="en-US" sz="1600" dirty="0" err="1"/>
+              <a:t>to_platform_dev</a:t>
+            </a:r>
+            <a:r>
+              <a:rPr lang="en-US" sz="1600" dirty="0"/>
+              <a:t>(dev)</a:t>
+            </a:r>
+          </a:p>
+          <a:p>
+            <a:r>
+              <a:rPr lang="en-US" sz="1600" dirty="0"/>
+              <a:t>	lock (dev)</a:t>
+            </a:r>
+          </a:p>
+          <a:p>
+            <a:r>
+              <a:rPr lang="en-US" sz="1600" dirty="0"/>
+              <a:t>	</a:t>
+            </a:r>
+            <a:r>
+              <a:rPr lang="en-US" sz="1600" dirty="0" err="1"/>
+              <a:t>len</a:t>
+            </a:r>
+            <a:r>
+              <a:rPr lang="en-US" sz="1600" dirty="0"/>
+              <a:t> = </a:t>
+            </a:r>
+            <a:r>
+              <a:rPr lang="en-US" sz="1600" dirty="0" err="1"/>
+              <a:t>sprintf</a:t>
+            </a:r>
+            <a:r>
+              <a:rPr lang="en-US" sz="1600" dirty="0"/>
+              <a:t>(buffer, “%s\n”, </a:t>
+            </a:r>
+            <a:r>
+              <a:rPr lang="en-US" sz="1600" dirty="0" err="1"/>
+              <a:t>pdev</a:t>
+            </a:r>
+            <a:r>
+              <a:rPr lang="en-US" sz="1600" dirty="0"/>
+              <a:t>-&gt;</a:t>
+            </a:r>
+            <a:r>
+              <a:rPr lang="en-US" sz="1600" dirty="0" err="1"/>
+              <a:t>driver_override</a:t>
+            </a:r>
+            <a:r>
+              <a:rPr lang="en-US" sz="1600" dirty="0"/>
+              <a:t>)</a:t>
+            </a:r>
+          </a:p>
+          <a:p>
+            <a:r>
+              <a:rPr lang="en-US" sz="1600" dirty="0"/>
+              <a:t>	unlock(dev)</a:t>
+            </a:r>
+          </a:p>
+          <a:p>
+            <a:r>
+              <a:rPr lang="en-US" sz="1600" dirty="0"/>
+              <a:t>	return </a:t>
+            </a:r>
+            <a:r>
+              <a:rPr lang="en-US" sz="1600" dirty="0" err="1"/>
+              <a:t>len</a:t>
+            </a:r>
+            <a:endParaRPr lang="en-US" sz="1600" dirty="0"/>
+          </a:p>
+        </p:txBody>
+      </p:sp>
+    </p:spTree>
+    <p:extLst>
+      <p:ext uri="{BB962C8B-B14F-4D97-AF65-F5344CB8AC3E}">
+        <p14:creationId xmlns:p14="http://schemas.microsoft.com/office/powerpoint/2010/main" val="3636724402"/>
+      </p:ext>
+    </p:extLst>
+  </p:cSld>
+  <p:clrMapOvr>
+    <a:masterClrMapping/>
+  </p:clrMapOvr>
+</p:sld>
+</file>
+
+<file path=ppt/slides/slide25.xml><?xml version="1.0" encoding="utf-8"?>
+<p:sld xmlns:a="http://schemas.openxmlformats.org/drawingml/2006/main" xmlns:r="http://schemas.openxmlformats.org/officeDocument/2006/relationships" xmlns:p="http://schemas.openxmlformats.org/presentationml/2006/main">
+  <p:cSld>
+    <p:spTree>
+      <p:nvGrpSpPr>
+        <p:cNvPr id="1" name=""/>
+        <p:cNvGrpSpPr/>
+        <p:nvPr/>
+      </p:nvGrpSpPr>
+      <p:grpSpPr>
+        <a:xfrm>
+          <a:off x="0" y="0"/>
+          <a:ext cx="0" cy="0"/>
+          <a:chOff x="0" y="0"/>
+          <a:chExt cx="0" cy="0"/>
+        </a:xfrm>
+      </p:grpSpPr>
+      <p:sp>
+        <p:nvSpPr>
+          <p:cNvPr id="2" name="Title 1">
+            <a:extLst>
+              <a:ext uri="{FF2B5EF4-FFF2-40B4-BE49-F238E27FC236}">
+                <a16:creationId xmlns:a16="http://schemas.microsoft.com/office/drawing/2014/main" id="{4101BC9A-318B-4F7A-A7ED-EB0F7FFE69D2}"/>
+              </a:ext>
+            </a:extLst>
+          </p:cNvPr>
+          <p:cNvSpPr>
+            <a:spLocks noGrp="1"/>
+          </p:cNvSpPr>
+          <p:nvPr>
+            <p:ph type="title"/>
+          </p:nvPr>
+        </p:nvSpPr>
+        <p:spPr/>
+        <p:txBody>
+          <a:bodyPr>
+            <a:normAutofit fontScale="90000"/>
+          </a:bodyPr>
+          <a:lstStyle/>
+          <a:p>
+            <a:r>
+              <a:rPr lang="en-US" dirty="0"/>
+              <a:t>Concurrency and </a:t>
+            </a:r>
+            <a:r>
+              <a:rPr lang="en-US" dirty="0" err="1"/>
+              <a:t>Syncrhonization</a:t>
+            </a:r>
+            <a:endParaRPr lang="en-US" dirty="0"/>
+          </a:p>
+        </p:txBody>
+      </p:sp>
+      <p:sp>
+        <p:nvSpPr>
+          <p:cNvPr id="3" name="Text Placeholder 2">
+            <a:extLst>
+              <a:ext uri="{FF2B5EF4-FFF2-40B4-BE49-F238E27FC236}">
+                <a16:creationId xmlns:a16="http://schemas.microsoft.com/office/drawing/2014/main" id="{D0B1FB32-2776-4937-BF8A-FA91926BAE89}"/>
+              </a:ext>
+            </a:extLst>
+          </p:cNvPr>
+          <p:cNvSpPr>
+            <a:spLocks noGrp="1"/>
+          </p:cNvSpPr>
+          <p:nvPr>
+            <p:ph type="body" idx="1"/>
+          </p:nvPr>
+        </p:nvSpPr>
+        <p:spPr>
+          <a:xfrm>
+            <a:off x="311700" y="1372214"/>
+            <a:ext cx="8520600" cy="3326261"/>
+          </a:xfrm>
+        </p:spPr>
+        <p:txBody>
+          <a:bodyPr/>
+          <a:lstStyle/>
+          <a:p>
+            <a:pPr>
+              <a:spcAft>
+                <a:spcPts val="600"/>
+              </a:spcAft>
+            </a:pPr>
+            <a:r>
+              <a:rPr lang="en-US" sz="1800" dirty="0"/>
+              <a:t>Adding locks allows read and write to complete, atomically.</a:t>
+            </a:r>
+          </a:p>
+          <a:p>
+            <a:pPr>
+              <a:spcAft>
+                <a:spcPts val="600"/>
+              </a:spcAft>
+            </a:pPr>
+            <a:r>
+              <a:rPr lang="en-US" sz="1800" dirty="0"/>
+              <a:t>Ensures that the data written to buffer is not corrupted during execution</a:t>
+            </a:r>
+          </a:p>
+          <a:p>
+            <a:pPr lvl="1">
+              <a:spcBef>
+                <a:spcPts val="0"/>
+              </a:spcBef>
+              <a:spcAft>
+                <a:spcPts val="600"/>
+              </a:spcAft>
+            </a:pPr>
+            <a:r>
+              <a:rPr lang="en-US" sz="1800" dirty="0"/>
+              <a:t>If buffer is written to, then a similar thread has either completed overwriting or is blocking for resource</a:t>
+            </a:r>
+          </a:p>
+          <a:p>
+            <a:pPr>
+              <a:spcAft>
+                <a:spcPts val="600"/>
+              </a:spcAft>
+            </a:pPr>
+            <a:r>
+              <a:rPr lang="en-US" sz="1800" dirty="0"/>
+              <a:t>Also synchronization between multiple stores()</a:t>
+            </a:r>
+          </a:p>
+          <a:p>
+            <a:pPr lvl="1">
+              <a:spcBef>
+                <a:spcPts val="0"/>
+              </a:spcBef>
+              <a:spcAft>
+                <a:spcPts val="600"/>
+              </a:spcAft>
+            </a:pPr>
+            <a:r>
+              <a:rPr lang="en-US" sz="1800" dirty="0"/>
+              <a:t>Only 1 thread may write </a:t>
+            </a:r>
+            <a:r>
+              <a:rPr lang="en-US" sz="1800" dirty="0" err="1"/>
+              <a:t>pdev</a:t>
+            </a:r>
+            <a:r>
+              <a:rPr lang="en-US" sz="1800" dirty="0"/>
+              <a:t>-&gt;</a:t>
+            </a:r>
+            <a:r>
+              <a:rPr lang="en-US" sz="1800" dirty="0" err="1"/>
+              <a:t>driver_override</a:t>
+            </a:r>
+            <a:endParaRPr lang="en-US" sz="1800" dirty="0"/>
+          </a:p>
+          <a:p>
+            <a:pPr lvl="1">
+              <a:spcBef>
+                <a:spcPts val="0"/>
+              </a:spcBef>
+              <a:spcAft>
+                <a:spcPts val="600"/>
+              </a:spcAft>
+            </a:pPr>
+            <a:r>
+              <a:rPr lang="en-US" sz="1800" dirty="0"/>
+              <a:t>Only 1 thread may free memory pointed to by old.</a:t>
+            </a:r>
+          </a:p>
+        </p:txBody>
+      </p:sp>
+    </p:spTree>
+    <p:extLst>
+      <p:ext uri="{BB962C8B-B14F-4D97-AF65-F5344CB8AC3E}">
+        <p14:creationId xmlns:p14="http://schemas.microsoft.com/office/powerpoint/2010/main" val="3548681778"/>
+      </p:ext>
+    </p:extLst>
+  </p:cSld>
+  <p:clrMapOvr>
+    <a:masterClrMapping/>
+  </p:clrMapOvr>
+</p:sld>
+</file>
+
+<file path=ppt/slides/slide26.xml><?xml version="1.0" encoding="utf-8"?>
 <p:sld xmlns:a="http://schemas.openxmlformats.org/drawingml/2006/main" xmlns:r="http://schemas.openxmlformats.org/officeDocument/2006/relationships" xmlns:p="http://schemas.openxmlformats.org/presentationml/2006/main">
   <p:cSld>
     <p:spTree>
@@ -7133,6 +13225,10 @@
           </p:nvPr>
         </p:nvSpPr>
         <p:spPr>
+          <a:xfrm>
+            <a:off x="311700" y="1282075"/>
+            <a:ext cx="8520600" cy="3416400"/>
+          </a:xfrm>
           <a:prstGeom prst="rect">
             <a:avLst/>
           </a:prstGeom>
@@ -7153,11 +13249,11 @@
               <a:buNone/>
             </a:pPr>
             <a:r>
-              <a:rPr lang="en"/>
-              <a:t>Github with change - </a:t>
-            </a:r>
-            <a:r>
-              <a:rPr lang="en" u="sng">
+              <a:rPr lang="en" dirty="0"/>
+              <a:t>Github - </a:t>
+            </a:r>
+            <a:r>
+              <a:rPr lang="en" u="sng" dirty="0">
                 <a:solidFill>
                   <a:schemeClr val="hlink"/>
                 </a:solidFill>
@@ -7166,7 +13262,7 @@
               <a:t>https://git.kernel.org/pub/scm/linux/kernel/git/torvalds/linux.git/commit/?id=2fae9e5a7</a:t>
             </a:r>
             <a:r>
-              <a:rPr lang="en" u="sng">
+              <a:rPr lang="en" u="sng" dirty="0">
                 <a:solidFill>
                   <a:schemeClr val="hlink"/>
                 </a:solidFill>
@@ -7175,7 +13271,7 @@
               <a:t>b</a:t>
             </a:r>
             <a:r>
-              <a:rPr lang="en" u="sng">
+              <a:rPr lang="en" u="sng" dirty="0">
                 <a:solidFill>
                   <a:schemeClr val="hlink"/>
                 </a:solidFill>
@@ -7183,7 +13279,7 @@
               </a:rPr>
               <a:t>abada041e2e161699ade2447a01989</a:t>
             </a:r>
-            <a:endParaRPr/>
+            <a:endParaRPr dirty="0"/>
           </a:p>
           <a:p>
             <a:pPr marL="0" lvl="0" indent="0" algn="l" rtl="0">
@@ -7196,11 +13292,11 @@
               <a:buNone/>
             </a:pPr>
             <a:r>
-              <a:rPr lang="en"/>
+              <a:rPr lang="en" dirty="0"/>
               <a:t>Link to vulnerability history - </a:t>
             </a:r>
             <a:r>
-              <a:rPr lang="en" u="sng">
+              <a:rPr lang="en" u="sng" dirty="0">
                 <a:solidFill>
                   <a:schemeClr val="hlink"/>
                 </a:solidFill>
@@ -7208,7 +13304,7 @@
               </a:rPr>
               <a:t>https://nvd.nist.gov/vuln/detail/CVE-2017-15102#vulnCurrentDescriptionTitle</a:t>
             </a:r>
-            <a:endParaRPr/>
+            <a:endParaRPr dirty="0"/>
           </a:p>
           <a:p>
             <a:pPr marL="0" lvl="0" indent="0" algn="l" rtl="0">
@@ -7221,10 +13317,10 @@
               <a:buNone/>
             </a:pPr>
             <a:r>
-              <a:rPr lang="en"/>
+              <a:rPr lang="en" dirty="0"/>
               <a:t>LegoUSB Project website - http://legousb.sourceforge.net/legousbtower/index.shtml</a:t>
             </a:r>
-            <a:endParaRPr/>
+            <a:endParaRPr dirty="0"/>
           </a:p>
         </p:txBody>
       </p:sp>
@@ -7236,7 +13332,7 @@
 </p:sld>
 </file>
 
-<file path=ppt/slides/slide2.xml><?xml version="1.0" encoding="utf-8"?>
+<file path=ppt/slides/slide3.xml><?xml version="1.0" encoding="utf-8"?>
 <p:sld xmlns:a="http://schemas.openxmlformats.org/drawingml/2006/main" xmlns:r="http://schemas.openxmlformats.org/officeDocument/2006/relationships" xmlns:p="http://schemas.openxmlformats.org/presentationml/2006/main">
   <p:cSld>
     <p:spTree>
@@ -7326,10 +13422,10 @@
               <a:buChar char="●"/>
             </a:pPr>
             <a:r>
-              <a:rPr lang="en"/>
+              <a:rPr lang="en" dirty="0"/>
               <a:t>Tower_Probe is a function that exists within the legousbtower driver</a:t>
             </a:r>
-            <a:endParaRPr/>
+            <a:endParaRPr dirty="0"/>
           </a:p>
           <a:p>
             <a:pPr marL="914400" lvl="1" indent="-317500" algn="l" rtl="0">
@@ -7346,10 +13442,10 @@
               <a:buChar char="○"/>
             </a:pPr>
             <a:r>
-              <a:rPr lang="en" sz="1800"/>
+              <a:rPr lang="en" sz="1800" dirty="0"/>
               <a:t>Legousbtower driver provides support for LegoZ Mindstorms USB IR Tower</a:t>
             </a:r>
-            <a:endParaRPr/>
+            <a:endParaRPr dirty="0"/>
           </a:p>
           <a:p>
             <a:pPr marL="457200" lvl="0" indent="-342900" algn="l" rtl="0">
@@ -7366,10 +13462,10 @@
               <a:buChar char="●"/>
             </a:pPr>
             <a:r>
-              <a:rPr lang="en"/>
+              <a:rPr lang="en" dirty="0"/>
               <a:t>The Tower_Probe function is responsible for both registering the usb device and for confirming the devices firmware board ID</a:t>
             </a:r>
-            <a:endParaRPr/>
+            <a:endParaRPr dirty="0"/>
           </a:p>
           <a:p>
             <a:pPr marL="457200" lvl="0" indent="-342900" algn="l" rtl="0">
@@ -7386,10 +13482,10 @@
               <a:buChar char="●"/>
             </a:pPr>
             <a:r>
-              <a:rPr lang="en"/>
+              <a:rPr lang="en" dirty="0"/>
               <a:t>If there is an error in confirming firmware ID then Tower_Probe will call Tower_Delete (Important)</a:t>
             </a:r>
-            <a:endParaRPr/>
+            <a:endParaRPr dirty="0"/>
           </a:p>
           <a:p>
             <a:pPr marL="457200" lvl="0" indent="0" algn="l" rtl="0">
@@ -7404,7 +13500,7 @@
               </a:spcAft>
               <a:buNone/>
             </a:pPr>
-            <a:endParaRPr/>
+            <a:endParaRPr dirty="0"/>
           </a:p>
         </p:txBody>
       </p:sp>
@@ -7416,7 +13512,7 @@
 </p:sld>
 </file>
 
-<file path=ppt/slides/slide3.xml><?xml version="1.0" encoding="utf-8"?>
+<file path=ppt/slides/slide4.xml><?xml version="1.0" encoding="utf-8"?>
 <p:sld xmlns:a="http://schemas.openxmlformats.org/drawingml/2006/main" xmlns:r="http://schemas.openxmlformats.org/officeDocument/2006/relationships" xmlns:p="http://schemas.openxmlformats.org/presentationml/2006/main">
   <p:cSld>
     <p:spTree>
@@ -7583,7 +13679,7 @@
 </p:sld>
 </file>
 
-<file path=ppt/slides/slide4.xml><?xml version="1.0" encoding="utf-8"?>
+<file path=ppt/slides/slide5.xml><?xml version="1.0" encoding="utf-8"?>
 <p:sld xmlns:a="http://schemas.openxmlformats.org/drawingml/2006/main" xmlns:r="http://schemas.openxmlformats.org/officeDocument/2006/relationships" xmlns:p="http://schemas.openxmlformats.org/presentationml/2006/main">
   <p:cSld>
     <p:spTree>
@@ -7751,7 +13847,7 @@
 </p:sld>
 </file>
 
-<file path=ppt/slides/slide5.xml><?xml version="1.0" encoding="utf-8"?>
+<file path=ppt/slides/slide6.xml><?xml version="1.0" encoding="utf-8"?>
 <p:sld xmlns:a="http://schemas.openxmlformats.org/drawingml/2006/main" xmlns:r="http://schemas.openxmlformats.org/officeDocument/2006/relationships" xmlns:p="http://schemas.openxmlformats.org/presentationml/2006/main">
   <p:cSld>
     <p:spTree>
@@ -7924,7 +14020,7 @@
 </p:sld>
 </file>
 
-<file path=ppt/slides/slide6.xml><?xml version="1.0" encoding="utf-8"?>
+<file path=ppt/slides/slide7.xml><?xml version="1.0" encoding="utf-8"?>
 <p:sld xmlns:a="http://schemas.openxmlformats.org/drawingml/2006/main" xmlns:r="http://schemas.openxmlformats.org/officeDocument/2006/relationships" xmlns:p="http://schemas.openxmlformats.org/presentationml/2006/main">
   <p:cSld>
     <p:spTree>
@@ -8089,7 +14185,7 @@
 </p:sld>
 </file>
 
-<file path=ppt/slides/slide7.xml><?xml version="1.0" encoding="utf-8"?>
+<file path=ppt/slides/slide8.xml><?xml version="1.0" encoding="utf-8"?>
 <p:sld xmlns:a="http://schemas.openxmlformats.org/drawingml/2006/main" xmlns:r="http://schemas.openxmlformats.org/officeDocument/2006/relationships" xmlns:p="http://schemas.openxmlformats.org/presentationml/2006/main">
   <p:cSld>
     <p:spTree>
@@ -8257,7 +14353,7 @@
 </p:sld>
 </file>
 
-<file path=ppt/slides/slide8.xml><?xml version="1.0" encoding="utf-8"?>
+<file path=ppt/slides/slide9.xml><?xml version="1.0" encoding="utf-8"?>
 <p:sld xmlns:a="http://schemas.openxmlformats.org/drawingml/2006/main" xmlns:r="http://schemas.openxmlformats.org/officeDocument/2006/relationships" xmlns:p="http://schemas.openxmlformats.org/presentationml/2006/main">
   <p:cSld>
     <p:spTree>
@@ -8418,168 +14514,6 @@
               <a:t>Note: This is only possible if 0 is mappable on the Linux machine and the linux machine kernel has to be a version between 2.6.1x and 4.8.0x</a:t>
             </a:r>
             <a:endParaRPr dirty="0"/>
-          </a:p>
-        </p:txBody>
-      </p:sp>
-    </p:spTree>
-  </p:cSld>
-  <p:clrMapOvr>
-    <a:masterClrMapping/>
-  </p:clrMapOvr>
-</p:sld>
-</file>
-
-<file path=ppt/slides/slide9.xml><?xml version="1.0" encoding="utf-8"?>
-<p:sld xmlns:a="http://schemas.openxmlformats.org/drawingml/2006/main" xmlns:r="http://schemas.openxmlformats.org/officeDocument/2006/relationships" xmlns:p="http://schemas.openxmlformats.org/presentationml/2006/main">
-  <p:cSld>
-    <p:spTree>
-      <p:nvGrpSpPr>
-        <p:cNvPr id="1" name="Shape 110"/>
-        <p:cNvGrpSpPr/>
-        <p:nvPr/>
-      </p:nvGrpSpPr>
-      <p:grpSpPr>
-        <a:xfrm>
-          <a:off x="0" y="0"/>
-          <a:ext cx="0" cy="0"/>
-          <a:chOff x="0" y="0"/>
-          <a:chExt cx="0" cy="0"/>
-        </a:xfrm>
-      </p:grpSpPr>
-      <p:sp>
-        <p:nvSpPr>
-          <p:cNvPr id="111" name="Google Shape;111;p21"/>
-          <p:cNvSpPr txBox="1">
-            <a:spLocks noGrp="1"/>
-          </p:cNvSpPr>
-          <p:nvPr>
-            <p:ph type="title"/>
-          </p:nvPr>
-        </p:nvSpPr>
-        <p:spPr>
-          <a:prstGeom prst="rect">
-            <a:avLst/>
-          </a:prstGeom>
-        </p:spPr>
-        <p:txBody>
-          <a:bodyPr spcFirstLastPara="1" wrap="square" lIns="91425" tIns="91425" rIns="91425" bIns="91425" anchor="t" anchorCtr="0">
-            <a:noAutofit/>
-          </a:bodyPr>
-          <a:lstStyle/>
-          <a:p>
-            <a:pPr marL="0" lvl="0" indent="0" algn="l" rtl="0">
-              <a:spcBef>
-                <a:spcPts val="0"/>
-              </a:spcBef>
-              <a:spcAft>
-                <a:spcPts val="0"/>
-              </a:spcAft>
-              <a:buNone/>
-            </a:pPr>
-            <a:r>
-              <a:rPr lang="en"/>
-              <a:t>Solution</a:t>
-            </a:r>
-            <a:endParaRPr/>
-          </a:p>
-        </p:txBody>
-      </p:sp>
-      <p:sp>
-        <p:nvSpPr>
-          <p:cNvPr id="112" name="Google Shape;112;p21"/>
-          <p:cNvSpPr txBox="1">
-            <a:spLocks noGrp="1"/>
-          </p:cNvSpPr>
-          <p:nvPr>
-            <p:ph type="body" idx="1"/>
-          </p:nvPr>
-        </p:nvSpPr>
-        <p:spPr>
-          <a:prstGeom prst="rect">
-            <a:avLst/>
-          </a:prstGeom>
-        </p:spPr>
-        <p:txBody>
-          <a:bodyPr spcFirstLastPara="1" wrap="square" lIns="91425" tIns="91425" rIns="91425" bIns="91425" anchor="t" anchorCtr="0">
-            <a:noAutofit/>
-          </a:bodyPr>
-          <a:lstStyle/>
-          <a:p>
-            <a:pPr marL="0" lvl="0" indent="0" algn="l" rtl="0">
-              <a:spcBef>
-                <a:spcPts val="0"/>
-              </a:spcBef>
-              <a:spcAft>
-                <a:spcPts val="0"/>
-              </a:spcAft>
-              <a:buNone/>
-            </a:pPr>
-            <a:r>
-              <a:rPr lang="en"/>
-              <a:t>Solution is fairly simple</a:t>
-            </a:r>
-            <a:endParaRPr/>
-          </a:p>
-          <a:p>
-            <a:pPr marL="0" lvl="0" indent="0" algn="l" rtl="0">
-              <a:spcBef>
-                <a:spcPts val="1600"/>
-              </a:spcBef>
-              <a:spcAft>
-                <a:spcPts val="0"/>
-              </a:spcAft>
-              <a:buNone/>
-            </a:pPr>
-            <a:r>
-              <a:rPr lang="en"/>
-              <a:t>It’s only a restructuring of the already existing code in Tower_Probe</a:t>
-            </a:r>
-            <a:endParaRPr/>
-          </a:p>
-          <a:p>
-            <a:pPr marL="0" lvl="0" indent="0" algn="l" rtl="0">
-              <a:spcBef>
-                <a:spcPts val="1600"/>
-              </a:spcBef>
-              <a:spcAft>
-                <a:spcPts val="0"/>
-              </a:spcAft>
-              <a:buNone/>
-            </a:pPr>
-            <a:r>
-              <a:rPr lang="en"/>
-              <a:t>Instead of registering the device before confirming board’s ID we register it after the confirmation</a:t>
-            </a:r>
-            <a:endParaRPr/>
-          </a:p>
-          <a:p>
-            <a:pPr marL="457200" lvl="0" indent="-342900" algn="l" rtl="0">
-              <a:spcBef>
-                <a:spcPts val="1600"/>
-              </a:spcBef>
-              <a:spcAft>
-                <a:spcPts val="0"/>
-              </a:spcAft>
-              <a:buSzPts val="1800"/>
-              <a:buChar char="●"/>
-            </a:pPr>
-            <a:r>
-              <a:rPr lang="en"/>
-              <a:t>Makes stalling meaningless by eliminating the possibility of a read/write operation to happen concurrently with a Tower_Delete</a:t>
-            </a:r>
-            <a:endParaRPr/>
-          </a:p>
-          <a:p>
-            <a:pPr marL="0" lvl="0" indent="0" algn="l" rtl="0">
-              <a:spcBef>
-                <a:spcPts val="1600"/>
-              </a:spcBef>
-              <a:spcAft>
-                <a:spcPts val="1600"/>
-              </a:spcAft>
-              <a:buNone/>
-            </a:pPr>
-            <a:endParaRPr/>
           </a:p>
         </p:txBody>
       </p:sp>
